--- a/ДОКУМЕНТЫ/МАТЕРИАЛ СТАТЬИ/SHIWA_NETWORK_Quantum_Стратегическое_преимущество_в_обеспечении_надежной_синхронизации_времени_для_бизнеса.pptx
+++ b/ДОКУМЕНТЫ/МАТЕРИАЛ СТАТЬИ/SHIWA_NETWORK_Quantum_Стратегическое_преимущество_в_обеспечении_надежной_синхронизации_времени_для_бизнеса.pptx
@@ -4,6 +4,9 @@
   <p:sldMasterIdLst>
     <p:sldMasterId id="2147483648" r:id="rId1"/>
   </p:sldMasterIdLst>
+  <p:notesMasterIdLst>
+    <p:notesMasterId r:id="rId8"/>
+  </p:notesMasterIdLst>
   <p:sldIdLst>
     <p:sldId id="256" r:id="rId2"/>
     <p:sldId id="257" r:id="rId3"/>
@@ -12,10 +15,7 @@
     <p:sldId id="260" r:id="rId6"/>
     <p:sldId id="261" r:id="rId7"/>
   </p:sldIdLst>
-  <p:notesMasterIdLst>
-    <p:notesMasterId r:id="rId8"/>
-  </p:notesMasterIdLst>
-  <p:sldSz cx="9144000" cy="5143500"/>
+  <p:sldSz cx="9144000" cy="5143500" type="screen16x9"/>
   <p:notesSz cx="5143500" cy="9144000"/>
   <p:defaultTextStyle>
     <a:lvl1pPr marL="0" algn="l" defTabSz="914400" rtl="0" eaLnBrk="1" latinLnBrk="0" hangingPunct="1">
@@ -109,6 +109,11 @@
       </a:defRPr>
     </a:lvl9pPr>
   </p:defaultTextStyle>
+  <p:extLst>
+    <p:ext uri="{EFAFB233-063F-42B5-8137-9DF3F51BA10A}">
+      <p15:sldGuideLst xmlns:p15="http://schemas.microsoft.com/office/powerpoint/2012/main"/>
+    </p:ext>
+  </p:extLst>
 </p:presentation>
 </file>
 
@@ -134,234 +139,10 @@
           <a:chExt cx="0" cy="0"/>
         </a:xfrm>
       </p:grpSpPr>
-      <p:sp>
-        <p:nvSpPr>
-          <p:cNvPr id="2" name="Header Placeholder 1"/>
-          <p:cNvSpPr>
-            <a:spLocks noGrp="1"/>
-          </p:cNvSpPr>
-          <p:nvPr>
-            <p:ph type="hdr" sz="quarter"/>
-          </p:nvPr>
-        </p:nvSpPr>
-        <p:spPr>
-          <a:xfrm>
-            <a:off x="0" y="0"/>
-            <a:ext cx="2971800" cy="458788"/>
-          </a:xfrm>
-          <a:prstGeom prst="rect">
-            <a:avLst/>
-          </a:prstGeom>
-        </p:spPr>
-        <p:txBody>
-          <a:bodyPr vert="horz" lIns="91440" tIns="45720" rIns="91440" bIns="45720" rtlCol="0"/>
-          <a:lstStyle>
-            <a:lvl1pPr algn="l">
-              <a:defRPr sz="1200"/>
-            </a:lvl1pPr>
-          </a:lstStyle>
-          <a:p>
-            <a:endParaRPr lang="en-US"/>
-          </a:p>
-        </p:txBody>
-      </p:sp>
-      <p:sp>
-        <p:nvSpPr>
-          <p:cNvPr id="3" name="Date Placeholder 2"/>
-          <p:cNvSpPr>
-            <a:spLocks noGrp="1"/>
-          </p:cNvSpPr>
-          <p:nvPr>
-            <p:ph type="dt" idx="1"/>
-          </p:nvPr>
-        </p:nvSpPr>
-        <p:spPr>
-          <a:xfrm>
-            <a:off x="3884613" y="0"/>
-            <a:ext cx="2971800" cy="458788"/>
-          </a:xfrm>
-          <a:prstGeom prst="rect">
-            <a:avLst/>
-          </a:prstGeom>
-        </p:spPr>
-        <p:txBody>
-          <a:bodyPr vert="horz" lIns="91440" tIns="45720" rIns="91440" bIns="45720" rtlCol="0"/>
-          <a:lstStyle>
-            <a:lvl1pPr algn="r">
-              <a:defRPr sz="1200"/>
-            </a:lvl1pPr>
-          </a:lstStyle>
-          <a:p>
-            <a:fld id="{5282F153-3F37-0F45-9E97-73ACFA13230C}" type="datetimeFigureOut">
-              <a:rPr lang="en-US"/>
-              <a:t>7/23/19</a:t>
-            </a:fld>
-            <a:endParaRPr lang="en-US"/>
-          </a:p>
-        </p:txBody>
-      </p:sp>
-      <p:sp>
-        <p:nvSpPr>
-          <p:cNvPr id="4" name="Slide Image Placeholder 3"/>
-          <p:cNvSpPr>
-            <a:spLocks noGrp="1" noRot="1" noChangeAspect="1"/>
-          </p:cNvSpPr>
-          <p:nvPr>
-            <p:ph type="sldImg" idx="2"/>
-          </p:nvPr>
-        </p:nvSpPr>
-        <p:spPr>
-          <a:xfrm>
-            <a:off x="685800" y="1143000"/>
-            <a:ext cx="5486400" cy="3086100"/>
-          </a:xfrm>
-          <a:prstGeom prst="rect">
-            <a:avLst/>
-          </a:prstGeom>
-          <a:noFill/>
-          <a:ln w="12700">
-            <a:solidFill>
-              <a:prstClr val="black"/>
-            </a:solidFill>
-          </a:ln>
-        </p:spPr>
-        <p:txBody>
-          <a:bodyPr vert="horz" lIns="91440" tIns="45720" rIns="91440" bIns="45720" rtlCol="0" anchor="ctr"/>
-          <a:lstStyle/>
-          <a:p>
-            <a:endParaRPr lang="en-US"/>
-          </a:p>
-        </p:txBody>
-      </p:sp>
-      <p:sp>
-        <p:nvSpPr>
-          <p:cNvPr id="5" name="Notes Placeholder 4"/>
-          <p:cNvSpPr>
-            <a:spLocks noGrp="1"/>
-          </p:cNvSpPr>
-          <p:nvPr>
-            <p:ph type="body" sz="quarter" idx="3"/>
-          </p:nvPr>
-        </p:nvSpPr>
-        <p:spPr>
-          <a:xfrm>
-            <a:off x="685800" y="4400550"/>
-            <a:ext cx="5486400" cy="3600450"/>
-          </a:xfrm>
-          <a:prstGeom prst="rect">
-            <a:avLst/>
-          </a:prstGeom>
-        </p:spPr>
-        <p:txBody>
-          <a:bodyPr vert="horz" lIns="91440" tIns="45720" rIns="91440" bIns="45720" rtlCol="0"/>
-          <a:lstStyle/>
-          <a:p>
-            <a:pPr lvl="0"/>
-            <a:r>
-              <a:rPr lang="en-US"/>
-              <a:t>Click to edit Master text styles</a:t>
-            </a:r>
-          </a:p>
-          <a:p>
-            <a:pPr lvl="1"/>
-            <a:r>
-              <a:rPr lang="en-US"/>
-              <a:t>Second level</a:t>
-            </a:r>
-          </a:p>
-          <a:p>
-            <a:pPr lvl="2"/>
-            <a:r>
-              <a:rPr lang="en-US"/>
-              <a:t>Third level</a:t>
-            </a:r>
-          </a:p>
-          <a:p>
-            <a:pPr lvl="3"/>
-            <a:r>
-              <a:rPr lang="en-US"/>
-              <a:t>Fourth level</a:t>
-            </a:r>
-          </a:p>
-          <a:p>
-            <a:pPr lvl="4"/>
-            <a:r>
-              <a:rPr lang="en-US"/>
-              <a:t>Fifth level</a:t>
-            </a:r>
-          </a:p>
-        </p:txBody>
-      </p:sp>
-      <p:sp>
-        <p:nvSpPr>
-          <p:cNvPr id="6" name="Footer Placeholder 5"/>
-          <p:cNvSpPr>
-            <a:spLocks noGrp="1"/>
-          </p:cNvSpPr>
-          <p:nvPr>
-            <p:ph type="ftr" sz="quarter" idx="4"/>
-          </p:nvPr>
-        </p:nvSpPr>
-        <p:spPr>
-          <a:xfrm>
-            <a:off x="0" y="8685213"/>
-            <a:ext cx="2971800" cy="458787"/>
-          </a:xfrm>
-          <a:prstGeom prst="rect">
-            <a:avLst/>
-          </a:prstGeom>
-        </p:spPr>
-        <p:txBody>
-          <a:bodyPr vert="horz" lIns="91440" tIns="45720" rIns="91440" bIns="45720" rtlCol="0" anchor="b"/>
-          <a:lstStyle>
-            <a:lvl1pPr algn="l">
-              <a:defRPr sz="1200"/>
-            </a:lvl1pPr>
-          </a:lstStyle>
-          <a:p>
-            <a:endParaRPr lang="en-US"/>
-          </a:p>
-        </p:txBody>
-      </p:sp>
-      <p:sp>
-        <p:nvSpPr>
-          <p:cNvPr id="7" name="Slide Number Placeholder 6"/>
-          <p:cNvSpPr>
-            <a:spLocks noGrp="1"/>
-          </p:cNvSpPr>
-          <p:nvPr>
-            <p:ph type="sldNum" sz="quarter" idx="5"/>
-          </p:nvPr>
-        </p:nvSpPr>
-        <p:spPr>
-          <a:xfrm>
-            <a:off x="3884613" y="8685213"/>
-            <a:ext cx="2971800" cy="458787"/>
-          </a:xfrm>
-          <a:prstGeom prst="rect">
-            <a:avLst/>
-          </a:prstGeom>
-        </p:spPr>
-        <p:txBody>
-          <a:bodyPr vert="horz" lIns="91440" tIns="45720" rIns="91440" bIns="45720" rtlCol="0" anchor="b"/>
-          <a:lstStyle>
-            <a:lvl1pPr algn="r">
-              <a:defRPr sz="1200"/>
-            </a:lvl1pPr>
-          </a:lstStyle>
-          <a:p>
-            <a:fld id="{CE5E9CC1-C706-0F49-92D6-E571CC5EEA8F}" type="slidenum">
-              <a:rPr lang="en-US"/>
-              <a:t>‹#›</a:t>
-            </a:fld>
-            <a:endParaRPr lang="en-US"/>
-          </a:p>
-        </p:txBody>
-      </p:sp>
     </p:spTree>
     <p:extLst>
       <p:ext uri="{BB962C8B-B14F-4D97-AF65-F5344CB8AC3E}">
-        <p14:creationId xmlns:p14="http://schemas.microsoft.com/office/powerpoint/2010/main" val="1024086991"/>
+        <p14:creationId xmlns:p14="http://schemas.microsoft.com/office/powerpoint/2010/main" val="2947775182"/>
       </p:ext>
     </p:extLst>
   </p:cSld>
@@ -505,10 +286,6 @@
           <a:bodyPr/>
           <a:lstStyle/>
           <a:p>
-            <a:r>
-              <a:rPr lang="en-US" dirty="0"/>
-              <a:t/>
-            </a:r>
             <a:endParaRPr lang="en-US" dirty="0"/>
           </a:p>
         </p:txBody>
@@ -593,10 +370,6 @@
           <a:bodyPr/>
           <a:lstStyle/>
           <a:p>
-            <a:r>
-              <a:rPr lang="en-US" dirty="0"/>
-              <a:t/>
-            </a:r>
             <a:endParaRPr lang="en-US" dirty="0"/>
           </a:p>
         </p:txBody>
@@ -681,10 +454,6 @@
           <a:bodyPr/>
           <a:lstStyle/>
           <a:p>
-            <a:r>
-              <a:rPr lang="en-US" dirty="0"/>
-              <a:t/>
-            </a:r>
             <a:endParaRPr lang="en-US" dirty="0"/>
           </a:p>
         </p:txBody>
@@ -769,10 +538,6 @@
           <a:bodyPr/>
           <a:lstStyle/>
           <a:p>
-            <a:r>
-              <a:rPr lang="en-US" dirty="0"/>
-              <a:t/>
-            </a:r>
             <a:endParaRPr lang="en-US" dirty="0"/>
           </a:p>
         </p:txBody>
@@ -857,10 +622,6 @@
           <a:bodyPr/>
           <a:lstStyle/>
           <a:p>
-            <a:r>
-              <a:rPr lang="en-US" dirty="0"/>
-              <a:t/>
-            </a:r>
             <a:endParaRPr lang="en-US" dirty="0"/>
           </a:p>
         </p:txBody>
@@ -945,10 +706,6 @@
           <a:bodyPr/>
           <a:lstStyle/>
           <a:p>
-            <a:r>
-              <a:rPr lang="en-US" dirty="0"/>
-              <a:t/>
-            </a:r>
             <a:endParaRPr lang="en-US" dirty="0"/>
           </a:p>
         </p:txBody>
@@ -1022,6 +779,11 @@
 <file path=ppt/slideMasters/slideMaster1.xml><?xml version="1.0" encoding="utf-8"?>
 <p:sldMaster xmlns:a="http://schemas.openxmlformats.org/drawingml/2006/main" xmlns:r="http://schemas.openxmlformats.org/officeDocument/2006/relationships" xmlns:p="http://schemas.openxmlformats.org/presentationml/2006/main">
   <p:cSld>
+    <p:bg>
+      <p:bgRef idx="1001">
+        <a:schemeClr val="bg1"/>
+      </p:bgRef>
+    </p:bg>
     <p:spTree>
       <p:nvGrpSpPr>
         <p:cNvPr id="1" name=""/>
@@ -1315,14 +1077,14 @@
       </p:grpSpPr>
       <p:pic>
         <p:nvPicPr>
-          <p:cNvPr id="2" name="Image 0" descr="preencoded.png">    </p:cNvPr>
+          <p:cNvPr id="2" name="Image 0" descr="preencoded.png"/>
           <p:cNvPicPr>
             <a:picLocks noChangeAspect="1"/>
           </p:cNvPicPr>
           <p:nvPr/>
         </p:nvPicPr>
         <p:blipFill>
-          <a:blip r:embed="rId1"/>
+          <a:blip r:embed="rId3"/>
           <a:stretch>
             <a:fillRect/>
           </a:stretch>
@@ -1361,14 +1123,14 @@
       </p:sp>
       <p:pic>
         <p:nvPicPr>
-          <p:cNvPr id="4" name="Image 1" descr="preencoded.png">    </p:cNvPr>
+          <p:cNvPr id="4" name="Image 1" descr="preencoded.png"/>
           <p:cNvPicPr>
             <a:picLocks noChangeAspect="1"/>
           </p:cNvPicPr>
           <p:nvPr/>
         </p:nvPicPr>
         <p:blipFill>
-          <a:blip r:embed="rId2"/>
+          <a:blip r:embed="rId4"/>
           <a:stretch>
             <a:fillRect/>
           </a:stretch>
@@ -1406,7 +1168,7 @@
           </a:bodyPr>
           <a:lstStyle/>
           <a:p>
-            <a:pPr algn="ctr" indent="0" marL="0">
+            <a:pPr marL="0" indent="0" algn="ctr">
               <a:buNone/>
             </a:pPr>
             <a:r>
@@ -1447,7 +1209,7 @@
           </a:bodyPr>
           <a:lstStyle/>
           <a:p>
-            <a:pPr algn="ctr" indent="0" marL="0">
+            <a:pPr marL="0" indent="0" algn="ctr">
               <a:buNone/>
             </a:pPr>
             <a:r>
@@ -1462,60 +1224,19 @@
               <a:t>Стратегическое преимущество в обеспечении надежной синхронизации времени для бизнеса</a:t>
             </a:r>
             <a:endParaRPr lang="en-US" sz="2025" dirty="0"/>
-          </a:p>
-        </p:txBody>
-      </p:sp>
-      <p:sp>
-        <p:nvSpPr>
-          <p:cNvPr id="7" name="Text 3"/>
-          <p:cNvSpPr/>
-          <p:nvPr/>
-        </p:nvSpPr>
-        <p:spPr>
-          <a:xfrm>
-            <a:off x="1371600" y="4360534"/>
-            <a:ext cx="6472238" cy="257175"/>
-          </a:xfrm>
-          <a:prstGeom prst="rect">
-            <a:avLst/>
-          </a:prstGeom>
-          <a:noFill/>
-          <a:ln/>
-        </p:spPr>
-        <p:txBody>
-          <a:bodyPr wrap="none" lIns="0" tIns="0" rIns="0" bIns="0" rtlCol="0" anchor="ctr">
-            <a:spAutoFit/>
-          </a:bodyPr>
-          <a:lstStyle/>
-          <a:p>
-            <a:pPr algn="ctr" indent="0" marL="0">
-              <a:buNone/>
-            </a:pPr>
-            <a:r>
-              <a:rPr lang="en-US" sz="1350" dirty="0">
-                <a:solidFill>
-                  <a:srgbClr val="FFFFFF"/>
-                </a:solidFill>
-                <a:latin typeface="Segoe UI" pitchFamily="34" charset="0"/>
-                <a:ea typeface="Segoe UI" pitchFamily="34" charset="-122"/>
-                <a:cs typeface="Segoe UI" pitchFamily="34" charset="-120"/>
-              </a:rPr>
-              <a:t>Управленческая презентация</a:t>
-            </a:r>
-            <a:endParaRPr lang="en-US" sz="1350" dirty="0"/>
           </a:p>
         </p:txBody>
       </p:sp>
       <p:pic>
         <p:nvPicPr>
-          <p:cNvPr id="8" name="Image 2" descr="preencoded.png">    </p:cNvPr>
+          <p:cNvPr id="8" name="Image 2" descr="preencoded.png"/>
           <p:cNvPicPr>
             <a:picLocks noChangeAspect="1"/>
           </p:cNvPicPr>
           <p:nvPr/>
         </p:nvPicPr>
         <p:blipFill>
-          <a:blip r:embed="rId3"/>
+          <a:blip r:embed="rId5"/>
           <a:stretch>
             <a:fillRect/>
           </a:stretch>
@@ -1557,262 +1278,7 @@
       </p:grpSpPr>
       <p:pic>
         <p:nvPicPr>
-          <p:cNvPr id="2" name="Image 0" descr="preencoded.png">    </p:cNvPr>
-          <p:cNvPicPr>
-            <a:picLocks noChangeAspect="1"/>
-          </p:cNvPicPr>
-          <p:nvPr/>
-        </p:nvPicPr>
-        <p:blipFill>
-          <a:blip r:embed="rId1"/>
-          <a:stretch>
-            <a:fillRect/>
-          </a:stretch>
-        </p:blipFill>
-        <p:spPr>
-          <a:xfrm>
-            <a:off x="0" y="0"/>
-            <a:ext cx="9144000" cy="5346204"/>
-          </a:xfrm>
-          <a:prstGeom prst="rect">
-            <a:avLst/>
-          </a:prstGeom>
-        </p:spPr>
-      </p:pic>
-      <p:sp>
-        <p:nvSpPr>
-          <p:cNvPr id="3" name="Text 0"/>
-          <p:cNvSpPr/>
-          <p:nvPr/>
-        </p:nvSpPr>
-        <p:spPr>
-          <a:xfrm>
-            <a:off x="285750" y="285750"/>
-            <a:ext cx="8643938" cy="471488"/>
-          </a:xfrm>
-          <a:prstGeom prst="rect">
-            <a:avLst/>
-          </a:prstGeom>
-          <a:noFill/>
-          <a:ln/>
-        </p:spPr>
-        <p:txBody>
-          <a:bodyPr wrap="none" lIns="0" tIns="0" rIns="0" bIns="85090" rtlCol="0" anchor="ctr">
-            <a:spAutoFit/>
-          </a:bodyPr>
-          <a:lstStyle/>
-          <a:p>
-            <a:pPr indent="0" marL="0">
-              <a:buNone/>
-            </a:pPr>
-            <a:r>
-              <a:rPr lang="en-US" sz="2025" b="1" dirty="0">
-                <a:solidFill>
-                  <a:srgbClr val="FFFFFF"/>
-                </a:solidFill>
-                <a:latin typeface="Segoe UI" pitchFamily="34" charset="0"/>
-                <a:ea typeface="Segoe UI" pitchFamily="34" charset="-122"/>
-                <a:cs typeface="Segoe UI" pitchFamily="34" charset="-120"/>
-              </a:rPr>
-              <a:t>Бизнес-риски и их минимизация</a:t>
-            </a:r>
-            <a:endParaRPr lang="en-US" sz="2025" dirty="0"/>
-          </a:p>
-        </p:txBody>
-      </p:sp>
-      <p:sp>
-        <p:nvSpPr>
-          <p:cNvPr id="4" name="Shape 1"/>
-          <p:cNvSpPr/>
-          <p:nvPr/>
-        </p:nvSpPr>
-        <p:spPr>
-          <a:xfrm>
-            <a:off x="285750" y="914400"/>
-            <a:ext cx="4114800" cy="1060066"/>
-          </a:xfrm>
-          <a:prstGeom prst="rect">
-            <a:avLst/>
-          </a:prstGeom>
-          <a:solidFill>
-            <a:srgbClr val="C0C0C0">
-              <a:alpha val="10000"/>
-            </a:srgbClr>
-          </a:solidFill>
-          <a:ln/>
-        </p:spPr>
-      </p:sp>
-      <p:sp>
-        <p:nvSpPr>
-          <p:cNvPr id="5" name="Shape 2"/>
-          <p:cNvSpPr/>
-          <p:nvPr/>
-        </p:nvSpPr>
-        <p:spPr>
-          <a:xfrm>
-            <a:off x="285750" y="914400"/>
-            <a:ext cx="28575" cy="1060066"/>
-          </a:xfrm>
-          <a:prstGeom prst="rect">
-            <a:avLst/>
-          </a:prstGeom>
-          <a:solidFill>
-            <a:srgbClr val="C0C0C0"/>
-          </a:solidFill>
-          <a:ln/>
-        </p:spPr>
-      </p:sp>
-      <p:pic>
-        <p:nvPicPr>
-          <p:cNvPr id="6" name="Image 1" descr="preencoded.png">    </p:cNvPr>
-          <p:cNvPicPr>
-            <a:picLocks noChangeAspect="1"/>
-          </p:cNvPicPr>
-          <p:nvPr/>
-        </p:nvPicPr>
-        <p:blipFill>
-          <a:blip r:embed="rId2"/>
-          <a:stretch>
-            <a:fillRect/>
-          </a:stretch>
-        </p:blipFill>
-        <p:spPr>
-          <a:xfrm>
-            <a:off x="371475" y="1014413"/>
-            <a:ext cx="171450" cy="171450"/>
-          </a:xfrm>
-          <a:prstGeom prst="rect">
-            <a:avLst/>
-          </a:prstGeom>
-        </p:spPr>
-      </p:pic>
-      <p:sp>
-        <p:nvSpPr>
-          <p:cNvPr id="7" name="Text 3"/>
-          <p:cNvSpPr/>
-          <p:nvPr/>
-        </p:nvSpPr>
-        <p:spPr>
-          <a:xfrm>
-            <a:off x="628650" y="1000125"/>
-            <a:ext cx="1523572" cy="200025"/>
-          </a:xfrm>
-          <a:prstGeom prst="rect">
-            <a:avLst/>
-          </a:prstGeom>
-          <a:noFill/>
-          <a:ln/>
-        </p:spPr>
-        <p:txBody>
-          <a:bodyPr wrap="none" lIns="0" tIns="0" rIns="0" bIns="0" rtlCol="0" anchor="ctr">
-            <a:spAutoFit/>
-          </a:bodyPr>
-          <a:lstStyle/>
-          <a:p>
-            <a:pPr indent="0" marL="0">
-              <a:buNone/>
-            </a:pPr>
-            <a:r>
-              <a:rPr lang="en-US" sz="1125" b="1" dirty="0">
-                <a:solidFill>
-                  <a:srgbClr val="FFFFFF"/>
-                </a:solidFill>
-                <a:latin typeface="Segoe UI" pitchFamily="34" charset="0"/>
-                <a:ea typeface="Segoe UI" pitchFamily="34" charset="-122"/>
-                <a:cs typeface="Segoe UI" pitchFamily="34" charset="-120"/>
-              </a:rPr>
-              <a:t>Финансовые потери</a:t>
-            </a:r>
-            <a:endParaRPr lang="en-US" sz="1125" dirty="0"/>
-          </a:p>
-        </p:txBody>
-      </p:sp>
-      <p:sp>
-        <p:nvSpPr>
-          <p:cNvPr id="8" name="Text 4"/>
-          <p:cNvSpPr/>
-          <p:nvPr/>
-        </p:nvSpPr>
-        <p:spPr>
-          <a:xfrm>
-            <a:off x="371475" y="1228725"/>
-            <a:ext cx="4014788" cy="660016"/>
-          </a:xfrm>
-          <a:prstGeom prst="rect">
-            <a:avLst/>
-          </a:prstGeom>
-          <a:noFill/>
-          <a:ln/>
-        </p:spPr>
-        <p:txBody>
-          <a:bodyPr wrap="square" lIns="0" tIns="0" rIns="0" bIns="0" rtlCol="0" anchor="ctr">
-            <a:spAutoFit/>
-          </a:bodyPr>
-          <a:lstStyle/>
-          <a:p>
-            <a:pPr indent="0" marL="0">
-              <a:buNone/>
-            </a:pPr>
-            <a:r>
-              <a:rPr lang="en-US" sz="1238" dirty="0">
-                <a:solidFill>
-                  <a:srgbClr val="FFFFFF"/>
-                </a:solidFill>
-                <a:latin typeface="Segoe UI" pitchFamily="34" charset="0"/>
-                <a:ea typeface="Segoe UI" pitchFamily="34" charset="-122"/>
-                <a:cs typeface="Segoe UI" pitchFamily="34" charset="-120"/>
-              </a:rPr>
-              <a:t>Неточная синхронизация ведет к упущенной выгоде и штрафам за несоответствие регуляторным требованиям.</a:t>
-            </a:r>
-            <a:endParaRPr lang="en-US" sz="1238" dirty="0"/>
-          </a:p>
-        </p:txBody>
-      </p:sp>
-      <p:sp>
-        <p:nvSpPr>
-          <p:cNvPr id="9" name="Shape 5"/>
-          <p:cNvSpPr/>
-          <p:nvPr/>
-        </p:nvSpPr>
-        <p:spPr>
-          <a:xfrm>
-            <a:off x="285750" y="2060191"/>
-            <a:ext cx="4114800" cy="840060"/>
-          </a:xfrm>
-          <a:prstGeom prst="rect">
-            <a:avLst/>
-          </a:prstGeom>
-          <a:solidFill>
-            <a:srgbClr val="C0C0C0">
-              <a:alpha val="10000"/>
-            </a:srgbClr>
-          </a:solidFill>
-          <a:ln/>
-        </p:spPr>
-      </p:sp>
-      <p:sp>
-        <p:nvSpPr>
-          <p:cNvPr id="10" name="Shape 6"/>
-          <p:cNvSpPr/>
-          <p:nvPr/>
-        </p:nvSpPr>
-        <p:spPr>
-          <a:xfrm>
-            <a:off x="285750" y="2060191"/>
-            <a:ext cx="28575" cy="840060"/>
-          </a:xfrm>
-          <a:prstGeom prst="rect">
-            <a:avLst/>
-          </a:prstGeom>
-          <a:solidFill>
-            <a:srgbClr val="C0C0C0"/>
-          </a:solidFill>
-          <a:ln/>
-        </p:spPr>
-      </p:sp>
-      <p:pic>
-        <p:nvPicPr>
-          <p:cNvPr id="11" name="Image 2" descr="preencoded.png">    </p:cNvPr>
+          <p:cNvPr id="2" name="Image 0" descr="preencoded.png"/>
           <p:cNvPicPr>
             <a:picLocks noChangeAspect="1"/>
           </p:cNvPicPr>
@@ -1826,8 +1292,8 @@
         </p:blipFill>
         <p:spPr>
           <a:xfrm>
-            <a:off x="371475" y="2160203"/>
-            <a:ext cx="171450" cy="171450"/>
+            <a:off x="0" y="0"/>
+            <a:ext cx="9144000" cy="5346204"/>
           </a:xfrm>
           <a:prstGeom prst="rect">
             <a:avLst/>
@@ -1836,32 +1302,32 @@
       </p:pic>
       <p:sp>
         <p:nvSpPr>
-          <p:cNvPr id="12" name="Text 7"/>
-          <p:cNvSpPr/>
-          <p:nvPr/>
-        </p:nvSpPr>
-        <p:spPr>
-          <a:xfrm>
-            <a:off x="628650" y="2145916"/>
-            <a:ext cx="1532697" cy="200025"/>
-          </a:xfrm>
-          <a:prstGeom prst="rect">
-            <a:avLst/>
-          </a:prstGeom>
-          <a:noFill/>
-          <a:ln/>
-        </p:spPr>
-        <p:txBody>
-          <a:bodyPr wrap="none" lIns="0" tIns="0" rIns="0" bIns="0" rtlCol="0" anchor="ctr">
-            <a:spAutoFit/>
-          </a:bodyPr>
-          <a:lstStyle/>
-          <a:p>
-            <a:pPr indent="0" marL="0">
-              <a:buNone/>
-            </a:pPr>
-            <a:r>
-              <a:rPr lang="en-US" sz="1125" b="1" dirty="0">
+          <p:cNvPr id="3" name="Text 0"/>
+          <p:cNvSpPr/>
+          <p:nvPr/>
+        </p:nvSpPr>
+        <p:spPr>
+          <a:xfrm>
+            <a:off x="285750" y="285750"/>
+            <a:ext cx="8643938" cy="471488"/>
+          </a:xfrm>
+          <a:prstGeom prst="rect">
+            <a:avLst/>
+          </a:prstGeom>
+          <a:noFill/>
+          <a:ln/>
+        </p:spPr>
+        <p:txBody>
+          <a:bodyPr wrap="none" lIns="0" tIns="0" rIns="0" bIns="85090" rtlCol="0" anchor="ctr">
+            <a:spAutoFit/>
+          </a:bodyPr>
+          <a:lstStyle/>
+          <a:p>
+            <a:pPr marL="0" indent="0">
+              <a:buNone/>
+            </a:pPr>
+            <a:r>
+              <a:rPr lang="en-US" sz="2025" b="1" dirty="0">
                 <a:solidFill>
                   <a:srgbClr val="FFFFFF"/>
                 </a:solidFill>
@@ -1869,63 +1335,22 @@
                 <a:ea typeface="Segoe UI" pitchFamily="34" charset="-122"/>
                 <a:cs typeface="Segoe UI" pitchFamily="34" charset="-120"/>
               </a:rPr>
-              <a:t>Операционные сбои</a:t>
-            </a:r>
-            <a:endParaRPr lang="en-US" sz="1125" dirty="0"/>
-          </a:p>
-        </p:txBody>
-      </p:sp>
-      <p:sp>
-        <p:nvSpPr>
-          <p:cNvPr id="13" name="Text 8"/>
-          <p:cNvSpPr/>
-          <p:nvPr/>
-        </p:nvSpPr>
-        <p:spPr>
-          <a:xfrm>
-            <a:off x="371475" y="2374516"/>
-            <a:ext cx="4014788" cy="440010"/>
-          </a:xfrm>
-          <a:prstGeom prst="rect">
-            <a:avLst/>
-          </a:prstGeom>
-          <a:noFill/>
-          <a:ln/>
-        </p:spPr>
-        <p:txBody>
-          <a:bodyPr wrap="square" lIns="0" tIns="0" rIns="0" bIns="0" rtlCol="0" anchor="ctr">
-            <a:spAutoFit/>
-          </a:bodyPr>
-          <a:lstStyle/>
-          <a:p>
-            <a:pPr indent="0" marL="0">
-              <a:buNone/>
-            </a:pPr>
-            <a:r>
-              <a:rPr lang="en-US" sz="1238" dirty="0">
-                <a:solidFill>
-                  <a:srgbClr val="FFFFFF"/>
-                </a:solidFill>
-                <a:latin typeface="Segoe UI" pitchFamily="34" charset="0"/>
-                <a:ea typeface="Segoe UI" pitchFamily="34" charset="-122"/>
-                <a:cs typeface="Segoe UI" pitchFamily="34" charset="-120"/>
-              </a:rPr>
-              <a:t>Потеря синхронизации может парализовать работу распределенных систем и сетей.</a:t>
-            </a:r>
-            <a:endParaRPr lang="en-US" sz="1238" dirty="0"/>
-          </a:p>
-        </p:txBody>
-      </p:sp>
-      <p:sp>
-        <p:nvSpPr>
-          <p:cNvPr id="14" name="Shape 9"/>
-          <p:cNvSpPr/>
-          <p:nvPr/>
-        </p:nvSpPr>
-        <p:spPr>
-          <a:xfrm>
-            <a:off x="285750" y="2985976"/>
-            <a:ext cx="4114800" cy="840060"/>
+              <a:t>Бизнес-риски и их минимизация</a:t>
+            </a:r>
+            <a:endParaRPr lang="en-US" sz="2025" dirty="0"/>
+          </a:p>
+        </p:txBody>
+      </p:sp>
+      <p:sp>
+        <p:nvSpPr>
+          <p:cNvPr id="4" name="Shape 1"/>
+          <p:cNvSpPr/>
+          <p:nvPr/>
+        </p:nvSpPr>
+        <p:spPr>
+          <a:xfrm>
+            <a:off x="285750" y="914400"/>
+            <a:ext cx="4114800" cy="1060066"/>
           </a:xfrm>
           <a:prstGeom prst="rect">
             <a:avLst/>
@@ -1940,14 +1365,14 @@
       </p:sp>
       <p:sp>
         <p:nvSpPr>
-          <p:cNvPr id="15" name="Shape 10"/>
-          <p:cNvSpPr/>
-          <p:nvPr/>
-        </p:nvSpPr>
-        <p:spPr>
-          <a:xfrm>
-            <a:off x="285750" y="2985976"/>
-            <a:ext cx="28575" cy="840060"/>
+          <p:cNvPr id="5" name="Shape 2"/>
+          <p:cNvSpPr/>
+          <p:nvPr/>
+        </p:nvSpPr>
+        <p:spPr>
+          <a:xfrm>
+            <a:off x="285750" y="914400"/>
+            <a:ext cx="28575" cy="1060066"/>
           </a:xfrm>
           <a:prstGeom prst="rect">
             <a:avLst/>
@@ -1960,7 +1385,7 @@
       </p:sp>
       <p:pic>
         <p:nvPicPr>
-          <p:cNvPr id="16" name="Image 3" descr="preencoded.png">    </p:cNvPr>
+          <p:cNvPr id="6" name="Image 1" descr="preencoded.png"/>
           <p:cNvPicPr>
             <a:picLocks noChangeAspect="1"/>
           </p:cNvPicPr>
@@ -1974,7 +1399,7 @@
         </p:blipFill>
         <p:spPr>
           <a:xfrm>
-            <a:off x="371475" y="3085988"/>
+            <a:off x="371475" y="1014413"/>
             <a:ext cx="171450" cy="171450"/>
           </a:xfrm>
           <a:prstGeom prst="rect">
@@ -1984,14 +1409,14 @@
       </p:pic>
       <p:sp>
         <p:nvSpPr>
-          <p:cNvPr id="17" name="Text 11"/>
-          <p:cNvSpPr/>
-          <p:nvPr/>
-        </p:nvSpPr>
-        <p:spPr>
-          <a:xfrm>
-            <a:off x="628650" y="3071701"/>
-            <a:ext cx="1537860" cy="200025"/>
+          <p:cNvPr id="7" name="Text 3"/>
+          <p:cNvSpPr/>
+          <p:nvPr/>
+        </p:nvSpPr>
+        <p:spPr>
+          <a:xfrm>
+            <a:off x="628650" y="1000125"/>
+            <a:ext cx="1523572" cy="200025"/>
           </a:xfrm>
           <a:prstGeom prst="rect">
             <a:avLst/>
@@ -2005,7 +1430,7 @@
           </a:bodyPr>
           <a:lstStyle/>
           <a:p>
-            <a:pPr indent="0" marL="0">
+            <a:pPr marL="0" indent="0">
               <a:buNone/>
             </a:pPr>
             <a:r>
@@ -2017,7 +1442,7 @@
                 <a:ea typeface="Segoe UI" pitchFamily="34" charset="-122"/>
                 <a:cs typeface="Segoe UI" pitchFamily="34" charset="-120"/>
               </a:rPr>
-              <a:t>Регуляторные риски</a:t>
+              <a:t>Финансовые потери</a:t>
             </a:r>
             <a:endParaRPr lang="en-US" sz="1125" dirty="0"/>
           </a:p>
@@ -2025,14 +1450,14 @@
       </p:sp>
       <p:sp>
         <p:nvSpPr>
-          <p:cNvPr id="18" name="Text 12"/>
-          <p:cNvSpPr/>
-          <p:nvPr/>
-        </p:nvSpPr>
-        <p:spPr>
-          <a:xfrm>
-            <a:off x="371475" y="3300301"/>
-            <a:ext cx="4014788" cy="440010"/>
+          <p:cNvPr id="8" name="Text 4"/>
+          <p:cNvSpPr/>
+          <p:nvPr/>
+        </p:nvSpPr>
+        <p:spPr>
+          <a:xfrm>
+            <a:off x="371475" y="1228725"/>
+            <a:ext cx="4014788" cy="660016"/>
           </a:xfrm>
           <a:prstGeom prst="rect">
             <a:avLst/>
@@ -2046,7 +1471,7 @@
           </a:bodyPr>
           <a:lstStyle/>
           <a:p>
-            <a:pPr indent="0" marL="0">
+            <a:pPr marL="0" indent="0">
               <a:buNone/>
             </a:pPr>
             <a:r>
@@ -2058,15 +1483,57 @@
                 <a:ea typeface="Segoe UI" pitchFamily="34" charset="-122"/>
                 <a:cs typeface="Segoe UI" pitchFamily="34" charset="-120"/>
               </a:rPr>
-              <a:t>Несоблюдение требований (MiFID II, FINRA) может привести к штрафам и потере лицензий.</a:t>
+              <a:t>Неточная синхронизация ведет к упущенной выгоде и штрафам за несоответствие регуляторным требованиям.</a:t>
             </a:r>
             <a:endParaRPr lang="en-US" sz="1238" dirty="0"/>
           </a:p>
         </p:txBody>
+      </p:sp>
+      <p:sp>
+        <p:nvSpPr>
+          <p:cNvPr id="9" name="Shape 5"/>
+          <p:cNvSpPr/>
+          <p:nvPr/>
+        </p:nvSpPr>
+        <p:spPr>
+          <a:xfrm>
+            <a:off x="285750" y="2060191"/>
+            <a:ext cx="4114800" cy="840060"/>
+          </a:xfrm>
+          <a:prstGeom prst="rect">
+            <a:avLst/>
+          </a:prstGeom>
+          <a:solidFill>
+            <a:srgbClr val="C0C0C0">
+              <a:alpha val="10000"/>
+            </a:srgbClr>
+          </a:solidFill>
+          <a:ln/>
+        </p:spPr>
+      </p:sp>
+      <p:sp>
+        <p:nvSpPr>
+          <p:cNvPr id="10" name="Shape 6"/>
+          <p:cNvSpPr/>
+          <p:nvPr/>
+        </p:nvSpPr>
+        <p:spPr>
+          <a:xfrm>
+            <a:off x="285750" y="2060191"/>
+            <a:ext cx="28575" cy="840060"/>
+          </a:xfrm>
+          <a:prstGeom prst="rect">
+            <a:avLst/>
+          </a:prstGeom>
+          <a:solidFill>
+            <a:srgbClr val="C0C0C0"/>
+          </a:solidFill>
+          <a:ln/>
+        </p:spPr>
       </p:sp>
       <p:pic>
         <p:nvPicPr>
-          <p:cNvPr id="19" name="Image 4" descr="preencoded.png">    </p:cNvPr>
+          <p:cNvPr id="11" name="Image 2" descr="preencoded.png"/>
           <p:cNvPicPr>
             <a:picLocks noChangeAspect="1"/>
           </p:cNvPicPr>
@@ -2080,7 +1547,261 @@
         </p:blipFill>
         <p:spPr>
           <a:xfrm>
-            <a:off x="4743450" y="914400"/>
+            <a:off x="371475" y="2160203"/>
+            <a:ext cx="171450" cy="171450"/>
+          </a:xfrm>
+          <a:prstGeom prst="rect">
+            <a:avLst/>
+          </a:prstGeom>
+        </p:spPr>
+      </p:pic>
+      <p:sp>
+        <p:nvSpPr>
+          <p:cNvPr id="12" name="Text 7"/>
+          <p:cNvSpPr/>
+          <p:nvPr/>
+        </p:nvSpPr>
+        <p:spPr>
+          <a:xfrm>
+            <a:off x="628650" y="2145916"/>
+            <a:ext cx="1532697" cy="200025"/>
+          </a:xfrm>
+          <a:prstGeom prst="rect">
+            <a:avLst/>
+          </a:prstGeom>
+          <a:noFill/>
+          <a:ln/>
+        </p:spPr>
+        <p:txBody>
+          <a:bodyPr wrap="none" lIns="0" tIns="0" rIns="0" bIns="0" rtlCol="0" anchor="ctr">
+            <a:spAutoFit/>
+          </a:bodyPr>
+          <a:lstStyle/>
+          <a:p>
+            <a:pPr marL="0" indent="0">
+              <a:buNone/>
+            </a:pPr>
+            <a:r>
+              <a:rPr lang="en-US" sz="1125" b="1" dirty="0">
+                <a:solidFill>
+                  <a:srgbClr val="FFFFFF"/>
+                </a:solidFill>
+                <a:latin typeface="Segoe UI" pitchFamily="34" charset="0"/>
+                <a:ea typeface="Segoe UI" pitchFamily="34" charset="-122"/>
+                <a:cs typeface="Segoe UI" pitchFamily="34" charset="-120"/>
+              </a:rPr>
+              <a:t>Операционные сбои</a:t>
+            </a:r>
+            <a:endParaRPr lang="en-US" sz="1125" dirty="0"/>
+          </a:p>
+        </p:txBody>
+      </p:sp>
+      <p:sp>
+        <p:nvSpPr>
+          <p:cNvPr id="13" name="Text 8"/>
+          <p:cNvSpPr/>
+          <p:nvPr/>
+        </p:nvSpPr>
+        <p:spPr>
+          <a:xfrm>
+            <a:off x="371475" y="2374516"/>
+            <a:ext cx="4014788" cy="440010"/>
+          </a:xfrm>
+          <a:prstGeom prst="rect">
+            <a:avLst/>
+          </a:prstGeom>
+          <a:noFill/>
+          <a:ln/>
+        </p:spPr>
+        <p:txBody>
+          <a:bodyPr wrap="square" lIns="0" tIns="0" rIns="0" bIns="0" rtlCol="0" anchor="ctr">
+            <a:spAutoFit/>
+          </a:bodyPr>
+          <a:lstStyle/>
+          <a:p>
+            <a:pPr marL="0" indent="0">
+              <a:buNone/>
+            </a:pPr>
+            <a:r>
+              <a:rPr lang="en-US" sz="1238" dirty="0">
+                <a:solidFill>
+                  <a:srgbClr val="FFFFFF"/>
+                </a:solidFill>
+                <a:latin typeface="Segoe UI" pitchFamily="34" charset="0"/>
+                <a:ea typeface="Segoe UI" pitchFamily="34" charset="-122"/>
+                <a:cs typeface="Segoe UI" pitchFamily="34" charset="-120"/>
+              </a:rPr>
+              <a:t>Потеря синхронизации может парализовать работу распределенных систем и сетей.</a:t>
+            </a:r>
+            <a:endParaRPr lang="en-US" sz="1238" dirty="0"/>
+          </a:p>
+        </p:txBody>
+      </p:sp>
+      <p:sp>
+        <p:nvSpPr>
+          <p:cNvPr id="14" name="Shape 9"/>
+          <p:cNvSpPr/>
+          <p:nvPr/>
+        </p:nvSpPr>
+        <p:spPr>
+          <a:xfrm>
+            <a:off x="285750" y="2985976"/>
+            <a:ext cx="4114800" cy="840060"/>
+          </a:xfrm>
+          <a:prstGeom prst="rect">
+            <a:avLst/>
+          </a:prstGeom>
+          <a:solidFill>
+            <a:srgbClr val="C0C0C0">
+              <a:alpha val="10000"/>
+            </a:srgbClr>
+          </a:solidFill>
+          <a:ln/>
+        </p:spPr>
+      </p:sp>
+      <p:sp>
+        <p:nvSpPr>
+          <p:cNvPr id="15" name="Shape 10"/>
+          <p:cNvSpPr/>
+          <p:nvPr/>
+        </p:nvSpPr>
+        <p:spPr>
+          <a:xfrm>
+            <a:off x="285750" y="2985976"/>
+            <a:ext cx="28575" cy="840060"/>
+          </a:xfrm>
+          <a:prstGeom prst="rect">
+            <a:avLst/>
+          </a:prstGeom>
+          <a:solidFill>
+            <a:srgbClr val="C0C0C0"/>
+          </a:solidFill>
+          <a:ln/>
+        </p:spPr>
+      </p:sp>
+      <p:pic>
+        <p:nvPicPr>
+          <p:cNvPr id="16" name="Image 3" descr="preencoded.png"/>
+          <p:cNvPicPr>
+            <a:picLocks noChangeAspect="1"/>
+          </p:cNvPicPr>
+          <p:nvPr/>
+        </p:nvPicPr>
+        <p:blipFill>
+          <a:blip r:embed="rId6"/>
+          <a:stretch>
+            <a:fillRect/>
+          </a:stretch>
+        </p:blipFill>
+        <p:spPr>
+          <a:xfrm>
+            <a:off x="371475" y="3085988"/>
+            <a:ext cx="171450" cy="171450"/>
+          </a:xfrm>
+          <a:prstGeom prst="rect">
+            <a:avLst/>
+          </a:prstGeom>
+        </p:spPr>
+      </p:pic>
+      <p:sp>
+        <p:nvSpPr>
+          <p:cNvPr id="17" name="Text 11"/>
+          <p:cNvSpPr/>
+          <p:nvPr/>
+        </p:nvSpPr>
+        <p:spPr>
+          <a:xfrm>
+            <a:off x="628650" y="3071701"/>
+            <a:ext cx="1537860" cy="200025"/>
+          </a:xfrm>
+          <a:prstGeom prst="rect">
+            <a:avLst/>
+          </a:prstGeom>
+          <a:noFill/>
+          <a:ln/>
+        </p:spPr>
+        <p:txBody>
+          <a:bodyPr wrap="none" lIns="0" tIns="0" rIns="0" bIns="0" rtlCol="0" anchor="ctr">
+            <a:spAutoFit/>
+          </a:bodyPr>
+          <a:lstStyle/>
+          <a:p>
+            <a:pPr marL="0" indent="0">
+              <a:buNone/>
+            </a:pPr>
+            <a:r>
+              <a:rPr lang="en-US" sz="1125" b="1" dirty="0">
+                <a:solidFill>
+                  <a:srgbClr val="FFFFFF"/>
+                </a:solidFill>
+                <a:latin typeface="Segoe UI" pitchFamily="34" charset="0"/>
+                <a:ea typeface="Segoe UI" pitchFamily="34" charset="-122"/>
+                <a:cs typeface="Segoe UI" pitchFamily="34" charset="-120"/>
+              </a:rPr>
+              <a:t>Регуляторные риски</a:t>
+            </a:r>
+            <a:endParaRPr lang="en-US" sz="1125" dirty="0"/>
+          </a:p>
+        </p:txBody>
+      </p:sp>
+      <p:sp>
+        <p:nvSpPr>
+          <p:cNvPr id="18" name="Text 12"/>
+          <p:cNvSpPr/>
+          <p:nvPr/>
+        </p:nvSpPr>
+        <p:spPr>
+          <a:xfrm>
+            <a:off x="371475" y="3300301"/>
+            <a:ext cx="4014788" cy="440010"/>
+          </a:xfrm>
+          <a:prstGeom prst="rect">
+            <a:avLst/>
+          </a:prstGeom>
+          <a:noFill/>
+          <a:ln/>
+        </p:spPr>
+        <p:txBody>
+          <a:bodyPr wrap="square" lIns="0" tIns="0" rIns="0" bIns="0" rtlCol="0" anchor="ctr">
+            <a:spAutoFit/>
+          </a:bodyPr>
+          <a:lstStyle/>
+          <a:p>
+            <a:pPr marL="0" indent="0">
+              <a:buNone/>
+            </a:pPr>
+            <a:r>
+              <a:rPr lang="en-US" sz="1238" dirty="0">
+                <a:solidFill>
+                  <a:srgbClr val="FFFFFF"/>
+                </a:solidFill>
+                <a:latin typeface="Segoe UI" pitchFamily="34" charset="0"/>
+                <a:ea typeface="Segoe UI" pitchFamily="34" charset="-122"/>
+                <a:cs typeface="Segoe UI" pitchFamily="34" charset="-120"/>
+              </a:rPr>
+              <a:t>Несоблюдение требований (MiFID II, FINRA) может привести к штрафам и потере лицензий.</a:t>
+            </a:r>
+            <a:endParaRPr lang="en-US" sz="1238" dirty="0"/>
+          </a:p>
+        </p:txBody>
+      </p:sp>
+      <p:pic>
+        <p:nvPicPr>
+          <p:cNvPr id="19" name="Image 4" descr="preencoded.png"/>
+          <p:cNvPicPr>
+            <a:picLocks noChangeAspect="1"/>
+          </p:cNvPicPr>
+          <p:nvPr/>
+        </p:nvPicPr>
+        <p:blipFill>
+          <a:blip r:embed="rId7"/>
+          <a:stretch>
+            <a:fillRect/>
+          </a:stretch>
+        </p:blipFill>
+        <p:spPr>
+          <a:xfrm>
+            <a:off x="4700588" y="674303"/>
             <a:ext cx="4114800" cy="1571625"/>
           </a:xfrm>
           <a:prstGeom prst="rect">
@@ -2133,7 +1854,7 @@
           </a:bodyPr>
           <a:lstStyle/>
           <a:p>
-            <a:pPr algn="ctr" indent="0" marL="0">
+            <a:pPr marL="0" indent="0" algn="ctr">
               <a:buNone/>
             </a:pPr>
             <a:r>
@@ -2174,7 +1895,7 @@
           </a:bodyPr>
           <a:lstStyle/>
           <a:p>
-            <a:pPr algn="l" indent="0" marL="0">
+            <a:pPr marL="0" indent="0" algn="l">
               <a:buNone/>
             </a:pPr>
             <a:r>
@@ -2215,7 +1936,7 @@
           </a:bodyPr>
           <a:lstStyle/>
           <a:p>
-            <a:pPr algn="l" indent="0" marL="0">
+            <a:pPr marL="0" indent="0" algn="l">
               <a:buNone/>
             </a:pPr>
             <a:r>
@@ -2256,7 +1977,7 @@
           </a:bodyPr>
           <a:lstStyle/>
           <a:p>
-            <a:pPr algn="l" indent="0" marL="0">
+            <a:pPr marL="0" indent="0" algn="l">
               <a:buNone/>
             </a:pPr>
             <a:r>
@@ -2297,7 +2018,7 @@
           </a:bodyPr>
           <a:lstStyle/>
           <a:p>
-            <a:pPr algn="l" indent="0" marL="0">
+            <a:pPr marL="0" indent="0" algn="l">
               <a:buNone/>
             </a:pPr>
             <a:r>
@@ -2338,7 +2059,7 @@
           </a:bodyPr>
           <a:lstStyle/>
           <a:p>
-            <a:pPr algn="l" indent="0" marL="0">
+            <a:pPr marL="0" indent="0" algn="l">
               <a:buNone/>
             </a:pPr>
             <a:r>
@@ -2379,7 +2100,7 @@
           </a:bodyPr>
           <a:lstStyle/>
           <a:p>
-            <a:pPr algn="l" indent="0" marL="0">
+            <a:pPr marL="0" indent="0" algn="l">
               <a:buNone/>
             </a:pPr>
             <a:r>
@@ -2420,7 +2141,7 @@
           </a:bodyPr>
           <a:lstStyle/>
           <a:p>
-            <a:pPr algn="l" indent="0" marL="0">
+            <a:pPr marL="0" indent="0" algn="l">
               <a:buNone/>
             </a:pPr>
             <a:r>
@@ -2461,7 +2182,7 @@
           </a:bodyPr>
           <a:lstStyle/>
           <a:p>
-            <a:pPr algn="l" indent="0" marL="0">
+            <a:pPr marL="0" indent="0" algn="l">
               <a:buNone/>
             </a:pPr>
             <a:r>
@@ -2481,14 +2202,14 @@
       </p:sp>
       <p:pic>
         <p:nvPicPr>
-          <p:cNvPr id="30" name="Image 5" descr="preencoded.png">    </p:cNvPr>
+          <p:cNvPr id="30" name="Image 5" descr="preencoded.png"/>
           <p:cNvPicPr>
             <a:picLocks noChangeAspect="1"/>
           </p:cNvPicPr>
           <p:nvPr/>
         </p:nvPicPr>
         <p:blipFill>
-          <a:blip r:embed="rId6"/>
+          <a:blip r:embed="rId8"/>
           <a:stretch>
             <a:fillRect/>
           </a:stretch>
@@ -2530,282 +2251,7 @@
       </p:grpSpPr>
       <p:pic>
         <p:nvPicPr>
-          <p:cNvPr id="2" name="Image 0" descr="preencoded.png">    </p:cNvPr>
-          <p:cNvPicPr>
-            <a:picLocks noChangeAspect="1"/>
-          </p:cNvPicPr>
-          <p:nvPr/>
-        </p:nvPicPr>
-        <p:blipFill>
-          <a:blip r:embed="rId1"/>
-          <a:stretch>
-            <a:fillRect/>
-          </a:stretch>
-        </p:blipFill>
-        <p:spPr>
-          <a:xfrm>
-            <a:off x="0" y="0"/>
-            <a:ext cx="9144000" cy="5143500"/>
-          </a:xfrm>
-          <a:prstGeom prst="rect">
-            <a:avLst/>
-          </a:prstGeom>
-        </p:spPr>
-      </p:pic>
-      <p:sp>
-        <p:nvSpPr>
-          <p:cNvPr id="3" name="Text 0"/>
-          <p:cNvSpPr/>
-          <p:nvPr/>
-        </p:nvSpPr>
-        <p:spPr>
-          <a:xfrm>
-            <a:off x="285750" y="285750"/>
-            <a:ext cx="8643938" cy="471488"/>
-          </a:xfrm>
-          <a:prstGeom prst="rect">
-            <a:avLst/>
-          </a:prstGeom>
-          <a:noFill/>
-          <a:ln/>
-        </p:spPr>
-        <p:txBody>
-          <a:bodyPr wrap="none" lIns="0" tIns="0" rIns="0" bIns="85090" rtlCol="0" anchor="ctr">
-            <a:spAutoFit/>
-          </a:bodyPr>
-          <a:lstStyle/>
-          <a:p>
-            <a:pPr indent="0" marL="0">
-              <a:buNone/>
-            </a:pPr>
-            <a:r>
-              <a:rPr lang="en-US" sz="2025" b="1" dirty="0">
-                <a:solidFill>
-                  <a:srgbClr val="FFFFFF"/>
-                </a:solidFill>
-                <a:latin typeface="Segoe UI" pitchFamily="34" charset="0"/>
-                <a:ea typeface="Segoe UI" pitchFamily="34" charset="-122"/>
-                <a:cs typeface="Segoe UI" pitchFamily="34" charset="-120"/>
-              </a:rPr>
-              <a:t>Преимущества решений Quantum для бизнеса</a:t>
-            </a:r>
-            <a:endParaRPr lang="en-US" sz="2025" dirty="0"/>
-          </a:p>
-        </p:txBody>
-      </p:sp>
-      <p:pic>
-        <p:nvPicPr>
-          <p:cNvPr id="4" name="Image 1" descr="preencoded.png">    </p:cNvPr>
-          <p:cNvPicPr>
-            <a:picLocks noChangeAspect="1"/>
-          </p:cNvPicPr>
-          <p:nvPr/>
-        </p:nvPicPr>
-        <p:blipFill>
-          <a:blip r:embed="rId2"/>
-          <a:stretch>
-            <a:fillRect/>
-          </a:stretch>
-        </p:blipFill>
-        <p:spPr>
-          <a:xfrm>
-            <a:off x="285750" y="914400"/>
-            <a:ext cx="4114800" cy="2286000"/>
-          </a:xfrm>
-          <a:prstGeom prst="rect">
-            <a:avLst/>
-          </a:prstGeom>
-        </p:spPr>
-      </p:pic>
-      <p:sp>
-        <p:nvSpPr>
-          <p:cNvPr id="5" name="Shape 1"/>
-          <p:cNvSpPr/>
-          <p:nvPr/>
-        </p:nvSpPr>
-        <p:spPr>
-          <a:xfrm>
-            <a:off x="285750" y="3314700"/>
-            <a:ext cx="4114800" cy="1145791"/>
-          </a:xfrm>
-          <a:prstGeom prst="rect">
-            <a:avLst/>
-          </a:prstGeom>
-          <a:solidFill>
-            <a:srgbClr val="FFFFFF">
-              <a:alpha val="10000"/>
-            </a:srgbClr>
-          </a:solidFill>
-          <a:ln/>
-        </p:spPr>
-      </p:sp>
-      <p:sp>
-        <p:nvSpPr>
-          <p:cNvPr id="6" name="Text 2"/>
-          <p:cNvSpPr/>
-          <p:nvPr/>
-        </p:nvSpPr>
-        <p:spPr>
-          <a:xfrm>
-            <a:off x="400050" y="3429000"/>
-            <a:ext cx="3957638" cy="200025"/>
-          </a:xfrm>
-          <a:prstGeom prst="rect">
-            <a:avLst/>
-          </a:prstGeom>
-          <a:noFill/>
-          <a:ln/>
-        </p:spPr>
-        <p:txBody>
-          <a:bodyPr wrap="none" lIns="0" tIns="0" rIns="0" bIns="0" rtlCol="0" anchor="ctr">
-            <a:spAutoFit/>
-          </a:bodyPr>
-          <a:lstStyle/>
-          <a:p>
-            <a:pPr algn="ctr" indent="0" marL="0">
-              <a:buNone/>
-            </a:pPr>
-            <a:r>
-              <a:rPr lang="en-US" sz="1125" b="1" dirty="0">
-                <a:solidFill>
-                  <a:srgbClr val="C0C0C0"/>
-                </a:solidFill>
-                <a:latin typeface="Segoe UI" pitchFamily="34" charset="0"/>
-                <a:ea typeface="Segoe UI" pitchFamily="34" charset="-122"/>
-                <a:cs typeface="Segoe UI" pitchFamily="34" charset="-120"/>
-              </a:rPr>
-              <a:t>Экономическая эффективность</a:t>
-            </a:r>
-            <a:endParaRPr lang="en-US" sz="1125" dirty="0"/>
-          </a:p>
-        </p:txBody>
-      </p:sp>
-      <p:sp>
-        <p:nvSpPr>
-          <p:cNvPr id="7" name="Text 3"/>
-          <p:cNvSpPr/>
-          <p:nvPr/>
-        </p:nvSpPr>
-        <p:spPr>
-          <a:xfrm>
-            <a:off x="571500" y="3686175"/>
-            <a:ext cx="3786188" cy="220005"/>
-          </a:xfrm>
-          <a:prstGeom prst="rect">
-            <a:avLst/>
-          </a:prstGeom>
-          <a:noFill/>
-          <a:ln/>
-        </p:spPr>
-        <p:txBody>
-          <a:bodyPr wrap="none" lIns="0" tIns="0" rIns="0" bIns="0" rtlCol="0" anchor="ctr">
-            <a:spAutoFit/>
-          </a:bodyPr>
-          <a:lstStyle/>
-          <a:p>
-            <a:pPr algn="l" indent="0" marL="0">
-              <a:buNone/>
-            </a:pPr>
-            <a:r>
-              <a:rPr lang="en-US" sz="1238" dirty="0">
-                <a:solidFill>
-                  <a:srgbClr val="FFFFFF"/>
-                </a:solidFill>
-                <a:latin typeface="Segoe UI" pitchFamily="34" charset="0"/>
-                <a:ea typeface="Segoe UI" pitchFamily="34" charset="-122"/>
-                <a:cs typeface="Segoe UI" pitchFamily="34" charset="-120"/>
-              </a:rPr>
-              <a:t>Снижение операционных расходов</a:t>
-            </a:r>
-            <a:endParaRPr lang="en-US" sz="1238" dirty="0"/>
-          </a:p>
-        </p:txBody>
-      </p:sp>
-      <p:sp>
-        <p:nvSpPr>
-          <p:cNvPr id="8" name="Text 4"/>
-          <p:cNvSpPr/>
-          <p:nvPr/>
-        </p:nvSpPr>
-        <p:spPr>
-          <a:xfrm>
-            <a:off x="571500" y="3906180"/>
-            <a:ext cx="3786188" cy="220005"/>
-          </a:xfrm>
-          <a:prstGeom prst="rect">
-            <a:avLst/>
-          </a:prstGeom>
-          <a:noFill/>
-          <a:ln/>
-        </p:spPr>
-        <p:txBody>
-          <a:bodyPr wrap="none" lIns="0" tIns="0" rIns="0" bIns="0" rtlCol="0" anchor="ctr">
-            <a:spAutoFit/>
-          </a:bodyPr>
-          <a:lstStyle/>
-          <a:p>
-            <a:pPr algn="l" indent="0" marL="0">
-              <a:buNone/>
-            </a:pPr>
-            <a:r>
-              <a:rPr lang="en-US" sz="1238" dirty="0">
-                <a:solidFill>
-                  <a:srgbClr val="FFFFFF"/>
-                </a:solidFill>
-                <a:latin typeface="Segoe UI" pitchFamily="34" charset="0"/>
-                <a:ea typeface="Segoe UI" pitchFamily="34" charset="-122"/>
-                <a:cs typeface="Segoe UI" pitchFamily="34" charset="-120"/>
-              </a:rPr>
-              <a:t>Предотвращение финансовых потерь</a:t>
-            </a:r>
-            <a:endParaRPr lang="en-US" sz="1238" dirty="0"/>
-          </a:p>
-        </p:txBody>
-      </p:sp>
-      <p:sp>
-        <p:nvSpPr>
-          <p:cNvPr id="9" name="Text 5"/>
-          <p:cNvSpPr/>
-          <p:nvPr/>
-        </p:nvSpPr>
-        <p:spPr>
-          <a:xfrm>
-            <a:off x="571500" y="4126185"/>
-            <a:ext cx="3786188" cy="220005"/>
-          </a:xfrm>
-          <a:prstGeom prst="rect">
-            <a:avLst/>
-          </a:prstGeom>
-          <a:noFill/>
-          <a:ln/>
-        </p:spPr>
-        <p:txBody>
-          <a:bodyPr wrap="none" lIns="0" tIns="0" rIns="0" bIns="0" rtlCol="0" anchor="ctr">
-            <a:spAutoFit/>
-          </a:bodyPr>
-          <a:lstStyle/>
-          <a:p>
-            <a:pPr algn="l" indent="0" marL="0">
-              <a:buNone/>
-            </a:pPr>
-            <a:r>
-              <a:rPr lang="en-US" sz="1238" dirty="0">
-                <a:solidFill>
-                  <a:srgbClr val="FFFFFF"/>
-                </a:solidFill>
-                <a:latin typeface="Segoe UI" pitchFamily="34" charset="0"/>
-                <a:ea typeface="Segoe UI" pitchFamily="34" charset="-122"/>
-                <a:cs typeface="Segoe UI" pitchFamily="34" charset="-120"/>
-              </a:rPr>
-              <a:t>Оптимизация производительности систем</a:t>
-            </a:r>
-            <a:endParaRPr lang="en-US" sz="1238" dirty="0"/>
-          </a:p>
-        </p:txBody>
-      </p:sp>
-      <p:pic>
-        <p:nvPicPr>
-          <p:cNvPr id="10" name="Image 2" descr="preencoded.png">    </p:cNvPr>
+          <p:cNvPr id="2" name="Image 0" descr="preencoded.png"/>
           <p:cNvPicPr>
             <a:picLocks noChangeAspect="1"/>
           </p:cNvPicPr>
@@ -2819,8 +2265,8 @@
         </p:blipFill>
         <p:spPr>
           <a:xfrm>
-            <a:off x="4743450" y="942975"/>
-            <a:ext cx="228600" cy="228600"/>
+            <a:off x="0" y="0"/>
+            <a:ext cx="9144000" cy="5143500"/>
           </a:xfrm>
           <a:prstGeom prst="rect">
             <a:avLst/>
@@ -2829,73 +2275,32 @@
       </p:pic>
       <p:sp>
         <p:nvSpPr>
-          <p:cNvPr id="11" name="Text 6"/>
-          <p:cNvSpPr/>
-          <p:nvPr/>
-        </p:nvSpPr>
-        <p:spPr>
-          <a:xfrm>
-            <a:off x="5086350" y="914400"/>
-            <a:ext cx="3843338" cy="200025"/>
-          </a:xfrm>
-          <a:prstGeom prst="rect">
-            <a:avLst/>
-          </a:prstGeom>
-          <a:noFill/>
-          <a:ln/>
-        </p:spPr>
-        <p:txBody>
-          <a:bodyPr wrap="none" lIns="0" tIns="0" rIns="0" bIns="0" rtlCol="0" anchor="ctr">
-            <a:spAutoFit/>
-          </a:bodyPr>
-          <a:lstStyle/>
-          <a:p>
-            <a:pPr indent="0" marL="0">
-              <a:buNone/>
-            </a:pPr>
-            <a:r>
-              <a:rPr lang="en-US" sz="1125" b="1" dirty="0">
-                <a:solidFill>
-                  <a:srgbClr val="C0C0C0"/>
-                </a:solidFill>
-                <a:latin typeface="Segoe UI" pitchFamily="34" charset="0"/>
-                <a:ea typeface="Segoe UI" pitchFamily="34" charset="-122"/>
-                <a:cs typeface="Segoe UI" pitchFamily="34" charset="-120"/>
-              </a:rPr>
-              <a:t>Надежность и устойчивость</a:t>
-            </a:r>
-            <a:endParaRPr lang="en-US" sz="1125" dirty="0"/>
-          </a:p>
-        </p:txBody>
-      </p:sp>
-      <p:sp>
-        <p:nvSpPr>
-          <p:cNvPr id="12" name="Text 7"/>
-          <p:cNvSpPr/>
-          <p:nvPr/>
-        </p:nvSpPr>
-        <p:spPr>
-          <a:xfrm>
-            <a:off x="5086350" y="1143000"/>
-            <a:ext cx="3843338" cy="660016"/>
-          </a:xfrm>
-          <a:prstGeom prst="rect">
-            <a:avLst/>
-          </a:prstGeom>
-          <a:noFill/>
-          <a:ln/>
-        </p:spPr>
-        <p:txBody>
-          <a:bodyPr wrap="square" lIns="0" tIns="0" rIns="0" bIns="0" rtlCol="0" anchor="ctr">
-            <a:spAutoFit/>
-          </a:bodyPr>
-          <a:lstStyle/>
-          <a:p>
-            <a:pPr indent="0" marL="0">
-              <a:buNone/>
-            </a:pPr>
-            <a:r>
-              <a:rPr lang="en-US" sz="1238" dirty="0">
+          <p:cNvPr id="3" name="Text 0"/>
+          <p:cNvSpPr/>
+          <p:nvPr/>
+        </p:nvSpPr>
+        <p:spPr>
+          <a:xfrm>
+            <a:off x="285750" y="285750"/>
+            <a:ext cx="8643938" cy="471488"/>
+          </a:xfrm>
+          <a:prstGeom prst="rect">
+            <a:avLst/>
+          </a:prstGeom>
+          <a:noFill/>
+          <a:ln/>
+        </p:spPr>
+        <p:txBody>
+          <a:bodyPr wrap="none" lIns="0" tIns="0" rIns="0" bIns="85090" rtlCol="0" anchor="ctr">
+            <a:spAutoFit/>
+          </a:bodyPr>
+          <a:lstStyle/>
+          <a:p>
+            <a:pPr marL="0" indent="0">
+              <a:buNone/>
+            </a:pPr>
+            <a:r>
+              <a:rPr lang="en-US" sz="2025" b="1" dirty="0">
                 <a:solidFill>
                   <a:srgbClr val="FFFFFF"/>
                 </a:solidFill>
@@ -2903,15 +2308,15 @@
                 <a:ea typeface="Segoe UI" pitchFamily="34" charset="-122"/>
                 <a:cs typeface="Segoe UI" pitchFamily="34" charset="-120"/>
               </a:rPr>
-              <a:t>Многоисточниковая синхронизация и активная защита от угроз обеспечивают бесперебойную работу критически важных систем.</a:t>
-            </a:r>
-            <a:endParaRPr lang="en-US" sz="1238" dirty="0"/>
+              <a:t>Преимущества решений Quantum для бизнеса</a:t>
+            </a:r>
+            <a:endParaRPr lang="en-US" sz="2025" dirty="0"/>
           </a:p>
         </p:txBody>
       </p:sp>
       <p:pic>
         <p:nvPicPr>
-          <p:cNvPr id="13" name="Image 3" descr="preencoded.png">    </p:cNvPr>
+          <p:cNvPr id="4" name="Image 1" descr="preencoded.png"/>
           <p:cNvPicPr>
             <a:picLocks noChangeAspect="1"/>
           </p:cNvPicPr>
@@ -2925,8 +2330,8 @@
         </p:blipFill>
         <p:spPr>
           <a:xfrm>
-            <a:off x="4743450" y="2295516"/>
-            <a:ext cx="285750" cy="228600"/>
+            <a:off x="285750" y="914400"/>
+            <a:ext cx="4114800" cy="2286000"/>
           </a:xfrm>
           <a:prstGeom prst="rect">
             <a:avLst/>
@@ -2935,14 +2340,36 @@
       </p:pic>
       <p:sp>
         <p:nvSpPr>
-          <p:cNvPr id="14" name="Text 8"/>
-          <p:cNvSpPr/>
-          <p:nvPr/>
-        </p:nvSpPr>
-        <p:spPr>
-          <a:xfrm>
-            <a:off x="5143500" y="2266941"/>
-            <a:ext cx="3786188" cy="200025"/>
+          <p:cNvPr id="5" name="Shape 1"/>
+          <p:cNvSpPr/>
+          <p:nvPr/>
+        </p:nvSpPr>
+        <p:spPr>
+          <a:xfrm>
+            <a:off x="285750" y="3314700"/>
+            <a:ext cx="4114800" cy="1145791"/>
+          </a:xfrm>
+          <a:prstGeom prst="rect">
+            <a:avLst/>
+          </a:prstGeom>
+          <a:solidFill>
+            <a:srgbClr val="FFFFFF">
+              <a:alpha val="10000"/>
+            </a:srgbClr>
+          </a:solidFill>
+          <a:ln/>
+        </p:spPr>
+      </p:sp>
+      <p:sp>
+        <p:nvSpPr>
+          <p:cNvPr id="6" name="Text 2"/>
+          <p:cNvSpPr/>
+          <p:nvPr/>
+        </p:nvSpPr>
+        <p:spPr>
+          <a:xfrm>
+            <a:off x="400050" y="3429000"/>
+            <a:ext cx="3957638" cy="200025"/>
           </a:xfrm>
           <a:prstGeom prst="rect">
             <a:avLst/>
@@ -2956,7 +2383,7 @@
           </a:bodyPr>
           <a:lstStyle/>
           <a:p>
-            <a:pPr indent="0" marL="0">
+            <a:pPr marL="0" indent="0" algn="ctr">
               <a:buNone/>
             </a:pPr>
             <a:r>
@@ -2968,7 +2395,7 @@
                 <a:ea typeface="Segoe UI" pitchFamily="34" charset="-122"/>
                 <a:cs typeface="Segoe UI" pitchFamily="34" charset="-120"/>
               </a:rPr>
-              <a:t>Соответствие нормативным требованиям</a:t>
+              <a:t>Экономическая эффективность</a:t>
             </a:r>
             <a:endParaRPr lang="en-US" sz="1125" dirty="0"/>
           </a:p>
@@ -2976,28 +2403,28 @@
       </p:sp>
       <p:sp>
         <p:nvSpPr>
-          <p:cNvPr id="15" name="Text 9"/>
-          <p:cNvSpPr/>
-          <p:nvPr/>
-        </p:nvSpPr>
-        <p:spPr>
-          <a:xfrm>
-            <a:off x="5143500" y="2495541"/>
-            <a:ext cx="3786188" cy="660016"/>
-          </a:xfrm>
-          <a:prstGeom prst="rect">
-            <a:avLst/>
-          </a:prstGeom>
-          <a:noFill/>
-          <a:ln/>
-        </p:spPr>
-        <p:txBody>
-          <a:bodyPr wrap="square" lIns="0" tIns="0" rIns="0" bIns="0" rtlCol="0" anchor="ctr">
-            <a:spAutoFit/>
-          </a:bodyPr>
-          <a:lstStyle/>
-          <a:p>
-            <a:pPr indent="0" marL="0">
+          <p:cNvPr id="7" name="Text 3"/>
+          <p:cNvSpPr/>
+          <p:nvPr/>
+        </p:nvSpPr>
+        <p:spPr>
+          <a:xfrm>
+            <a:off x="571500" y="3686175"/>
+            <a:ext cx="3786188" cy="220005"/>
+          </a:xfrm>
+          <a:prstGeom prst="rect">
+            <a:avLst/>
+          </a:prstGeom>
+          <a:noFill/>
+          <a:ln/>
+        </p:spPr>
+        <p:txBody>
+          <a:bodyPr wrap="none" lIns="0" tIns="0" rIns="0" bIns="0" rtlCol="0" anchor="ctr">
+            <a:spAutoFit/>
+          </a:bodyPr>
+          <a:lstStyle/>
+          <a:p>
+            <a:pPr marL="0" indent="0" algn="l">
               <a:buNone/>
             </a:pPr>
             <a:r>
@@ -3009,7 +2436,89 @@
                 <a:ea typeface="Segoe UI" pitchFamily="34" charset="-122"/>
                 <a:cs typeface="Segoe UI" pitchFamily="34" charset="-120"/>
               </a:rPr>
-              <a:t>Полное соответствие регуляторным стандартам (MiFID II, FINRA, CAT, ITU-T, NERC CIP) с аудируемыми временными метками.</a:t>
+              <a:t>Снижение операционных расходов</a:t>
+            </a:r>
+            <a:endParaRPr lang="en-US" sz="1238" dirty="0"/>
+          </a:p>
+        </p:txBody>
+      </p:sp>
+      <p:sp>
+        <p:nvSpPr>
+          <p:cNvPr id="8" name="Text 4"/>
+          <p:cNvSpPr/>
+          <p:nvPr/>
+        </p:nvSpPr>
+        <p:spPr>
+          <a:xfrm>
+            <a:off x="571500" y="3906180"/>
+            <a:ext cx="3786188" cy="220005"/>
+          </a:xfrm>
+          <a:prstGeom prst="rect">
+            <a:avLst/>
+          </a:prstGeom>
+          <a:noFill/>
+          <a:ln/>
+        </p:spPr>
+        <p:txBody>
+          <a:bodyPr wrap="none" lIns="0" tIns="0" rIns="0" bIns="0" rtlCol="0" anchor="ctr">
+            <a:spAutoFit/>
+          </a:bodyPr>
+          <a:lstStyle/>
+          <a:p>
+            <a:pPr marL="0" indent="0" algn="l">
+              <a:buNone/>
+            </a:pPr>
+            <a:r>
+              <a:rPr lang="en-US" sz="1238" dirty="0">
+                <a:solidFill>
+                  <a:srgbClr val="FFFFFF"/>
+                </a:solidFill>
+                <a:latin typeface="Segoe UI" pitchFamily="34" charset="0"/>
+                <a:ea typeface="Segoe UI" pitchFamily="34" charset="-122"/>
+                <a:cs typeface="Segoe UI" pitchFamily="34" charset="-120"/>
+              </a:rPr>
+              <a:t>Предотвращение финансовых потерь</a:t>
+            </a:r>
+            <a:endParaRPr lang="en-US" sz="1238" dirty="0"/>
+          </a:p>
+        </p:txBody>
+      </p:sp>
+      <p:sp>
+        <p:nvSpPr>
+          <p:cNvPr id="9" name="Text 5"/>
+          <p:cNvSpPr/>
+          <p:nvPr/>
+        </p:nvSpPr>
+        <p:spPr>
+          <a:xfrm>
+            <a:off x="571500" y="4126185"/>
+            <a:ext cx="3786188" cy="220005"/>
+          </a:xfrm>
+          <a:prstGeom prst="rect">
+            <a:avLst/>
+          </a:prstGeom>
+          <a:noFill/>
+          <a:ln/>
+        </p:spPr>
+        <p:txBody>
+          <a:bodyPr wrap="none" lIns="0" tIns="0" rIns="0" bIns="0" rtlCol="0" anchor="ctr">
+            <a:spAutoFit/>
+          </a:bodyPr>
+          <a:lstStyle/>
+          <a:p>
+            <a:pPr marL="0" indent="0" algn="l">
+              <a:buNone/>
+            </a:pPr>
+            <a:r>
+              <a:rPr lang="en-US" sz="1238" dirty="0">
+                <a:solidFill>
+                  <a:srgbClr val="FFFFFF"/>
+                </a:solidFill>
+                <a:latin typeface="Segoe UI" pitchFamily="34" charset="0"/>
+                <a:ea typeface="Segoe UI" pitchFamily="34" charset="-122"/>
+                <a:cs typeface="Segoe UI" pitchFamily="34" charset="-120"/>
+              </a:rPr>
+              <a:t>Оптимизация производительности систем</a:t>
             </a:r>
             <a:endParaRPr lang="en-US" sz="1238" dirty="0"/>
           </a:p>
@@ -3017,7 +2526,7 @@
       </p:sp>
       <p:pic>
         <p:nvPicPr>
-          <p:cNvPr id="16" name="Image 4" descr="preencoded.png">    </p:cNvPr>
+          <p:cNvPr id="10" name="Image 2" descr="preencoded.png"/>
           <p:cNvPicPr>
             <a:picLocks noChangeAspect="1"/>
           </p:cNvPicPr>
@@ -3031,8 +2540,8 @@
         </p:blipFill>
         <p:spPr>
           <a:xfrm>
-            <a:off x="4743450" y="3648056"/>
-            <a:ext cx="200025" cy="228600"/>
+            <a:off x="4743450" y="942975"/>
+            <a:ext cx="228600" cy="228600"/>
           </a:xfrm>
           <a:prstGeom prst="rect">
             <a:avLst/>
@@ -3041,14 +2550,14 @@
       </p:pic>
       <p:sp>
         <p:nvSpPr>
-          <p:cNvPr id="17" name="Text 10"/>
-          <p:cNvSpPr/>
-          <p:nvPr/>
-        </p:nvSpPr>
-        <p:spPr>
-          <a:xfrm>
-            <a:off x="5057775" y="3619481"/>
-            <a:ext cx="3871913" cy="200025"/>
+          <p:cNvPr id="11" name="Text 6"/>
+          <p:cNvSpPr/>
+          <p:nvPr/>
+        </p:nvSpPr>
+        <p:spPr>
+          <a:xfrm>
+            <a:off x="5086350" y="914400"/>
+            <a:ext cx="3843338" cy="200025"/>
           </a:xfrm>
           <a:prstGeom prst="rect">
             <a:avLst/>
@@ -3062,7 +2571,7 @@
           </a:bodyPr>
           <a:lstStyle/>
           <a:p>
-            <a:pPr indent="0" marL="0">
+            <a:pPr marL="0" indent="0">
               <a:buNone/>
             </a:pPr>
             <a:r>
@@ -3074,7 +2583,7 @@
                 <a:ea typeface="Segoe UI" pitchFamily="34" charset="-122"/>
                 <a:cs typeface="Segoe UI" pitchFamily="34" charset="-120"/>
               </a:rPr>
-              <a:t>Масштабируемость и гибкость</a:t>
+              <a:t>Надежность и устойчивость</a:t>
             </a:r>
             <a:endParaRPr lang="en-US" sz="1125" dirty="0"/>
           </a:p>
@@ -3082,14 +2591,14 @@
       </p:sp>
       <p:sp>
         <p:nvSpPr>
-          <p:cNvPr id="18" name="Text 11"/>
-          <p:cNvSpPr/>
-          <p:nvPr/>
-        </p:nvSpPr>
-        <p:spPr>
-          <a:xfrm>
-            <a:off x="5057775" y="3848081"/>
-            <a:ext cx="3871913" cy="660016"/>
+          <p:cNvPr id="12" name="Text 7"/>
+          <p:cNvSpPr/>
+          <p:nvPr/>
+        </p:nvSpPr>
+        <p:spPr>
+          <a:xfrm>
+            <a:off x="5086350" y="1143000"/>
+            <a:ext cx="3843338" cy="660016"/>
           </a:xfrm>
           <a:prstGeom prst="rect">
             <a:avLst/>
@@ -3103,7 +2612,7 @@
           </a:bodyPr>
           <a:lstStyle/>
           <a:p>
-            <a:pPr indent="0" marL="0">
+            <a:pPr marL="0" indent="0">
               <a:buNone/>
             </a:pPr>
             <a:r>
@@ -3115,7 +2624,7 @@
                 <a:ea typeface="Segoe UI" pitchFamily="34" charset="-122"/>
                 <a:cs typeface="Segoe UI" pitchFamily="34" charset="-120"/>
               </a:rPr>
-              <a:t>Модульная архитектура, поддержка различных протоколов и применимость в разных средах для адаптации к растущим потребностям бизнеса.</a:t>
+              <a:t>Многоисточниковая синхронизация и активная защита от угроз обеспечивают бесперебойную работу критически важных систем.</a:t>
             </a:r>
             <a:endParaRPr lang="en-US" sz="1238" dirty="0"/>
           </a:p>
@@ -3123,7 +2632,7 @@
       </p:sp>
       <p:pic>
         <p:nvPicPr>
-          <p:cNvPr id="19" name="Image 5" descr="preencoded.png">    </p:cNvPr>
+          <p:cNvPr id="13" name="Image 3" descr="preencoded.png"/>
           <p:cNvPicPr>
             <a:picLocks noChangeAspect="1"/>
           </p:cNvPicPr>
@@ -3131,6 +2640,218 @@
         </p:nvPicPr>
         <p:blipFill>
           <a:blip r:embed="rId6"/>
+          <a:stretch>
+            <a:fillRect/>
+          </a:stretch>
+        </p:blipFill>
+        <p:spPr>
+          <a:xfrm>
+            <a:off x="4743450" y="2295516"/>
+            <a:ext cx="285750" cy="228600"/>
+          </a:xfrm>
+          <a:prstGeom prst="rect">
+            <a:avLst/>
+          </a:prstGeom>
+        </p:spPr>
+      </p:pic>
+      <p:sp>
+        <p:nvSpPr>
+          <p:cNvPr id="14" name="Text 8"/>
+          <p:cNvSpPr/>
+          <p:nvPr/>
+        </p:nvSpPr>
+        <p:spPr>
+          <a:xfrm>
+            <a:off x="5143500" y="2266941"/>
+            <a:ext cx="3786188" cy="200025"/>
+          </a:xfrm>
+          <a:prstGeom prst="rect">
+            <a:avLst/>
+          </a:prstGeom>
+          <a:noFill/>
+          <a:ln/>
+        </p:spPr>
+        <p:txBody>
+          <a:bodyPr wrap="none" lIns="0" tIns="0" rIns="0" bIns="0" rtlCol="0" anchor="ctr">
+            <a:spAutoFit/>
+          </a:bodyPr>
+          <a:lstStyle/>
+          <a:p>
+            <a:pPr marL="0" indent="0">
+              <a:buNone/>
+            </a:pPr>
+            <a:r>
+              <a:rPr lang="en-US" sz="1125" b="1" dirty="0">
+                <a:solidFill>
+                  <a:srgbClr val="C0C0C0"/>
+                </a:solidFill>
+                <a:latin typeface="Segoe UI" pitchFamily="34" charset="0"/>
+                <a:ea typeface="Segoe UI" pitchFamily="34" charset="-122"/>
+                <a:cs typeface="Segoe UI" pitchFamily="34" charset="-120"/>
+              </a:rPr>
+              <a:t>Соответствие нормативным требованиям</a:t>
+            </a:r>
+            <a:endParaRPr lang="en-US" sz="1125" dirty="0"/>
+          </a:p>
+        </p:txBody>
+      </p:sp>
+      <p:sp>
+        <p:nvSpPr>
+          <p:cNvPr id="15" name="Text 9"/>
+          <p:cNvSpPr/>
+          <p:nvPr/>
+        </p:nvSpPr>
+        <p:spPr>
+          <a:xfrm>
+            <a:off x="5143500" y="2495541"/>
+            <a:ext cx="3786188" cy="660016"/>
+          </a:xfrm>
+          <a:prstGeom prst="rect">
+            <a:avLst/>
+          </a:prstGeom>
+          <a:noFill/>
+          <a:ln/>
+        </p:spPr>
+        <p:txBody>
+          <a:bodyPr wrap="square" lIns="0" tIns="0" rIns="0" bIns="0" rtlCol="0" anchor="ctr">
+            <a:spAutoFit/>
+          </a:bodyPr>
+          <a:lstStyle/>
+          <a:p>
+            <a:pPr marL="0" indent="0">
+              <a:buNone/>
+            </a:pPr>
+            <a:r>
+              <a:rPr lang="en-US" sz="1238" dirty="0">
+                <a:solidFill>
+                  <a:srgbClr val="FFFFFF"/>
+                </a:solidFill>
+                <a:latin typeface="Segoe UI" pitchFamily="34" charset="0"/>
+                <a:ea typeface="Segoe UI" pitchFamily="34" charset="-122"/>
+                <a:cs typeface="Segoe UI" pitchFamily="34" charset="-120"/>
+              </a:rPr>
+              <a:t>Полное соответствие регуляторным стандартам (MiFID II, FINRA, CAT, ITU-T, NERC CIP) с аудируемыми временными метками.</a:t>
+            </a:r>
+            <a:endParaRPr lang="en-US" sz="1238" dirty="0"/>
+          </a:p>
+        </p:txBody>
+      </p:sp>
+      <p:pic>
+        <p:nvPicPr>
+          <p:cNvPr id="16" name="Image 4" descr="preencoded.png"/>
+          <p:cNvPicPr>
+            <a:picLocks noChangeAspect="1"/>
+          </p:cNvPicPr>
+          <p:nvPr/>
+        </p:nvPicPr>
+        <p:blipFill>
+          <a:blip r:embed="rId7"/>
+          <a:stretch>
+            <a:fillRect/>
+          </a:stretch>
+        </p:blipFill>
+        <p:spPr>
+          <a:xfrm>
+            <a:off x="4743450" y="3648056"/>
+            <a:ext cx="200025" cy="228600"/>
+          </a:xfrm>
+          <a:prstGeom prst="rect">
+            <a:avLst/>
+          </a:prstGeom>
+        </p:spPr>
+      </p:pic>
+      <p:sp>
+        <p:nvSpPr>
+          <p:cNvPr id="17" name="Text 10"/>
+          <p:cNvSpPr/>
+          <p:nvPr/>
+        </p:nvSpPr>
+        <p:spPr>
+          <a:xfrm>
+            <a:off x="5057775" y="3619481"/>
+            <a:ext cx="3871913" cy="200025"/>
+          </a:xfrm>
+          <a:prstGeom prst="rect">
+            <a:avLst/>
+          </a:prstGeom>
+          <a:noFill/>
+          <a:ln/>
+        </p:spPr>
+        <p:txBody>
+          <a:bodyPr wrap="none" lIns="0" tIns="0" rIns="0" bIns="0" rtlCol="0" anchor="ctr">
+            <a:spAutoFit/>
+          </a:bodyPr>
+          <a:lstStyle/>
+          <a:p>
+            <a:pPr marL="0" indent="0">
+              <a:buNone/>
+            </a:pPr>
+            <a:r>
+              <a:rPr lang="en-US" sz="1125" b="1" dirty="0">
+                <a:solidFill>
+                  <a:srgbClr val="C0C0C0"/>
+                </a:solidFill>
+                <a:latin typeface="Segoe UI" pitchFamily="34" charset="0"/>
+                <a:ea typeface="Segoe UI" pitchFamily="34" charset="-122"/>
+                <a:cs typeface="Segoe UI" pitchFamily="34" charset="-120"/>
+              </a:rPr>
+              <a:t>Масштабируемость и гибкость</a:t>
+            </a:r>
+            <a:endParaRPr lang="en-US" sz="1125" dirty="0"/>
+          </a:p>
+        </p:txBody>
+      </p:sp>
+      <p:sp>
+        <p:nvSpPr>
+          <p:cNvPr id="18" name="Text 11"/>
+          <p:cNvSpPr/>
+          <p:nvPr/>
+        </p:nvSpPr>
+        <p:spPr>
+          <a:xfrm>
+            <a:off x="5057775" y="3848081"/>
+            <a:ext cx="3871913" cy="660016"/>
+          </a:xfrm>
+          <a:prstGeom prst="rect">
+            <a:avLst/>
+          </a:prstGeom>
+          <a:noFill/>
+          <a:ln/>
+        </p:spPr>
+        <p:txBody>
+          <a:bodyPr wrap="square" lIns="0" tIns="0" rIns="0" bIns="0" rtlCol="0" anchor="ctr">
+            <a:spAutoFit/>
+          </a:bodyPr>
+          <a:lstStyle/>
+          <a:p>
+            <a:pPr marL="0" indent="0">
+              <a:buNone/>
+            </a:pPr>
+            <a:r>
+              <a:rPr lang="en-US" sz="1238" dirty="0">
+                <a:solidFill>
+                  <a:srgbClr val="FFFFFF"/>
+                </a:solidFill>
+                <a:latin typeface="Segoe UI" pitchFamily="34" charset="0"/>
+                <a:ea typeface="Segoe UI" pitchFamily="34" charset="-122"/>
+                <a:cs typeface="Segoe UI" pitchFamily="34" charset="-120"/>
+              </a:rPr>
+              <a:t>Модульная архитектура, поддержка различных протоколов и применимость в разных средах для адаптации к растущим потребностям бизнеса.</a:t>
+            </a:r>
+            <a:endParaRPr lang="en-US" sz="1238" dirty="0"/>
+          </a:p>
+        </p:txBody>
+      </p:sp>
+      <p:pic>
+        <p:nvPicPr>
+          <p:cNvPr id="19" name="Image 5" descr="preencoded.png"/>
+          <p:cNvPicPr>
+            <a:picLocks noChangeAspect="1"/>
+          </p:cNvPicPr>
+          <p:nvPr/>
+        </p:nvPicPr>
+        <p:blipFill>
+          <a:blip r:embed="rId8"/>
           <a:stretch>
             <a:fillRect/>
           </a:stretch>
@@ -3172,348 +2893,7 @@
       </p:grpSpPr>
       <p:pic>
         <p:nvPicPr>
-          <p:cNvPr id="2" name="Image 0" descr="preencoded.png">    </p:cNvPr>
-          <p:cNvPicPr>
-            <a:picLocks noChangeAspect="1"/>
-          </p:cNvPicPr>
-          <p:nvPr/>
-        </p:nvPicPr>
-        <p:blipFill>
-          <a:blip r:embed="rId1"/>
-          <a:stretch>
-            <a:fillRect/>
-          </a:stretch>
-        </p:blipFill>
-        <p:spPr>
-          <a:xfrm>
-            <a:off x="0" y="0"/>
-            <a:ext cx="9144000" cy="5143500"/>
-          </a:xfrm>
-          <a:prstGeom prst="rect">
-            <a:avLst/>
-          </a:prstGeom>
-        </p:spPr>
-      </p:pic>
-      <p:sp>
-        <p:nvSpPr>
-          <p:cNvPr id="3" name="Text 0"/>
-          <p:cNvSpPr/>
-          <p:nvPr/>
-        </p:nvSpPr>
-        <p:spPr>
-          <a:xfrm>
-            <a:off x="285750" y="285750"/>
-            <a:ext cx="8643938" cy="471488"/>
-          </a:xfrm>
-          <a:prstGeom prst="rect">
-            <a:avLst/>
-          </a:prstGeom>
-          <a:noFill/>
-          <a:ln/>
-        </p:spPr>
-        <p:txBody>
-          <a:bodyPr wrap="none" lIns="0" tIns="0" rIns="0" bIns="85090" rtlCol="0" anchor="ctr">
-            <a:spAutoFit/>
-          </a:bodyPr>
-          <a:lstStyle/>
-          <a:p>
-            <a:pPr indent="0" marL="0">
-              <a:buNone/>
-            </a:pPr>
-            <a:r>
-              <a:rPr lang="en-US" sz="2025" b="1" dirty="0">
-                <a:solidFill>
-                  <a:srgbClr val="FFFFFF"/>
-                </a:solidFill>
-                <a:latin typeface="Segoe UI" pitchFamily="34" charset="0"/>
-                <a:ea typeface="Segoe UI" pitchFamily="34" charset="-122"/>
-                <a:cs typeface="Segoe UI" pitchFamily="34" charset="-120"/>
-              </a:rPr>
-              <a:t>Примеры успешных проектов</a:t>
-            </a:r>
-            <a:endParaRPr lang="en-US" sz="2025" dirty="0"/>
-          </a:p>
-        </p:txBody>
-      </p:sp>
-      <p:sp>
-        <p:nvSpPr>
-          <p:cNvPr id="4" name="Shape 1"/>
-          <p:cNvSpPr/>
-          <p:nvPr/>
-        </p:nvSpPr>
-        <p:spPr>
-          <a:xfrm>
-            <a:off x="285750" y="914400"/>
-            <a:ext cx="4214813" cy="1900238"/>
-          </a:xfrm>
-          <a:prstGeom prst="rect">
-            <a:avLst/>
-          </a:prstGeom>
-          <a:solidFill>
-            <a:srgbClr val="C0C0C0">
-              <a:alpha val="10000"/>
-            </a:srgbClr>
-          </a:solidFill>
-          <a:ln/>
-        </p:spPr>
-      </p:sp>
-      <p:pic>
-        <p:nvPicPr>
-          <p:cNvPr id="5" name="Image 1" descr="preencoded.png">    </p:cNvPr>
-          <p:cNvPicPr>
-            <a:picLocks noChangeAspect="1"/>
-          </p:cNvPicPr>
-          <p:nvPr/>
-        </p:nvPicPr>
-        <p:blipFill>
-          <a:blip r:embed="rId2"/>
-          <a:stretch>
-            <a:fillRect/>
-          </a:stretch>
-        </p:blipFill>
-        <p:spPr>
-          <a:xfrm>
-            <a:off x="400050" y="1028700"/>
-            <a:ext cx="200025" cy="200025"/>
-          </a:xfrm>
-          <a:prstGeom prst="rect">
-            <a:avLst/>
-          </a:prstGeom>
-        </p:spPr>
-      </p:pic>
-      <p:sp>
-        <p:nvSpPr>
-          <p:cNvPr id="6" name="Text 2"/>
-          <p:cNvSpPr/>
-          <p:nvPr/>
-        </p:nvSpPr>
-        <p:spPr>
-          <a:xfrm>
-            <a:off x="685800" y="1028700"/>
-            <a:ext cx="1510457" cy="200025"/>
-          </a:xfrm>
-          <a:prstGeom prst="rect">
-            <a:avLst/>
-          </a:prstGeom>
-          <a:noFill/>
-          <a:ln/>
-        </p:spPr>
-        <p:txBody>
-          <a:bodyPr wrap="none" lIns="0" tIns="0" rIns="0" bIns="0" rtlCol="0" anchor="ctr">
-            <a:spAutoFit/>
-          </a:bodyPr>
-          <a:lstStyle/>
-          <a:p>
-            <a:pPr indent="0" marL="0">
-              <a:buNone/>
-            </a:pPr>
-            <a:r>
-              <a:rPr lang="en-US" sz="1125" b="1" dirty="0">
-                <a:solidFill>
-                  <a:srgbClr val="FFFFFF"/>
-                </a:solidFill>
-                <a:latin typeface="Segoe UI" pitchFamily="34" charset="0"/>
-                <a:ea typeface="Segoe UI" pitchFamily="34" charset="-122"/>
-                <a:cs typeface="Segoe UI" pitchFamily="34" charset="-120"/>
-              </a:rPr>
-              <a:t>Финансовый сектор</a:t>
-            </a:r>
-            <a:endParaRPr lang="en-US" sz="1125" dirty="0"/>
-          </a:p>
-        </p:txBody>
-      </p:sp>
-      <p:sp>
-        <p:nvSpPr>
-          <p:cNvPr id="7" name="Text 3"/>
-          <p:cNvSpPr/>
-          <p:nvPr/>
-        </p:nvSpPr>
-        <p:spPr>
-          <a:xfrm>
-            <a:off x="400050" y="1285875"/>
-            <a:ext cx="4057650" cy="880021"/>
-          </a:xfrm>
-          <a:prstGeom prst="rect">
-            <a:avLst/>
-          </a:prstGeom>
-          <a:noFill/>
-          <a:ln/>
-        </p:spPr>
-        <p:txBody>
-          <a:bodyPr wrap="square" lIns="0" tIns="0" rIns="0" bIns="0" rtlCol="0" anchor="ctr">
-            <a:spAutoFit/>
-          </a:bodyPr>
-          <a:lstStyle/>
-          <a:p>
-            <a:pPr indent="0" marL="0">
-              <a:buNone/>
-            </a:pPr>
-            <a:r>
-              <a:rPr lang="en-US" sz="1238" dirty="0">
-                <a:solidFill>
-                  <a:srgbClr val="FFFFFF"/>
-                </a:solidFill>
-                <a:latin typeface="Segoe UI" pitchFamily="34" charset="0"/>
-                <a:ea typeface="Segoe UI" pitchFamily="34" charset="-122"/>
-                <a:cs typeface="Segoe UI" pitchFamily="34" charset="-120"/>
-              </a:rPr>
-              <a:t>Крупная европейская фондовая биржа внедрила решение Quantum для обеспечения соответствия MiFID II и защиты от помех и подмены сигналов GNSS.</a:t>
-            </a:r>
-            <a:endParaRPr lang="en-US" sz="1238" dirty="0"/>
-          </a:p>
-        </p:txBody>
-      </p:sp>
-      <p:sp>
-        <p:nvSpPr>
-          <p:cNvPr id="8" name="Shape 4"/>
-          <p:cNvSpPr/>
-          <p:nvPr/>
-        </p:nvSpPr>
-        <p:spPr>
-          <a:xfrm>
-            <a:off x="400050" y="2251621"/>
-            <a:ext cx="2076710" cy="178594"/>
-          </a:xfrm>
-          <a:prstGeom prst="rect">
-            <a:avLst/>
-          </a:prstGeom>
-          <a:solidFill>
-            <a:srgbClr val="C0C0C0">
-              <a:alpha val="30000"/>
-            </a:srgbClr>
-          </a:solidFill>
-          <a:ln/>
-        </p:spPr>
-      </p:sp>
-      <p:sp>
-        <p:nvSpPr>
-          <p:cNvPr id="9" name="Text 5"/>
-          <p:cNvSpPr/>
-          <p:nvPr/>
-        </p:nvSpPr>
-        <p:spPr>
-          <a:xfrm>
-            <a:off x="400050" y="2251621"/>
-            <a:ext cx="2148148" cy="178594"/>
-          </a:xfrm>
-          <a:prstGeom prst="rect">
-            <a:avLst/>
-          </a:prstGeom>
-          <a:noFill/>
-          <a:ln/>
-        </p:spPr>
-        <p:txBody>
-          <a:bodyPr wrap="none" lIns="68072" tIns="17018" rIns="68072" bIns="17018" rtlCol="0" anchor="ctr">
-            <a:spAutoFit/>
-          </a:bodyPr>
-          <a:lstStyle/>
-          <a:p>
-            <a:pPr indent="0" marL="0">
-              <a:buNone/>
-            </a:pPr>
-            <a:r>
-              <a:rPr lang="en-US" sz="788" dirty="0">
-                <a:solidFill>
-                  <a:srgbClr val="FFFFFF"/>
-                </a:solidFill>
-                <a:latin typeface="Segoe UI" pitchFamily="34" charset="0"/>
-                <a:ea typeface="Segoe UI" pitchFamily="34" charset="-122"/>
-                <a:cs typeface="Segoe UI" pitchFamily="34" charset="-120"/>
-              </a:rPr>
-              <a:t>Соответствие регуляторным требованиям</a:t>
-            </a:r>
-            <a:endParaRPr lang="en-US" sz="788" dirty="0"/>
-          </a:p>
-        </p:txBody>
-      </p:sp>
-      <p:sp>
-        <p:nvSpPr>
-          <p:cNvPr id="10" name="Shape 6"/>
-          <p:cNvSpPr/>
-          <p:nvPr/>
-        </p:nvSpPr>
-        <p:spPr>
-          <a:xfrm>
-            <a:off x="2533910" y="2251621"/>
-            <a:ext cx="1635361" cy="178594"/>
-          </a:xfrm>
-          <a:prstGeom prst="rect">
-            <a:avLst/>
-          </a:prstGeom>
-          <a:solidFill>
-            <a:srgbClr val="C0C0C0">
-              <a:alpha val="30000"/>
-            </a:srgbClr>
-          </a:solidFill>
-          <a:ln/>
-        </p:spPr>
-      </p:sp>
-      <p:sp>
-        <p:nvSpPr>
-          <p:cNvPr id="11" name="Text 7"/>
-          <p:cNvSpPr/>
-          <p:nvPr/>
-        </p:nvSpPr>
-        <p:spPr>
-          <a:xfrm>
-            <a:off x="2533910" y="2251621"/>
-            <a:ext cx="1706798" cy="178594"/>
-          </a:xfrm>
-          <a:prstGeom prst="rect">
-            <a:avLst/>
-          </a:prstGeom>
-          <a:noFill/>
-          <a:ln/>
-        </p:spPr>
-        <p:txBody>
-          <a:bodyPr wrap="none" lIns="68072" tIns="17018" rIns="68072" bIns="17018" rtlCol="0" anchor="ctr">
-            <a:spAutoFit/>
-          </a:bodyPr>
-          <a:lstStyle/>
-          <a:p>
-            <a:pPr indent="0" marL="0">
-              <a:buNone/>
-            </a:pPr>
-            <a:r>
-              <a:rPr lang="en-US" sz="788" dirty="0">
-                <a:solidFill>
-                  <a:srgbClr val="FFFFFF"/>
-                </a:solidFill>
-                <a:latin typeface="Segoe UI" pitchFamily="34" charset="0"/>
-                <a:ea typeface="Segoe UI" pitchFamily="34" charset="-122"/>
-                <a:cs typeface="Segoe UI" pitchFamily="34" charset="-120"/>
-              </a:rPr>
-              <a:t>Снижение операционных рисков</a:t>
-            </a:r>
-            <a:endParaRPr lang="en-US" sz="788" dirty="0"/>
-          </a:p>
-        </p:txBody>
-      </p:sp>
-      <p:sp>
-        <p:nvSpPr>
-          <p:cNvPr id="12" name="Shape 8"/>
-          <p:cNvSpPr/>
-          <p:nvPr/>
-        </p:nvSpPr>
-        <p:spPr>
-          <a:xfrm>
-            <a:off x="4643438" y="914400"/>
-            <a:ext cx="4214813" cy="1900238"/>
-          </a:xfrm>
-          <a:prstGeom prst="rect">
-            <a:avLst/>
-          </a:prstGeom>
-          <a:solidFill>
-            <a:srgbClr val="C0C0C0">
-              <a:alpha val="10000"/>
-            </a:srgbClr>
-          </a:solidFill>
-          <a:ln/>
-        </p:spPr>
-      </p:sp>
-      <p:pic>
-        <p:nvPicPr>
-          <p:cNvPr id="13" name="Image 2" descr="preencoded.png">    </p:cNvPr>
+          <p:cNvPr id="2" name="Image 0" descr="preencoded.png"/>
           <p:cNvPicPr>
             <a:picLocks noChangeAspect="1"/>
           </p:cNvPicPr>
@@ -3527,8 +2907,8 @@
         </p:blipFill>
         <p:spPr>
           <a:xfrm>
-            <a:off x="4757738" y="1028700"/>
-            <a:ext cx="225028" cy="200025"/>
+            <a:off x="0" y="0"/>
+            <a:ext cx="9144000" cy="5143500"/>
           </a:xfrm>
           <a:prstGeom prst="rect">
             <a:avLst/>
@@ -3537,32 +2917,32 @@
       </p:pic>
       <p:sp>
         <p:nvSpPr>
-          <p:cNvPr id="14" name="Text 9"/>
-          <p:cNvSpPr/>
-          <p:nvPr/>
-        </p:nvSpPr>
-        <p:spPr>
-          <a:xfrm>
-            <a:off x="5068491" y="1028700"/>
-            <a:ext cx="1431959" cy="200025"/>
-          </a:xfrm>
-          <a:prstGeom prst="rect">
-            <a:avLst/>
-          </a:prstGeom>
-          <a:noFill/>
-          <a:ln/>
-        </p:spPr>
-        <p:txBody>
-          <a:bodyPr wrap="none" lIns="0" tIns="0" rIns="0" bIns="0" rtlCol="0" anchor="ctr">
-            <a:spAutoFit/>
-          </a:bodyPr>
-          <a:lstStyle/>
-          <a:p>
-            <a:pPr indent="0" marL="0">
-              <a:buNone/>
-            </a:pPr>
-            <a:r>
-              <a:rPr lang="en-US" sz="1125" b="1" dirty="0">
+          <p:cNvPr id="3" name="Text 0"/>
+          <p:cNvSpPr/>
+          <p:nvPr/>
+        </p:nvSpPr>
+        <p:spPr>
+          <a:xfrm>
+            <a:off x="285750" y="285750"/>
+            <a:ext cx="8643938" cy="471488"/>
+          </a:xfrm>
+          <a:prstGeom prst="rect">
+            <a:avLst/>
+          </a:prstGeom>
+          <a:noFill/>
+          <a:ln/>
+        </p:spPr>
+        <p:txBody>
+          <a:bodyPr wrap="none" lIns="0" tIns="0" rIns="0" bIns="85090" rtlCol="0" anchor="ctr">
+            <a:spAutoFit/>
+          </a:bodyPr>
+          <a:lstStyle/>
+          <a:p>
+            <a:pPr marL="0" indent="0">
+              <a:buNone/>
+            </a:pPr>
+            <a:r>
+              <a:rPr lang="en-US" sz="2025" b="1" dirty="0">
                 <a:solidFill>
                   <a:srgbClr val="FFFFFF"/>
                 </a:solidFill>
@@ -3570,188 +2950,21 @@
                 <a:ea typeface="Segoe UI" pitchFamily="34" charset="-122"/>
                 <a:cs typeface="Segoe UI" pitchFamily="34" charset="-120"/>
               </a:rPr>
-              <a:t>Телекоммуникации</a:t>
-            </a:r>
-            <a:endParaRPr lang="en-US" sz="1125" dirty="0"/>
-          </a:p>
-        </p:txBody>
-      </p:sp>
-      <p:sp>
-        <p:nvSpPr>
-          <p:cNvPr id="15" name="Text 10"/>
-          <p:cNvSpPr/>
-          <p:nvPr/>
-        </p:nvSpPr>
-        <p:spPr>
-          <a:xfrm>
-            <a:off x="4757738" y="1285875"/>
-            <a:ext cx="4057650" cy="660016"/>
-          </a:xfrm>
-          <a:prstGeom prst="rect">
-            <a:avLst/>
-          </a:prstGeom>
-          <a:noFill/>
-          <a:ln/>
-        </p:spPr>
-        <p:txBody>
-          <a:bodyPr wrap="square" lIns="0" tIns="0" rIns="0" bIns="0" rtlCol="0" anchor="ctr">
-            <a:spAutoFit/>
-          </a:bodyPr>
-          <a:lstStyle/>
-          <a:p>
-            <a:pPr indent="0" marL="0">
-              <a:buNone/>
-            </a:pPr>
-            <a:r>
-              <a:rPr lang="en-US" sz="1238" dirty="0">
-                <a:solidFill>
-                  <a:srgbClr val="FFFFFF"/>
-                </a:solidFill>
-                <a:latin typeface="Segoe UI" pitchFamily="34" charset="0"/>
-                <a:ea typeface="Segoe UI" pitchFamily="34" charset="-122"/>
-                <a:cs typeface="Segoe UI" pitchFamily="34" charset="-120"/>
-              </a:rPr>
-              <a:t>Оператор мобильной связи использовал Quantum для синхронизации базовых станций 5G с наносекундной точностью в условиях плотной городской застройки.</a:t>
-            </a:r>
-            <a:endParaRPr lang="en-US" sz="1238" dirty="0"/>
-          </a:p>
-        </p:txBody>
-      </p:sp>
-      <p:sp>
-        <p:nvSpPr>
-          <p:cNvPr id="16" name="Shape 11"/>
-          <p:cNvSpPr/>
-          <p:nvPr/>
-        </p:nvSpPr>
-        <p:spPr>
-          <a:xfrm>
-            <a:off x="4757738" y="2031616"/>
-            <a:ext cx="1889773" cy="178594"/>
-          </a:xfrm>
-          <a:prstGeom prst="rect">
-            <a:avLst/>
-          </a:prstGeom>
-          <a:solidFill>
-            <a:srgbClr val="C0C0C0">
-              <a:alpha val="30000"/>
-            </a:srgbClr>
-          </a:solidFill>
-          <a:ln/>
-        </p:spPr>
-      </p:sp>
-      <p:sp>
-        <p:nvSpPr>
-          <p:cNvPr id="17" name="Text 12"/>
-          <p:cNvSpPr/>
-          <p:nvPr/>
-        </p:nvSpPr>
-        <p:spPr>
-          <a:xfrm>
-            <a:off x="4757738" y="2031616"/>
-            <a:ext cx="1961211" cy="178594"/>
-          </a:xfrm>
-          <a:prstGeom prst="rect">
-            <a:avLst/>
-          </a:prstGeom>
-          <a:noFill/>
-          <a:ln/>
-        </p:spPr>
-        <p:txBody>
-          <a:bodyPr wrap="none" lIns="68072" tIns="17018" rIns="68072" bIns="17018" rtlCol="0" anchor="ctr">
-            <a:spAutoFit/>
-          </a:bodyPr>
-          <a:lstStyle/>
-          <a:p>
-            <a:pPr indent="0" marL="0">
-              <a:buNone/>
-            </a:pPr>
-            <a:r>
-              <a:rPr lang="en-US" sz="788" dirty="0">
-                <a:solidFill>
-                  <a:srgbClr val="FFFFFF"/>
-                </a:solidFill>
-                <a:latin typeface="Segoe UI" pitchFamily="34" charset="0"/>
-                <a:ea typeface="Segoe UI" pitchFamily="34" charset="-122"/>
-                <a:cs typeface="Segoe UI" pitchFamily="34" charset="-120"/>
-              </a:rPr>
-              <a:t>Оптимальная производительность 5G</a:t>
-            </a:r>
-            <a:endParaRPr lang="en-US" sz="788" dirty="0"/>
-          </a:p>
-        </p:txBody>
-      </p:sp>
-      <p:sp>
-        <p:nvSpPr>
-          <p:cNvPr id="18" name="Shape 13"/>
-          <p:cNvSpPr/>
-          <p:nvPr/>
-        </p:nvSpPr>
-        <p:spPr>
-          <a:xfrm>
-            <a:off x="6704661" y="2031616"/>
-            <a:ext cx="1749437" cy="178594"/>
-          </a:xfrm>
-          <a:prstGeom prst="rect">
-            <a:avLst/>
-          </a:prstGeom>
-          <a:solidFill>
-            <a:srgbClr val="C0C0C0">
-              <a:alpha val="30000"/>
-            </a:srgbClr>
-          </a:solidFill>
-          <a:ln/>
-        </p:spPr>
-      </p:sp>
-      <p:sp>
-        <p:nvSpPr>
-          <p:cNvPr id="19" name="Text 14"/>
-          <p:cNvSpPr/>
-          <p:nvPr/>
-        </p:nvSpPr>
-        <p:spPr>
-          <a:xfrm>
-            <a:off x="6704661" y="2031616"/>
-            <a:ext cx="1820875" cy="178594"/>
-          </a:xfrm>
-          <a:prstGeom prst="rect">
-            <a:avLst/>
-          </a:prstGeom>
-          <a:noFill/>
-          <a:ln/>
-        </p:spPr>
-        <p:txBody>
-          <a:bodyPr wrap="none" lIns="68072" tIns="17018" rIns="68072" bIns="17018" rtlCol="0" anchor="ctr">
-            <a:spAutoFit/>
-          </a:bodyPr>
-          <a:lstStyle/>
-          <a:p>
-            <a:pPr indent="0" marL="0">
-              <a:buNone/>
-            </a:pPr>
-            <a:r>
-              <a:rPr lang="en-US" sz="788" dirty="0">
-                <a:solidFill>
-                  <a:srgbClr val="FFFFFF"/>
-                </a:solidFill>
-                <a:latin typeface="Segoe UI" pitchFamily="34" charset="0"/>
-                <a:ea typeface="Segoe UI" pitchFamily="34" charset="-122"/>
-                <a:cs typeface="Segoe UI" pitchFamily="34" charset="-120"/>
-              </a:rPr>
-              <a:t>Снижение затрат на обслуживание</a:t>
-            </a:r>
-            <a:endParaRPr lang="en-US" sz="788" dirty="0"/>
-          </a:p>
-        </p:txBody>
-      </p:sp>
-      <p:sp>
-        <p:nvSpPr>
-          <p:cNvPr id="20" name="Shape 15"/>
-          <p:cNvSpPr/>
-          <p:nvPr/>
-        </p:nvSpPr>
-        <p:spPr>
-          <a:xfrm>
-            <a:off x="285750" y="2957513"/>
+              <a:t>Примеры успешных проектов</a:t>
+            </a:r>
+            <a:endParaRPr lang="en-US" sz="2025" dirty="0"/>
+          </a:p>
+        </p:txBody>
+      </p:sp>
+      <p:sp>
+        <p:nvSpPr>
+          <p:cNvPr id="4" name="Shape 1"/>
+          <p:cNvSpPr/>
+          <p:nvPr/>
+        </p:nvSpPr>
+        <p:spPr>
+          <a:xfrm>
+            <a:off x="285750" y="914400"/>
             <a:ext cx="4214813" cy="1900238"/>
           </a:xfrm>
           <a:prstGeom prst="rect">
@@ -3767,7 +2980,7 @@
       </p:sp>
       <p:pic>
         <p:nvPicPr>
-          <p:cNvPr id="21" name="Image 3" descr="preencoded.png">    </p:cNvPr>
+          <p:cNvPr id="5" name="Image 1" descr="preencoded.png"/>
           <p:cNvPicPr>
             <a:picLocks noChangeAspect="1"/>
           </p:cNvPicPr>
@@ -3781,8 +2994,8 @@
         </p:blipFill>
         <p:spPr>
           <a:xfrm>
-            <a:off x="400050" y="3071813"/>
-            <a:ext cx="150019" cy="200025"/>
+            <a:off x="400050" y="1028700"/>
+            <a:ext cx="200025" cy="200025"/>
           </a:xfrm>
           <a:prstGeom prst="rect">
             <a:avLst/>
@@ -3791,14 +3004,14 @@
       </p:pic>
       <p:sp>
         <p:nvSpPr>
-          <p:cNvPr id="22" name="Text 16"/>
-          <p:cNvSpPr/>
-          <p:nvPr/>
-        </p:nvSpPr>
-        <p:spPr>
-          <a:xfrm>
-            <a:off x="635794" y="3071813"/>
-            <a:ext cx="871984" cy="200025"/>
+          <p:cNvPr id="6" name="Text 2"/>
+          <p:cNvSpPr/>
+          <p:nvPr/>
+        </p:nvSpPr>
+        <p:spPr>
+          <a:xfrm>
+            <a:off x="685800" y="1028700"/>
+            <a:ext cx="1510457" cy="200025"/>
           </a:xfrm>
           <a:prstGeom prst="rect">
             <a:avLst/>
@@ -3812,7 +3025,7 @@
           </a:bodyPr>
           <a:lstStyle/>
           <a:p>
-            <a:pPr indent="0" marL="0">
+            <a:pPr marL="0" indent="0">
               <a:buNone/>
             </a:pPr>
             <a:r>
@@ -3824,7 +3037,7 @@
                 <a:ea typeface="Segoe UI" pitchFamily="34" charset="-122"/>
                 <a:cs typeface="Segoe UI" pitchFamily="34" charset="-120"/>
               </a:rPr>
-              <a:t>Энергетика</a:t>
+              <a:t>Финансовый сектор</a:t>
             </a:r>
             <a:endParaRPr lang="en-US" sz="1125" dirty="0"/>
           </a:p>
@@ -3832,14 +3045,14 @@
       </p:sp>
       <p:sp>
         <p:nvSpPr>
-          <p:cNvPr id="23" name="Text 17"/>
-          <p:cNvSpPr/>
-          <p:nvPr/>
-        </p:nvSpPr>
-        <p:spPr>
-          <a:xfrm>
-            <a:off x="400050" y="3328988"/>
-            <a:ext cx="4057650" cy="660016"/>
+          <p:cNvPr id="7" name="Text 3"/>
+          <p:cNvSpPr/>
+          <p:nvPr/>
+        </p:nvSpPr>
+        <p:spPr>
+          <a:xfrm>
+            <a:off x="400050" y="1285875"/>
+            <a:ext cx="4057650" cy="880021"/>
           </a:xfrm>
           <a:prstGeom prst="rect">
             <a:avLst/>
@@ -3853,7 +3066,7 @@
           </a:bodyPr>
           <a:lstStyle/>
           <a:p>
-            <a:pPr indent="0" marL="0">
+            <a:pPr marL="0" indent="0">
               <a:buNone/>
             </a:pPr>
             <a:r>
@@ -3865,7 +3078,7 @@
                 <a:ea typeface="Segoe UI" pitchFamily="34" charset="-122"/>
                 <a:cs typeface="Segoe UI" pitchFamily="34" charset="-120"/>
               </a:rPr>
-              <a:t>Энергетическая компания внедрила Quantum для синхронизации синхрофазоров (PMU) в умной сети, критически важных для мониторинга и управления.</a:t>
+              <a:t>Крупная европейская фондовая биржа внедрила решение Quantum для обеспечения соответствия MiFID II и защиты от помех и подмены сигналов GNSS.</a:t>
             </a:r>
             <a:endParaRPr lang="en-US" sz="1238" dirty="0"/>
           </a:p>
@@ -3873,14 +3086,14 @@
       </p:sp>
       <p:sp>
         <p:nvSpPr>
-          <p:cNvPr id="24" name="Shape 18"/>
-          <p:cNvSpPr/>
-          <p:nvPr/>
-        </p:nvSpPr>
-        <p:spPr>
-          <a:xfrm>
-            <a:off x="400050" y="4074728"/>
-            <a:ext cx="1482105" cy="178594"/>
+          <p:cNvPr id="8" name="Shape 4"/>
+          <p:cNvSpPr/>
+          <p:nvPr/>
+        </p:nvSpPr>
+        <p:spPr>
+          <a:xfrm>
+            <a:off x="400050" y="2251621"/>
+            <a:ext cx="2076710" cy="178594"/>
           </a:xfrm>
           <a:prstGeom prst="rect">
             <a:avLst/>
@@ -3895,14 +3108,14 @@
       </p:sp>
       <p:sp>
         <p:nvSpPr>
-          <p:cNvPr id="25" name="Text 19"/>
-          <p:cNvSpPr/>
-          <p:nvPr/>
-        </p:nvSpPr>
-        <p:spPr>
-          <a:xfrm>
-            <a:off x="400050" y="4074728"/>
-            <a:ext cx="1553542" cy="178594"/>
+          <p:cNvPr id="9" name="Text 5"/>
+          <p:cNvSpPr/>
+          <p:nvPr/>
+        </p:nvSpPr>
+        <p:spPr>
+          <a:xfrm>
+            <a:off x="400050" y="2251621"/>
+            <a:ext cx="2148148" cy="178594"/>
           </a:xfrm>
           <a:prstGeom prst="rect">
             <a:avLst/>
@@ -3916,7 +3129,7 @@
           </a:bodyPr>
           <a:lstStyle/>
           <a:p>
-            <a:pPr indent="0" marL="0">
+            <a:pPr marL="0" indent="0">
               <a:buNone/>
             </a:pPr>
             <a:r>
@@ -3928,7 +3141,7 @@
                 <a:ea typeface="Segoe UI" pitchFamily="34" charset="-122"/>
                 <a:cs typeface="Segoe UI" pitchFamily="34" charset="-120"/>
               </a:rPr>
-              <a:t>Повышение надежности сети</a:t>
+              <a:t>Соответствие регуляторным требованиям</a:t>
             </a:r>
             <a:endParaRPr lang="en-US" sz="788" dirty="0"/>
           </a:p>
@@ -3936,14 +3149,14 @@
       </p:sp>
       <p:sp>
         <p:nvSpPr>
-          <p:cNvPr id="26" name="Shape 20"/>
-          <p:cNvSpPr/>
-          <p:nvPr/>
-        </p:nvSpPr>
-        <p:spPr>
-          <a:xfrm>
-            <a:off x="1939305" y="4074728"/>
-            <a:ext cx="1314617" cy="178594"/>
+          <p:cNvPr id="10" name="Shape 6"/>
+          <p:cNvSpPr/>
+          <p:nvPr/>
+        </p:nvSpPr>
+        <p:spPr>
+          <a:xfrm>
+            <a:off x="2533910" y="2251621"/>
+            <a:ext cx="1635361" cy="178594"/>
           </a:xfrm>
           <a:prstGeom prst="rect">
             <a:avLst/>
@@ -3958,14 +3171,14 @@
       </p:sp>
       <p:sp>
         <p:nvSpPr>
-          <p:cNvPr id="27" name="Text 21"/>
-          <p:cNvSpPr/>
-          <p:nvPr/>
-        </p:nvSpPr>
-        <p:spPr>
-          <a:xfrm>
-            <a:off x="1939305" y="4074728"/>
-            <a:ext cx="1386055" cy="178594"/>
+          <p:cNvPr id="11" name="Text 7"/>
+          <p:cNvSpPr/>
+          <p:nvPr/>
+        </p:nvSpPr>
+        <p:spPr>
+          <a:xfrm>
+            <a:off x="2533910" y="2251621"/>
+            <a:ext cx="1706798" cy="178594"/>
           </a:xfrm>
           <a:prstGeom prst="rect">
             <a:avLst/>
@@ -3979,7 +3192,7 @@
           </a:bodyPr>
           <a:lstStyle/>
           <a:p>
-            <a:pPr indent="0" marL="0">
+            <a:pPr marL="0" indent="0">
               <a:buNone/>
             </a:pPr>
             <a:r>
@@ -3991,7 +3204,7 @@
                 <a:ea typeface="Segoe UI" pitchFamily="34" charset="-122"/>
                 <a:cs typeface="Segoe UI" pitchFamily="34" charset="-120"/>
               </a:rPr>
-              <a:t>Оптимизация управления</a:t>
+              <a:t>Снижение операционных рисков</a:t>
             </a:r>
             <a:endParaRPr lang="en-US" sz="788" dirty="0"/>
           </a:p>
@@ -3999,13 +3212,13 @@
       </p:sp>
       <p:sp>
         <p:nvSpPr>
-          <p:cNvPr id="28" name="Shape 22"/>
-          <p:cNvSpPr/>
-          <p:nvPr/>
-        </p:nvSpPr>
-        <p:spPr>
-          <a:xfrm>
-            <a:off x="4643438" y="2957513"/>
+          <p:cNvPr id="12" name="Shape 8"/>
+          <p:cNvSpPr/>
+          <p:nvPr/>
+        </p:nvSpPr>
+        <p:spPr>
+          <a:xfrm>
+            <a:off x="4643438" y="914400"/>
             <a:ext cx="4214813" cy="1900238"/>
           </a:xfrm>
           <a:prstGeom prst="rect">
@@ -4021,7 +3234,7 @@
       </p:sp>
       <p:pic>
         <p:nvPicPr>
-          <p:cNvPr id="29" name="Image 4" descr="preencoded.png">    </p:cNvPr>
+          <p:cNvPr id="13" name="Image 2" descr="preencoded.png"/>
           <p:cNvPicPr>
             <a:picLocks noChangeAspect="1"/>
           </p:cNvPicPr>
@@ -4035,8 +3248,8 @@
         </p:blipFill>
         <p:spPr>
           <a:xfrm>
-            <a:off x="4757738" y="3071813"/>
-            <a:ext cx="200025" cy="200025"/>
+            <a:off x="4757738" y="1028700"/>
+            <a:ext cx="225028" cy="200025"/>
           </a:xfrm>
           <a:prstGeom prst="rect">
             <a:avLst/>
@@ -4045,14 +3258,14 @@
       </p:pic>
       <p:sp>
         <p:nvSpPr>
-          <p:cNvPr id="30" name="Text 23"/>
-          <p:cNvSpPr/>
-          <p:nvPr/>
-        </p:nvSpPr>
-        <p:spPr>
-          <a:xfrm>
-            <a:off x="5043488" y="3071813"/>
-            <a:ext cx="1989730" cy="200025"/>
+          <p:cNvPr id="14" name="Text 9"/>
+          <p:cNvSpPr/>
+          <p:nvPr/>
+        </p:nvSpPr>
+        <p:spPr>
+          <a:xfrm>
+            <a:off x="5068491" y="1028700"/>
+            <a:ext cx="1431959" cy="200025"/>
           </a:xfrm>
           <a:prstGeom prst="rect">
             <a:avLst/>
@@ -4066,7 +3279,7 @@
           </a:bodyPr>
           <a:lstStyle/>
           <a:p>
-            <a:pPr indent="0" marL="0">
+            <a:pPr marL="0" indent="0">
               <a:buNone/>
             </a:pPr>
             <a:r>
@@ -4078,7 +3291,7 @@
                 <a:ea typeface="Segoe UI" pitchFamily="34" charset="-122"/>
                 <a:cs typeface="Segoe UI" pitchFamily="34" charset="-120"/>
               </a:rPr>
-              <a:t>Центры обработки данных</a:t>
+              <a:t>Телекоммуникации</a:t>
             </a:r>
             <a:endParaRPr lang="en-US" sz="1125" dirty="0"/>
           </a:p>
@@ -4086,13 +3299,13 @@
       </p:sp>
       <p:sp>
         <p:nvSpPr>
-          <p:cNvPr id="31" name="Text 24"/>
-          <p:cNvSpPr/>
-          <p:nvPr/>
-        </p:nvSpPr>
-        <p:spPr>
-          <a:xfrm>
-            <a:off x="4757738" y="3328988"/>
+          <p:cNvPr id="15" name="Text 10"/>
+          <p:cNvSpPr/>
+          <p:nvPr/>
+        </p:nvSpPr>
+        <p:spPr>
+          <a:xfrm>
+            <a:off x="4757738" y="1285875"/>
             <a:ext cx="4057650" cy="660016"/>
           </a:xfrm>
           <a:prstGeom prst="rect">
@@ -4107,7 +3320,7 @@
           </a:bodyPr>
           <a:lstStyle/>
           <a:p>
-            <a:pPr indent="0" marL="0">
+            <a:pPr marL="0" indent="0">
               <a:buNone/>
             </a:pPr>
             <a:r>
@@ -4119,7 +3332,7 @@
                 <a:ea typeface="Segoe UI" pitchFamily="34" charset="-122"/>
                 <a:cs typeface="Segoe UI" pitchFamily="34" charset="-120"/>
               </a:rPr>
-              <a:t>Глобальный провайдер облачных услуг интегрировал Quantum для обеспечения целостности данных и согласованности в распределенных ЦОД.</a:t>
+              <a:t>Оператор мобильной связи использовал Quantum для синхронизации базовых станций 5G с наносекундной точностью в условиях плотной городской застройки.</a:t>
             </a:r>
             <a:endParaRPr lang="en-US" sz="1238" dirty="0"/>
           </a:p>
@@ -4127,14 +3340,14 @@
       </p:sp>
       <p:sp>
         <p:nvSpPr>
-          <p:cNvPr id="32" name="Shape 25"/>
-          <p:cNvSpPr/>
-          <p:nvPr/>
-        </p:nvSpPr>
-        <p:spPr>
-          <a:xfrm>
-            <a:off x="4757738" y="4074728"/>
-            <a:ext cx="1524605" cy="178594"/>
+          <p:cNvPr id="16" name="Shape 11"/>
+          <p:cNvSpPr/>
+          <p:nvPr/>
+        </p:nvSpPr>
+        <p:spPr>
+          <a:xfrm>
+            <a:off x="4757738" y="2031616"/>
+            <a:ext cx="1889773" cy="178594"/>
           </a:xfrm>
           <a:prstGeom prst="rect">
             <a:avLst/>
@@ -4149,14 +3362,14 @@
       </p:sp>
       <p:sp>
         <p:nvSpPr>
-          <p:cNvPr id="33" name="Text 26"/>
-          <p:cNvSpPr/>
-          <p:nvPr/>
-        </p:nvSpPr>
-        <p:spPr>
-          <a:xfrm>
-            <a:off x="4757738" y="4074728"/>
-            <a:ext cx="1596042" cy="178594"/>
+          <p:cNvPr id="17" name="Text 12"/>
+          <p:cNvSpPr/>
+          <p:nvPr/>
+        </p:nvSpPr>
+        <p:spPr>
+          <a:xfrm>
+            <a:off x="4757738" y="2031616"/>
+            <a:ext cx="1961211" cy="178594"/>
           </a:xfrm>
           <a:prstGeom prst="rect">
             <a:avLst/>
@@ -4170,7 +3383,7 @@
           </a:bodyPr>
           <a:lstStyle/>
           <a:p>
-            <a:pPr indent="0" marL="0">
+            <a:pPr marL="0" indent="0">
               <a:buNone/>
             </a:pPr>
             <a:r>
@@ -4182,7 +3395,7 @@
                 <a:ea typeface="Segoe UI" pitchFamily="34" charset="-122"/>
                 <a:cs typeface="Segoe UI" pitchFamily="34" charset="-120"/>
               </a:rPr>
-              <a:t>Гарантия целостности данных</a:t>
+              <a:t>Оптимальная производительность 5G</a:t>
             </a:r>
             <a:endParaRPr lang="en-US" sz="788" dirty="0"/>
           </a:p>
@@ -4190,14 +3403,14 @@
       </p:sp>
       <p:sp>
         <p:nvSpPr>
-          <p:cNvPr id="34" name="Shape 27"/>
-          <p:cNvSpPr/>
-          <p:nvPr/>
-        </p:nvSpPr>
-        <p:spPr>
-          <a:xfrm>
-            <a:off x="6339492" y="4074728"/>
-            <a:ext cx="1466199" cy="178594"/>
+          <p:cNvPr id="18" name="Shape 13"/>
+          <p:cNvSpPr/>
+          <p:nvPr/>
+        </p:nvSpPr>
+        <p:spPr>
+          <a:xfrm>
+            <a:off x="6704661" y="2031616"/>
+            <a:ext cx="1749437" cy="178594"/>
           </a:xfrm>
           <a:prstGeom prst="rect">
             <a:avLst/>
@@ -4212,14 +3425,14 @@
       </p:sp>
       <p:sp>
         <p:nvSpPr>
-          <p:cNvPr id="35" name="Text 28"/>
-          <p:cNvSpPr/>
-          <p:nvPr/>
-        </p:nvSpPr>
-        <p:spPr>
-          <a:xfrm>
-            <a:off x="6339492" y="4074728"/>
-            <a:ext cx="1537636" cy="178594"/>
+          <p:cNvPr id="19" name="Text 14"/>
+          <p:cNvSpPr/>
+          <p:nvPr/>
+        </p:nvSpPr>
+        <p:spPr>
+          <a:xfrm>
+            <a:off x="6704661" y="2031616"/>
+            <a:ext cx="1820875" cy="178594"/>
           </a:xfrm>
           <a:prstGeom prst="rect">
             <a:avLst/>
@@ -4233,7 +3446,7 @@
           </a:bodyPr>
           <a:lstStyle/>
           <a:p>
-            <a:pPr indent="0" marL="0">
+            <a:pPr marL="0" indent="0">
               <a:buNone/>
             </a:pPr>
             <a:r>
@@ -4245,15 +3458,37 @@
                 <a:ea typeface="Segoe UI" pitchFamily="34" charset="-122"/>
                 <a:cs typeface="Segoe UI" pitchFamily="34" charset="-120"/>
               </a:rPr>
-              <a:t>Упрощение аудита и отладки</a:t>
+              <a:t>Снижение затрат на обслуживание</a:t>
             </a:r>
             <a:endParaRPr lang="en-US" sz="788" dirty="0"/>
           </a:p>
         </p:txBody>
+      </p:sp>
+      <p:sp>
+        <p:nvSpPr>
+          <p:cNvPr id="20" name="Shape 15"/>
+          <p:cNvSpPr/>
+          <p:nvPr/>
+        </p:nvSpPr>
+        <p:spPr>
+          <a:xfrm>
+            <a:off x="285750" y="2957513"/>
+            <a:ext cx="4214813" cy="1900238"/>
+          </a:xfrm>
+          <a:prstGeom prst="rect">
+            <a:avLst/>
+          </a:prstGeom>
+          <a:solidFill>
+            <a:srgbClr val="C0C0C0">
+              <a:alpha val="10000"/>
+            </a:srgbClr>
+          </a:solidFill>
+          <a:ln/>
+        </p:spPr>
       </p:sp>
       <p:pic>
         <p:nvPicPr>
-          <p:cNvPr id="36" name="Image 5" descr="preencoded.png">    </p:cNvPr>
+          <p:cNvPr id="21" name="Image 3" descr="preencoded.png"/>
           <p:cNvPicPr>
             <a:picLocks noChangeAspect="1"/>
           </p:cNvPicPr>
@@ -4261,6 +3496,492 @@
         </p:nvPicPr>
         <p:blipFill>
           <a:blip r:embed="rId6"/>
+          <a:stretch>
+            <a:fillRect/>
+          </a:stretch>
+        </p:blipFill>
+        <p:spPr>
+          <a:xfrm>
+            <a:off x="400050" y="3071813"/>
+            <a:ext cx="150019" cy="200025"/>
+          </a:xfrm>
+          <a:prstGeom prst="rect">
+            <a:avLst/>
+          </a:prstGeom>
+        </p:spPr>
+      </p:pic>
+      <p:sp>
+        <p:nvSpPr>
+          <p:cNvPr id="22" name="Text 16"/>
+          <p:cNvSpPr/>
+          <p:nvPr/>
+        </p:nvSpPr>
+        <p:spPr>
+          <a:xfrm>
+            <a:off x="635794" y="3071813"/>
+            <a:ext cx="871984" cy="200025"/>
+          </a:xfrm>
+          <a:prstGeom prst="rect">
+            <a:avLst/>
+          </a:prstGeom>
+          <a:noFill/>
+          <a:ln/>
+        </p:spPr>
+        <p:txBody>
+          <a:bodyPr wrap="none" lIns="0" tIns="0" rIns="0" bIns="0" rtlCol="0" anchor="ctr">
+            <a:spAutoFit/>
+          </a:bodyPr>
+          <a:lstStyle/>
+          <a:p>
+            <a:pPr marL="0" indent="0">
+              <a:buNone/>
+            </a:pPr>
+            <a:r>
+              <a:rPr lang="en-US" sz="1125" b="1" dirty="0">
+                <a:solidFill>
+                  <a:srgbClr val="FFFFFF"/>
+                </a:solidFill>
+                <a:latin typeface="Segoe UI" pitchFamily="34" charset="0"/>
+                <a:ea typeface="Segoe UI" pitchFamily="34" charset="-122"/>
+                <a:cs typeface="Segoe UI" pitchFamily="34" charset="-120"/>
+              </a:rPr>
+              <a:t>Энергетика</a:t>
+            </a:r>
+            <a:endParaRPr lang="en-US" sz="1125" dirty="0"/>
+          </a:p>
+        </p:txBody>
+      </p:sp>
+      <p:sp>
+        <p:nvSpPr>
+          <p:cNvPr id="23" name="Text 17"/>
+          <p:cNvSpPr/>
+          <p:nvPr/>
+        </p:nvSpPr>
+        <p:spPr>
+          <a:xfrm>
+            <a:off x="400050" y="3328988"/>
+            <a:ext cx="4057650" cy="660016"/>
+          </a:xfrm>
+          <a:prstGeom prst="rect">
+            <a:avLst/>
+          </a:prstGeom>
+          <a:noFill/>
+          <a:ln/>
+        </p:spPr>
+        <p:txBody>
+          <a:bodyPr wrap="square" lIns="0" tIns="0" rIns="0" bIns="0" rtlCol="0" anchor="ctr">
+            <a:spAutoFit/>
+          </a:bodyPr>
+          <a:lstStyle/>
+          <a:p>
+            <a:pPr marL="0" indent="0">
+              <a:buNone/>
+            </a:pPr>
+            <a:r>
+              <a:rPr lang="en-US" sz="1238" dirty="0">
+                <a:solidFill>
+                  <a:srgbClr val="FFFFFF"/>
+                </a:solidFill>
+                <a:latin typeface="Segoe UI" pitchFamily="34" charset="0"/>
+                <a:ea typeface="Segoe UI" pitchFamily="34" charset="-122"/>
+                <a:cs typeface="Segoe UI" pitchFamily="34" charset="-120"/>
+              </a:rPr>
+              <a:t>Энергетическая компания внедрила Quantum для синхронизации синхрофазоров (PMU) в умной сети, критически важных для мониторинга и управления.</a:t>
+            </a:r>
+            <a:endParaRPr lang="en-US" sz="1238" dirty="0"/>
+          </a:p>
+        </p:txBody>
+      </p:sp>
+      <p:sp>
+        <p:nvSpPr>
+          <p:cNvPr id="24" name="Shape 18"/>
+          <p:cNvSpPr/>
+          <p:nvPr/>
+        </p:nvSpPr>
+        <p:spPr>
+          <a:xfrm>
+            <a:off x="400050" y="4074728"/>
+            <a:ext cx="1482105" cy="178594"/>
+          </a:xfrm>
+          <a:prstGeom prst="rect">
+            <a:avLst/>
+          </a:prstGeom>
+          <a:solidFill>
+            <a:srgbClr val="C0C0C0">
+              <a:alpha val="30000"/>
+            </a:srgbClr>
+          </a:solidFill>
+          <a:ln/>
+        </p:spPr>
+      </p:sp>
+      <p:sp>
+        <p:nvSpPr>
+          <p:cNvPr id="25" name="Text 19"/>
+          <p:cNvSpPr/>
+          <p:nvPr/>
+        </p:nvSpPr>
+        <p:spPr>
+          <a:xfrm>
+            <a:off x="400050" y="4074728"/>
+            <a:ext cx="1553542" cy="178594"/>
+          </a:xfrm>
+          <a:prstGeom prst="rect">
+            <a:avLst/>
+          </a:prstGeom>
+          <a:noFill/>
+          <a:ln/>
+        </p:spPr>
+        <p:txBody>
+          <a:bodyPr wrap="none" lIns="68072" tIns="17018" rIns="68072" bIns="17018" rtlCol="0" anchor="ctr">
+            <a:spAutoFit/>
+          </a:bodyPr>
+          <a:lstStyle/>
+          <a:p>
+            <a:pPr marL="0" indent="0">
+              <a:buNone/>
+            </a:pPr>
+            <a:r>
+              <a:rPr lang="en-US" sz="788" dirty="0">
+                <a:solidFill>
+                  <a:srgbClr val="FFFFFF"/>
+                </a:solidFill>
+                <a:latin typeface="Segoe UI" pitchFamily="34" charset="0"/>
+                <a:ea typeface="Segoe UI" pitchFamily="34" charset="-122"/>
+                <a:cs typeface="Segoe UI" pitchFamily="34" charset="-120"/>
+              </a:rPr>
+              <a:t>Повышение надежности сети</a:t>
+            </a:r>
+            <a:endParaRPr lang="en-US" sz="788" dirty="0"/>
+          </a:p>
+        </p:txBody>
+      </p:sp>
+      <p:sp>
+        <p:nvSpPr>
+          <p:cNvPr id="26" name="Shape 20"/>
+          <p:cNvSpPr/>
+          <p:nvPr/>
+        </p:nvSpPr>
+        <p:spPr>
+          <a:xfrm>
+            <a:off x="1939305" y="4074728"/>
+            <a:ext cx="1314617" cy="178594"/>
+          </a:xfrm>
+          <a:prstGeom prst="rect">
+            <a:avLst/>
+          </a:prstGeom>
+          <a:solidFill>
+            <a:srgbClr val="C0C0C0">
+              <a:alpha val="30000"/>
+            </a:srgbClr>
+          </a:solidFill>
+          <a:ln/>
+        </p:spPr>
+      </p:sp>
+      <p:sp>
+        <p:nvSpPr>
+          <p:cNvPr id="27" name="Text 21"/>
+          <p:cNvSpPr/>
+          <p:nvPr/>
+        </p:nvSpPr>
+        <p:spPr>
+          <a:xfrm>
+            <a:off x="1939305" y="4074728"/>
+            <a:ext cx="1386055" cy="178594"/>
+          </a:xfrm>
+          <a:prstGeom prst="rect">
+            <a:avLst/>
+          </a:prstGeom>
+          <a:noFill/>
+          <a:ln/>
+        </p:spPr>
+        <p:txBody>
+          <a:bodyPr wrap="none" lIns="68072" tIns="17018" rIns="68072" bIns="17018" rtlCol="0" anchor="ctr">
+            <a:spAutoFit/>
+          </a:bodyPr>
+          <a:lstStyle/>
+          <a:p>
+            <a:pPr marL="0" indent="0">
+              <a:buNone/>
+            </a:pPr>
+            <a:r>
+              <a:rPr lang="en-US" sz="788" dirty="0">
+                <a:solidFill>
+                  <a:srgbClr val="FFFFFF"/>
+                </a:solidFill>
+                <a:latin typeface="Segoe UI" pitchFamily="34" charset="0"/>
+                <a:ea typeface="Segoe UI" pitchFamily="34" charset="-122"/>
+                <a:cs typeface="Segoe UI" pitchFamily="34" charset="-120"/>
+              </a:rPr>
+              <a:t>Оптимизация управления</a:t>
+            </a:r>
+            <a:endParaRPr lang="en-US" sz="788" dirty="0"/>
+          </a:p>
+        </p:txBody>
+      </p:sp>
+      <p:sp>
+        <p:nvSpPr>
+          <p:cNvPr id="28" name="Shape 22"/>
+          <p:cNvSpPr/>
+          <p:nvPr/>
+        </p:nvSpPr>
+        <p:spPr>
+          <a:xfrm>
+            <a:off x="4643438" y="2957513"/>
+            <a:ext cx="4214813" cy="1900238"/>
+          </a:xfrm>
+          <a:prstGeom prst="rect">
+            <a:avLst/>
+          </a:prstGeom>
+          <a:solidFill>
+            <a:srgbClr val="C0C0C0">
+              <a:alpha val="10000"/>
+            </a:srgbClr>
+          </a:solidFill>
+          <a:ln/>
+        </p:spPr>
+      </p:sp>
+      <p:pic>
+        <p:nvPicPr>
+          <p:cNvPr id="29" name="Image 4" descr="preencoded.png"/>
+          <p:cNvPicPr>
+            <a:picLocks noChangeAspect="1"/>
+          </p:cNvPicPr>
+          <p:nvPr/>
+        </p:nvPicPr>
+        <p:blipFill>
+          <a:blip r:embed="rId7"/>
+          <a:stretch>
+            <a:fillRect/>
+          </a:stretch>
+        </p:blipFill>
+        <p:spPr>
+          <a:xfrm>
+            <a:off x="4757738" y="3071813"/>
+            <a:ext cx="200025" cy="200025"/>
+          </a:xfrm>
+          <a:prstGeom prst="rect">
+            <a:avLst/>
+          </a:prstGeom>
+        </p:spPr>
+      </p:pic>
+      <p:sp>
+        <p:nvSpPr>
+          <p:cNvPr id="30" name="Text 23"/>
+          <p:cNvSpPr/>
+          <p:nvPr/>
+        </p:nvSpPr>
+        <p:spPr>
+          <a:xfrm>
+            <a:off x="5043488" y="3071813"/>
+            <a:ext cx="1989730" cy="200025"/>
+          </a:xfrm>
+          <a:prstGeom prst="rect">
+            <a:avLst/>
+          </a:prstGeom>
+          <a:noFill/>
+          <a:ln/>
+        </p:spPr>
+        <p:txBody>
+          <a:bodyPr wrap="none" lIns="0" tIns="0" rIns="0" bIns="0" rtlCol="0" anchor="ctr">
+            <a:spAutoFit/>
+          </a:bodyPr>
+          <a:lstStyle/>
+          <a:p>
+            <a:pPr marL="0" indent="0">
+              <a:buNone/>
+            </a:pPr>
+            <a:r>
+              <a:rPr lang="en-US" sz="1125" b="1" dirty="0">
+                <a:solidFill>
+                  <a:srgbClr val="FFFFFF"/>
+                </a:solidFill>
+                <a:latin typeface="Segoe UI" pitchFamily="34" charset="0"/>
+                <a:ea typeface="Segoe UI" pitchFamily="34" charset="-122"/>
+                <a:cs typeface="Segoe UI" pitchFamily="34" charset="-120"/>
+              </a:rPr>
+              <a:t>Центры обработки данных</a:t>
+            </a:r>
+            <a:endParaRPr lang="en-US" sz="1125" dirty="0"/>
+          </a:p>
+        </p:txBody>
+      </p:sp>
+      <p:sp>
+        <p:nvSpPr>
+          <p:cNvPr id="31" name="Text 24"/>
+          <p:cNvSpPr/>
+          <p:nvPr/>
+        </p:nvSpPr>
+        <p:spPr>
+          <a:xfrm>
+            <a:off x="4757738" y="3328988"/>
+            <a:ext cx="4057650" cy="660016"/>
+          </a:xfrm>
+          <a:prstGeom prst="rect">
+            <a:avLst/>
+          </a:prstGeom>
+          <a:noFill/>
+          <a:ln/>
+        </p:spPr>
+        <p:txBody>
+          <a:bodyPr wrap="square" lIns="0" tIns="0" rIns="0" bIns="0" rtlCol="0" anchor="ctr">
+            <a:spAutoFit/>
+          </a:bodyPr>
+          <a:lstStyle/>
+          <a:p>
+            <a:pPr marL="0" indent="0">
+              <a:buNone/>
+            </a:pPr>
+            <a:r>
+              <a:rPr lang="en-US" sz="1238" dirty="0">
+                <a:solidFill>
+                  <a:srgbClr val="FFFFFF"/>
+                </a:solidFill>
+                <a:latin typeface="Segoe UI" pitchFamily="34" charset="0"/>
+                <a:ea typeface="Segoe UI" pitchFamily="34" charset="-122"/>
+                <a:cs typeface="Segoe UI" pitchFamily="34" charset="-120"/>
+              </a:rPr>
+              <a:t>Глобальный провайдер облачных услуг интегрировал Quantum для обеспечения целостности данных и согласованности в распределенных ЦОД.</a:t>
+            </a:r>
+            <a:endParaRPr lang="en-US" sz="1238" dirty="0"/>
+          </a:p>
+        </p:txBody>
+      </p:sp>
+      <p:sp>
+        <p:nvSpPr>
+          <p:cNvPr id="32" name="Shape 25"/>
+          <p:cNvSpPr/>
+          <p:nvPr/>
+        </p:nvSpPr>
+        <p:spPr>
+          <a:xfrm>
+            <a:off x="4757738" y="4074728"/>
+            <a:ext cx="1524605" cy="178594"/>
+          </a:xfrm>
+          <a:prstGeom prst="rect">
+            <a:avLst/>
+          </a:prstGeom>
+          <a:solidFill>
+            <a:srgbClr val="C0C0C0">
+              <a:alpha val="30000"/>
+            </a:srgbClr>
+          </a:solidFill>
+          <a:ln/>
+        </p:spPr>
+      </p:sp>
+      <p:sp>
+        <p:nvSpPr>
+          <p:cNvPr id="33" name="Text 26"/>
+          <p:cNvSpPr/>
+          <p:nvPr/>
+        </p:nvSpPr>
+        <p:spPr>
+          <a:xfrm>
+            <a:off x="4757738" y="4074728"/>
+            <a:ext cx="1596042" cy="178594"/>
+          </a:xfrm>
+          <a:prstGeom prst="rect">
+            <a:avLst/>
+          </a:prstGeom>
+          <a:noFill/>
+          <a:ln/>
+        </p:spPr>
+        <p:txBody>
+          <a:bodyPr wrap="none" lIns="68072" tIns="17018" rIns="68072" bIns="17018" rtlCol="0" anchor="ctr">
+            <a:spAutoFit/>
+          </a:bodyPr>
+          <a:lstStyle/>
+          <a:p>
+            <a:pPr marL="0" indent="0">
+              <a:buNone/>
+            </a:pPr>
+            <a:r>
+              <a:rPr lang="en-US" sz="788" dirty="0">
+                <a:solidFill>
+                  <a:srgbClr val="FFFFFF"/>
+                </a:solidFill>
+                <a:latin typeface="Segoe UI" pitchFamily="34" charset="0"/>
+                <a:ea typeface="Segoe UI" pitchFamily="34" charset="-122"/>
+                <a:cs typeface="Segoe UI" pitchFamily="34" charset="-120"/>
+              </a:rPr>
+              <a:t>Гарантия целостности данных</a:t>
+            </a:r>
+            <a:endParaRPr lang="en-US" sz="788" dirty="0"/>
+          </a:p>
+        </p:txBody>
+      </p:sp>
+      <p:sp>
+        <p:nvSpPr>
+          <p:cNvPr id="34" name="Shape 27"/>
+          <p:cNvSpPr/>
+          <p:nvPr/>
+        </p:nvSpPr>
+        <p:spPr>
+          <a:xfrm>
+            <a:off x="6339492" y="4074728"/>
+            <a:ext cx="1466199" cy="178594"/>
+          </a:xfrm>
+          <a:prstGeom prst="rect">
+            <a:avLst/>
+          </a:prstGeom>
+          <a:solidFill>
+            <a:srgbClr val="C0C0C0">
+              <a:alpha val="30000"/>
+            </a:srgbClr>
+          </a:solidFill>
+          <a:ln/>
+        </p:spPr>
+      </p:sp>
+      <p:sp>
+        <p:nvSpPr>
+          <p:cNvPr id="35" name="Text 28"/>
+          <p:cNvSpPr/>
+          <p:nvPr/>
+        </p:nvSpPr>
+        <p:spPr>
+          <a:xfrm>
+            <a:off x="6339492" y="4074728"/>
+            <a:ext cx="1537636" cy="178594"/>
+          </a:xfrm>
+          <a:prstGeom prst="rect">
+            <a:avLst/>
+          </a:prstGeom>
+          <a:noFill/>
+          <a:ln/>
+        </p:spPr>
+        <p:txBody>
+          <a:bodyPr wrap="none" lIns="68072" tIns="17018" rIns="68072" bIns="17018" rtlCol="0" anchor="ctr">
+            <a:spAutoFit/>
+          </a:bodyPr>
+          <a:lstStyle/>
+          <a:p>
+            <a:pPr marL="0" indent="0">
+              <a:buNone/>
+            </a:pPr>
+            <a:r>
+              <a:rPr lang="en-US" sz="788" dirty="0">
+                <a:solidFill>
+                  <a:srgbClr val="FFFFFF"/>
+                </a:solidFill>
+                <a:latin typeface="Segoe UI" pitchFamily="34" charset="0"/>
+                <a:ea typeface="Segoe UI" pitchFamily="34" charset="-122"/>
+                <a:cs typeface="Segoe UI" pitchFamily="34" charset="-120"/>
+              </a:rPr>
+              <a:t>Упрощение аудита и отладки</a:t>
+            </a:r>
+            <a:endParaRPr lang="en-US" sz="788" dirty="0"/>
+          </a:p>
+        </p:txBody>
+      </p:sp>
+      <p:pic>
+        <p:nvPicPr>
+          <p:cNvPr id="36" name="Image 5" descr="preencoded.png"/>
+          <p:cNvPicPr>
+            <a:picLocks noChangeAspect="1"/>
+          </p:cNvPicPr>
+          <p:nvPr/>
+        </p:nvPicPr>
+        <p:blipFill>
+          <a:blip r:embed="rId8"/>
           <a:stretch>
             <a:fillRect/>
           </a:stretch>
@@ -4302,220 +4023,7 @@
       </p:grpSpPr>
       <p:pic>
         <p:nvPicPr>
-          <p:cNvPr id="2" name="Image 0" descr="preencoded.png">    </p:cNvPr>
-          <p:cNvPicPr>
-            <a:picLocks noChangeAspect="1"/>
-          </p:cNvPicPr>
-          <p:nvPr/>
-        </p:nvPicPr>
-        <p:blipFill>
-          <a:blip r:embed="rId1"/>
-          <a:stretch>
-            <a:fillRect/>
-          </a:stretch>
-        </p:blipFill>
-        <p:spPr>
-          <a:xfrm>
-            <a:off x="0" y="0"/>
-            <a:ext cx="9144000" cy="5143500"/>
-          </a:xfrm>
-          <a:prstGeom prst="rect">
-            <a:avLst/>
-          </a:prstGeom>
-        </p:spPr>
-      </p:pic>
-      <p:sp>
-        <p:nvSpPr>
-          <p:cNvPr id="3" name="Text 0"/>
-          <p:cNvSpPr/>
-          <p:nvPr/>
-        </p:nvSpPr>
-        <p:spPr>
-          <a:xfrm>
-            <a:off x="285750" y="285750"/>
-            <a:ext cx="8643938" cy="471488"/>
-          </a:xfrm>
-          <a:prstGeom prst="rect">
-            <a:avLst/>
-          </a:prstGeom>
-          <a:noFill/>
-          <a:ln/>
-        </p:spPr>
-        <p:txBody>
-          <a:bodyPr wrap="none" lIns="0" tIns="0" rIns="0" bIns="85090" rtlCol="0" anchor="ctr">
-            <a:spAutoFit/>
-          </a:bodyPr>
-          <a:lstStyle/>
-          <a:p>
-            <a:pPr indent="0" marL="0">
-              <a:buNone/>
-            </a:pPr>
-            <a:r>
-              <a:rPr lang="en-US" sz="2025" b="1" dirty="0">
-                <a:solidFill>
-                  <a:srgbClr val="FFFFFF"/>
-                </a:solidFill>
-                <a:latin typeface="Segoe UI" pitchFamily="34" charset="0"/>
-                <a:ea typeface="Segoe UI" pitchFamily="34" charset="-122"/>
-                <a:cs typeface="Segoe UI" pitchFamily="34" charset="-120"/>
-              </a:rPr>
-              <a:t>Партнерство с SHIWA NETWORK</a:t>
-            </a:r>
-            <a:endParaRPr lang="en-US" sz="2025" dirty="0"/>
-          </a:p>
-        </p:txBody>
-      </p:sp>
-      <p:sp>
-        <p:nvSpPr>
-          <p:cNvPr id="4" name="Text 1"/>
-          <p:cNvSpPr/>
-          <p:nvPr/>
-        </p:nvSpPr>
-        <p:spPr>
-          <a:xfrm>
-            <a:off x="285750" y="914400"/>
-            <a:ext cx="4186238" cy="200025"/>
-          </a:xfrm>
-          <a:prstGeom prst="rect">
-            <a:avLst/>
-          </a:prstGeom>
-          <a:noFill/>
-          <a:ln/>
-        </p:spPr>
-        <p:txBody>
-          <a:bodyPr wrap="none" lIns="0" tIns="0" rIns="0" bIns="0" rtlCol="0" anchor="ctr">
-            <a:spAutoFit/>
-          </a:bodyPr>
-          <a:lstStyle/>
-          <a:p>
-            <a:pPr indent="0" marL="0">
-              <a:buNone/>
-            </a:pPr>
-            <a:r>
-              <a:rPr lang="en-US" sz="1125" b="1" dirty="0">
-                <a:solidFill>
-                  <a:srgbClr val="C0C0C0"/>
-                </a:solidFill>
-                <a:latin typeface="Segoe UI" pitchFamily="34" charset="0"/>
-                <a:ea typeface="Segoe UI" pitchFamily="34" charset="-122"/>
-                <a:cs typeface="Segoe UI" pitchFamily="34" charset="-120"/>
-              </a:rPr>
-              <a:t>Ценностное предложение</a:t>
-            </a:r>
-            <a:endParaRPr lang="en-US" sz="1125" dirty="0"/>
-          </a:p>
-        </p:txBody>
-      </p:sp>
-      <p:sp>
-        <p:nvSpPr>
-          <p:cNvPr id="5" name="Text 2"/>
-          <p:cNvSpPr/>
-          <p:nvPr/>
-        </p:nvSpPr>
-        <p:spPr>
-          <a:xfrm>
-            <a:off x="285750" y="1200150"/>
-            <a:ext cx="4186238" cy="880021"/>
-          </a:xfrm>
-          <a:prstGeom prst="rect">
-            <a:avLst/>
-          </a:prstGeom>
-          <a:noFill/>
-          <a:ln/>
-        </p:spPr>
-        <p:txBody>
-          <a:bodyPr wrap="square" lIns="0" tIns="0" rIns="0" bIns="0" rtlCol="0" anchor="ctr">
-            <a:spAutoFit/>
-          </a:bodyPr>
-          <a:lstStyle/>
-          <a:p>
-            <a:pPr indent="0" marL="0">
-              <a:buNone/>
-            </a:pPr>
-            <a:r>
-              <a:rPr lang="en-US" sz="1238" dirty="0">
-                <a:solidFill>
-                  <a:srgbClr val="FFFFFF"/>
-                </a:solidFill>
-                <a:latin typeface="Segoe UI" pitchFamily="34" charset="0"/>
-                <a:ea typeface="Segoe UI" pitchFamily="34" charset="-122"/>
-                <a:cs typeface="Segoe UI" pitchFamily="34" charset="-120"/>
-              </a:rPr>
-              <a:t>SHIWA NETWORK предлагает не просто оборудование, а комплексное решение проблемы надежной синхронизации времени с учетом современных угроз и требований бизнеса.</a:t>
-            </a:r>
-            <a:endParaRPr lang="en-US" sz="1238" dirty="0"/>
-          </a:p>
-        </p:txBody>
-      </p:sp>
-      <p:pic>
-        <p:nvPicPr>
-          <p:cNvPr id="6" name="Image 1" descr="preencoded.png">    </p:cNvPr>
-          <p:cNvPicPr>
-            <a:picLocks noChangeAspect="1"/>
-          </p:cNvPicPr>
-          <p:nvPr/>
-        </p:nvPicPr>
-        <p:blipFill>
-          <a:blip r:embed="rId2"/>
-          <a:stretch>
-            <a:fillRect/>
-          </a:stretch>
-        </p:blipFill>
-        <p:spPr>
-          <a:xfrm>
-            <a:off x="285750" y="2194471"/>
-            <a:ext cx="4114800" cy="2000250"/>
-          </a:xfrm>
-          <a:prstGeom prst="rect">
-            <a:avLst/>
-          </a:prstGeom>
-        </p:spPr>
-      </p:pic>
-      <p:sp>
-        <p:nvSpPr>
-          <p:cNvPr id="7" name="Shape 3"/>
-          <p:cNvSpPr/>
-          <p:nvPr/>
-        </p:nvSpPr>
-        <p:spPr>
-          <a:xfrm>
-            <a:off x="4743450" y="914400"/>
-            <a:ext cx="4114800" cy="840060"/>
-          </a:xfrm>
-          <a:prstGeom prst="rect">
-            <a:avLst/>
-          </a:prstGeom>
-          <a:solidFill>
-            <a:srgbClr val="C0C0C0">
-              <a:alpha val="10000"/>
-            </a:srgbClr>
-          </a:solidFill>
-          <a:ln/>
-        </p:spPr>
-      </p:sp>
-      <p:sp>
-        <p:nvSpPr>
-          <p:cNvPr id="8" name="Shape 4"/>
-          <p:cNvSpPr/>
-          <p:nvPr/>
-        </p:nvSpPr>
-        <p:spPr>
-          <a:xfrm>
-            <a:off x="4743450" y="914400"/>
-            <a:ext cx="28575" cy="840060"/>
-          </a:xfrm>
-          <a:prstGeom prst="rect">
-            <a:avLst/>
-          </a:prstGeom>
-          <a:solidFill>
-            <a:srgbClr val="C0C0C0"/>
-          </a:solidFill>
-          <a:ln/>
-        </p:spPr>
-      </p:sp>
-      <p:pic>
-        <p:nvPicPr>
-          <p:cNvPr id="9" name="Image 2" descr="preencoded.png">    </p:cNvPr>
+          <p:cNvPr id="2" name="Image 0" descr="preencoded.png"/>
           <p:cNvPicPr>
             <a:picLocks noChangeAspect="1"/>
           </p:cNvPicPr>
@@ -4529,8 +4037,8 @@
         </p:blipFill>
         <p:spPr>
           <a:xfrm>
-            <a:off x="4829175" y="1000125"/>
-            <a:ext cx="200025" cy="200025"/>
+            <a:off x="0" y="0"/>
+            <a:ext cx="9144000" cy="5143500"/>
           </a:xfrm>
           <a:prstGeom prst="rect">
             <a:avLst/>
@@ -4539,14 +4047,55 @@
       </p:pic>
       <p:sp>
         <p:nvSpPr>
-          <p:cNvPr id="10" name="Text 5"/>
-          <p:cNvSpPr/>
-          <p:nvPr/>
-        </p:nvSpPr>
-        <p:spPr>
-          <a:xfrm>
-            <a:off x="5114925" y="1000125"/>
-            <a:ext cx="2084747" cy="200025"/>
+          <p:cNvPr id="3" name="Text 0"/>
+          <p:cNvSpPr/>
+          <p:nvPr/>
+        </p:nvSpPr>
+        <p:spPr>
+          <a:xfrm>
+            <a:off x="285750" y="285750"/>
+            <a:ext cx="8643938" cy="471488"/>
+          </a:xfrm>
+          <a:prstGeom prst="rect">
+            <a:avLst/>
+          </a:prstGeom>
+          <a:noFill/>
+          <a:ln/>
+        </p:spPr>
+        <p:txBody>
+          <a:bodyPr wrap="none" lIns="0" tIns="0" rIns="0" bIns="85090" rtlCol="0" anchor="ctr">
+            <a:spAutoFit/>
+          </a:bodyPr>
+          <a:lstStyle/>
+          <a:p>
+            <a:pPr marL="0" indent="0">
+              <a:buNone/>
+            </a:pPr>
+            <a:r>
+              <a:rPr lang="en-US" sz="2025" b="1" dirty="0">
+                <a:solidFill>
+                  <a:srgbClr val="FFFFFF"/>
+                </a:solidFill>
+                <a:latin typeface="Segoe UI" pitchFamily="34" charset="0"/>
+                <a:ea typeface="Segoe UI" pitchFamily="34" charset="-122"/>
+                <a:cs typeface="Segoe UI" pitchFamily="34" charset="-120"/>
+              </a:rPr>
+              <a:t>Партнерство с SHIWA NETWORK</a:t>
+            </a:r>
+            <a:endParaRPr lang="en-US" sz="2025" dirty="0"/>
+          </a:p>
+        </p:txBody>
+      </p:sp>
+      <p:sp>
+        <p:nvSpPr>
+          <p:cNvPr id="4" name="Text 1"/>
+          <p:cNvSpPr/>
+          <p:nvPr/>
+        </p:nvSpPr>
+        <p:spPr>
+          <a:xfrm>
+            <a:off x="285750" y="914400"/>
+            <a:ext cx="4186238" cy="200025"/>
           </a:xfrm>
           <a:prstGeom prst="rect">
             <a:avLst/>
@@ -4560,110 +4109,68 @@
           </a:bodyPr>
           <a:lstStyle/>
           <a:p>
-            <a:pPr indent="0" marL="0">
+            <a:pPr marL="0" indent="0">
               <a:buNone/>
             </a:pPr>
             <a:r>
               <a:rPr lang="en-US" sz="1125" b="1" dirty="0">
                 <a:solidFill>
+                  <a:srgbClr val="C0C0C0"/>
+                </a:solidFill>
+                <a:latin typeface="Segoe UI" pitchFamily="34" charset="0"/>
+                <a:ea typeface="Segoe UI" pitchFamily="34" charset="-122"/>
+                <a:cs typeface="Segoe UI" pitchFamily="34" charset="-120"/>
+              </a:rPr>
+              <a:t>Ценностное предложение</a:t>
+            </a:r>
+            <a:endParaRPr lang="en-US" sz="1125" dirty="0"/>
+          </a:p>
+        </p:txBody>
+      </p:sp>
+      <p:sp>
+        <p:nvSpPr>
+          <p:cNvPr id="5" name="Text 2"/>
+          <p:cNvSpPr/>
+          <p:nvPr/>
+        </p:nvSpPr>
+        <p:spPr>
+          <a:xfrm>
+            <a:off x="285750" y="1200150"/>
+            <a:ext cx="4186238" cy="880021"/>
+          </a:xfrm>
+          <a:prstGeom prst="rect">
+            <a:avLst/>
+          </a:prstGeom>
+          <a:noFill/>
+          <a:ln/>
+        </p:spPr>
+        <p:txBody>
+          <a:bodyPr wrap="square" lIns="0" tIns="0" rIns="0" bIns="0" rtlCol="0" anchor="ctr">
+            <a:spAutoFit/>
+          </a:bodyPr>
+          <a:lstStyle/>
+          <a:p>
+            <a:pPr marL="0" indent="0">
+              <a:buNone/>
+            </a:pPr>
+            <a:r>
+              <a:rPr lang="en-US" sz="1238" dirty="0">
+                <a:solidFill>
                   <a:srgbClr val="FFFFFF"/>
                 </a:solidFill>
                 <a:latin typeface="Segoe UI" pitchFamily="34" charset="0"/>
                 <a:ea typeface="Segoe UI" pitchFamily="34" charset="-122"/>
                 <a:cs typeface="Segoe UI" pitchFamily="34" charset="-120"/>
               </a:rPr>
-              <a:t>Техническая поддержка 24/7</a:t>
-            </a:r>
-            <a:endParaRPr lang="en-US" sz="1125" dirty="0"/>
-          </a:p>
-        </p:txBody>
-      </p:sp>
-      <p:sp>
-        <p:nvSpPr>
-          <p:cNvPr id="11" name="Text 6"/>
-          <p:cNvSpPr/>
-          <p:nvPr/>
-        </p:nvSpPr>
-        <p:spPr>
-          <a:xfrm>
-            <a:off x="4829175" y="1228725"/>
-            <a:ext cx="4014788" cy="440010"/>
-          </a:xfrm>
-          <a:prstGeom prst="rect">
-            <a:avLst/>
-          </a:prstGeom>
-          <a:noFill/>
-          <a:ln/>
-        </p:spPr>
-        <p:txBody>
-          <a:bodyPr wrap="square" lIns="0" tIns="0" rIns="0" bIns="0" rtlCol="0" anchor="ctr">
-            <a:spAutoFit/>
-          </a:bodyPr>
-          <a:lstStyle/>
-          <a:p>
-            <a:pPr indent="0" marL="0">
-              <a:buNone/>
-            </a:pPr>
-            <a:r>
-              <a:rPr lang="en-US" sz="1238" dirty="0">
-                <a:solidFill>
-                  <a:srgbClr val="FFFFFF"/>
-                </a:solidFill>
-                <a:latin typeface="Segoe UI" pitchFamily="34" charset="0"/>
-                <a:ea typeface="Segoe UI" pitchFamily="34" charset="-122"/>
-                <a:cs typeface="Segoe UI" pitchFamily="34" charset="-120"/>
-              </a:rPr>
-              <a:t>Круглосуточная поддержка с гарантированным временем реакции и решения проблем.</a:t>
+              <a:t>SHIWA NETWORK предлагает не просто оборудование, а комплексное решение проблемы надежной синхронизации времени с учетом современных угроз и требований бизнеса.</a:t>
             </a:r>
             <a:endParaRPr lang="en-US" sz="1238" dirty="0"/>
           </a:p>
         </p:txBody>
-      </p:sp>
-      <p:sp>
-        <p:nvSpPr>
-          <p:cNvPr id="12" name="Shape 7"/>
-          <p:cNvSpPr/>
-          <p:nvPr/>
-        </p:nvSpPr>
-        <p:spPr>
-          <a:xfrm>
-            <a:off x="4743450" y="1868760"/>
-            <a:ext cx="4114800" cy="840060"/>
-          </a:xfrm>
-          <a:prstGeom prst="rect">
-            <a:avLst/>
-          </a:prstGeom>
-          <a:solidFill>
-            <a:srgbClr val="C0C0C0">
-              <a:alpha val="10000"/>
-            </a:srgbClr>
-          </a:solidFill>
-          <a:ln/>
-        </p:spPr>
-      </p:sp>
-      <p:sp>
-        <p:nvSpPr>
-          <p:cNvPr id="13" name="Shape 8"/>
-          <p:cNvSpPr/>
-          <p:nvPr/>
-        </p:nvSpPr>
-        <p:spPr>
-          <a:xfrm>
-            <a:off x="4743450" y="1868760"/>
-            <a:ext cx="28575" cy="840060"/>
-          </a:xfrm>
-          <a:prstGeom prst="rect">
-            <a:avLst/>
-          </a:prstGeom>
-          <a:solidFill>
-            <a:srgbClr val="C0C0C0"/>
-          </a:solidFill>
-          <a:ln/>
-        </p:spPr>
       </p:sp>
       <p:pic>
         <p:nvPicPr>
-          <p:cNvPr id="14" name="Image 3" descr="preencoded.png">    </p:cNvPr>
+          <p:cNvPr id="6" name="Image 1" descr="preencoded.png"/>
           <p:cNvPicPr>
             <a:picLocks noChangeAspect="1"/>
           </p:cNvPicPr>
@@ -4677,8 +4184,8 @@
         </p:blipFill>
         <p:spPr>
           <a:xfrm>
-            <a:off x="4829175" y="1954485"/>
-            <a:ext cx="250031" cy="200025"/>
+            <a:off x="285750" y="2194471"/>
+            <a:ext cx="4114800" cy="2000250"/>
           </a:xfrm>
           <a:prstGeom prst="rect">
             <a:avLst/>
@@ -4687,95 +4194,13 @@
       </p:pic>
       <p:sp>
         <p:nvSpPr>
-          <p:cNvPr id="15" name="Text 9"/>
-          <p:cNvSpPr/>
-          <p:nvPr/>
-        </p:nvSpPr>
-        <p:spPr>
-          <a:xfrm>
-            <a:off x="5164931" y="1954485"/>
-            <a:ext cx="2060051" cy="200025"/>
-          </a:xfrm>
-          <a:prstGeom prst="rect">
-            <a:avLst/>
-          </a:prstGeom>
-          <a:noFill/>
-          <a:ln/>
-        </p:spPr>
-        <p:txBody>
-          <a:bodyPr wrap="none" lIns="0" tIns="0" rIns="0" bIns="0" rtlCol="0" anchor="ctr">
-            <a:spAutoFit/>
-          </a:bodyPr>
-          <a:lstStyle/>
-          <a:p>
-            <a:pPr indent="0" marL="0">
-              <a:buNone/>
-            </a:pPr>
-            <a:r>
-              <a:rPr lang="en-US" sz="1125" b="1" dirty="0">
-                <a:solidFill>
-                  <a:srgbClr val="FFFFFF"/>
-                </a:solidFill>
-                <a:latin typeface="Segoe UI" pitchFamily="34" charset="0"/>
-                <a:ea typeface="Segoe UI" pitchFamily="34" charset="-122"/>
-                <a:cs typeface="Segoe UI" pitchFamily="34" charset="-120"/>
-              </a:rPr>
-              <a:t>Индивидуальная настройка</a:t>
-            </a:r>
-            <a:endParaRPr lang="en-US" sz="1125" dirty="0"/>
-          </a:p>
-        </p:txBody>
-      </p:sp>
-      <p:sp>
-        <p:nvSpPr>
-          <p:cNvPr id="16" name="Text 10"/>
-          <p:cNvSpPr/>
-          <p:nvPr/>
-        </p:nvSpPr>
-        <p:spPr>
-          <a:xfrm>
-            <a:off x="4829175" y="2183085"/>
-            <a:ext cx="4014788" cy="440010"/>
-          </a:xfrm>
-          <a:prstGeom prst="rect">
-            <a:avLst/>
-          </a:prstGeom>
-          <a:noFill/>
-          <a:ln/>
-        </p:spPr>
-        <p:txBody>
-          <a:bodyPr wrap="square" lIns="0" tIns="0" rIns="0" bIns="0" rtlCol="0" anchor="ctr">
-            <a:spAutoFit/>
-          </a:bodyPr>
-          <a:lstStyle/>
-          <a:p>
-            <a:pPr indent="0" marL="0">
-              <a:buNone/>
-            </a:pPr>
-            <a:r>
-              <a:rPr lang="en-US" sz="1238" dirty="0">
-                <a:solidFill>
-                  <a:srgbClr val="FFFFFF"/>
-                </a:solidFill>
-                <a:latin typeface="Segoe UI" pitchFamily="34" charset="0"/>
-                <a:ea typeface="Segoe UI" pitchFamily="34" charset="-122"/>
-                <a:cs typeface="Segoe UI" pitchFamily="34" charset="-120"/>
-              </a:rPr>
-              <a:t>Адаптация решений под конкретные потребности и инфраструктуру клиента.</a:t>
-            </a:r>
-            <a:endParaRPr lang="en-US" sz="1238" dirty="0"/>
-          </a:p>
-        </p:txBody>
-      </p:sp>
-      <p:sp>
-        <p:nvSpPr>
-          <p:cNvPr id="17" name="Shape 11"/>
-          <p:cNvSpPr/>
-          <p:nvPr/>
-        </p:nvSpPr>
-        <p:spPr>
-          <a:xfrm>
-            <a:off x="4743450" y="2823121"/>
+          <p:cNvPr id="7" name="Shape 3"/>
+          <p:cNvSpPr/>
+          <p:nvPr/>
+        </p:nvSpPr>
+        <p:spPr>
+          <a:xfrm>
+            <a:off x="4743450" y="914400"/>
             <a:ext cx="4114800" cy="840060"/>
           </a:xfrm>
           <a:prstGeom prst="rect">
@@ -4791,13 +4216,13 @@
       </p:sp>
       <p:sp>
         <p:nvSpPr>
-          <p:cNvPr id="18" name="Shape 12"/>
-          <p:cNvSpPr/>
-          <p:nvPr/>
-        </p:nvSpPr>
-        <p:spPr>
-          <a:xfrm>
-            <a:off x="4743450" y="2823121"/>
+          <p:cNvPr id="8" name="Shape 4"/>
+          <p:cNvSpPr/>
+          <p:nvPr/>
+        </p:nvSpPr>
+        <p:spPr>
+          <a:xfrm>
+            <a:off x="4743450" y="914400"/>
             <a:ext cx="28575" cy="840060"/>
           </a:xfrm>
           <a:prstGeom prst="rect">
@@ -4811,7 +4236,7 @@
       </p:sp>
       <p:pic>
         <p:nvPicPr>
-          <p:cNvPr id="19" name="Image 4" descr="preencoded.png">    </p:cNvPr>
+          <p:cNvPr id="9" name="Image 2" descr="preencoded.png"/>
           <p:cNvPicPr>
             <a:picLocks noChangeAspect="1"/>
           </p:cNvPicPr>
@@ -4825,8 +4250,8 @@
         </p:blipFill>
         <p:spPr>
           <a:xfrm>
-            <a:off x="4829175" y="2908846"/>
-            <a:ext cx="250031" cy="200025"/>
+            <a:off x="4829175" y="1000125"/>
+            <a:ext cx="200025" cy="200025"/>
           </a:xfrm>
           <a:prstGeom prst="rect">
             <a:avLst/>
@@ -4835,14 +4260,14 @@
       </p:pic>
       <p:sp>
         <p:nvSpPr>
-          <p:cNvPr id="20" name="Text 13"/>
-          <p:cNvSpPr/>
-          <p:nvPr/>
-        </p:nvSpPr>
-        <p:spPr>
-          <a:xfrm>
-            <a:off x="5164931" y="2908846"/>
-            <a:ext cx="1559849" cy="200025"/>
+          <p:cNvPr id="10" name="Text 5"/>
+          <p:cNvSpPr/>
+          <p:nvPr/>
+        </p:nvSpPr>
+        <p:spPr>
+          <a:xfrm>
+            <a:off x="5114925" y="1000125"/>
+            <a:ext cx="2084747" cy="200025"/>
           </a:xfrm>
           <a:prstGeom prst="rect">
             <a:avLst/>
@@ -4856,7 +4281,7 @@
           </a:bodyPr>
           <a:lstStyle/>
           <a:p>
-            <a:pPr indent="0" marL="0">
+            <a:pPr marL="0" indent="0">
               <a:buNone/>
             </a:pPr>
             <a:r>
@@ -4868,7 +4293,7 @@
                 <a:ea typeface="Segoe UI" pitchFamily="34" charset="-122"/>
                 <a:cs typeface="Segoe UI" pitchFamily="34" charset="-120"/>
               </a:rPr>
-              <a:t>Обучение персонала</a:t>
+              <a:t>Техническая поддержка 24/7</a:t>
             </a:r>
             <a:endParaRPr lang="en-US" sz="1125" dirty="0"/>
           </a:p>
@@ -4876,13 +4301,13 @@
       </p:sp>
       <p:sp>
         <p:nvSpPr>
-          <p:cNvPr id="21" name="Text 14"/>
-          <p:cNvSpPr/>
-          <p:nvPr/>
-        </p:nvSpPr>
-        <p:spPr>
-          <a:xfrm>
-            <a:off x="4829175" y="3137446"/>
+          <p:cNvPr id="11" name="Text 6"/>
+          <p:cNvSpPr/>
+          <p:nvPr/>
+        </p:nvSpPr>
+        <p:spPr>
+          <a:xfrm>
+            <a:off x="4829175" y="1228725"/>
             <a:ext cx="4014788" cy="440010"/>
           </a:xfrm>
           <a:prstGeom prst="rect">
@@ -4897,7 +4322,7 @@
           </a:bodyPr>
           <a:lstStyle/>
           <a:p>
-            <a:pPr indent="0" marL="0">
+            <a:pPr marL="0" indent="0">
               <a:buNone/>
             </a:pPr>
             <a:r>
@@ -4909,7 +4334,7 @@
                 <a:ea typeface="Segoe UI" pitchFamily="34" charset="-122"/>
                 <a:cs typeface="Segoe UI" pitchFamily="34" charset="-120"/>
               </a:rPr>
-              <a:t>Комплексные программы обучения для технических специалистов клиента.</a:t>
+              <a:t>Круглосуточная поддержка с гарантированным временем реакции и решения проблем.</a:t>
             </a:r>
             <a:endParaRPr lang="en-US" sz="1238" dirty="0"/>
           </a:p>
@@ -4917,13 +4342,13 @@
       </p:sp>
       <p:sp>
         <p:nvSpPr>
-          <p:cNvPr id="22" name="Shape 15"/>
-          <p:cNvSpPr/>
-          <p:nvPr/>
-        </p:nvSpPr>
-        <p:spPr>
-          <a:xfrm>
-            <a:off x="4743450" y="3777481"/>
+          <p:cNvPr id="12" name="Shape 7"/>
+          <p:cNvSpPr/>
+          <p:nvPr/>
+        </p:nvSpPr>
+        <p:spPr>
+          <a:xfrm>
+            <a:off x="4743450" y="1868760"/>
             <a:ext cx="4114800" cy="840060"/>
           </a:xfrm>
           <a:prstGeom prst="rect">
@@ -4939,13 +4364,13 @@
       </p:sp>
       <p:sp>
         <p:nvSpPr>
-          <p:cNvPr id="23" name="Shape 16"/>
-          <p:cNvSpPr/>
-          <p:nvPr/>
-        </p:nvSpPr>
-        <p:spPr>
-          <a:xfrm>
-            <a:off x="4743450" y="3777481"/>
+          <p:cNvPr id="13" name="Shape 8"/>
+          <p:cNvSpPr/>
+          <p:nvPr/>
+        </p:nvSpPr>
+        <p:spPr>
+          <a:xfrm>
+            <a:off x="4743450" y="1868760"/>
             <a:ext cx="28575" cy="840060"/>
           </a:xfrm>
           <a:prstGeom prst="rect">
@@ -4959,7 +4384,7 @@
       </p:sp>
       <p:pic>
         <p:nvPicPr>
-          <p:cNvPr id="24" name="Image 5" descr="preencoded.png">    </p:cNvPr>
+          <p:cNvPr id="14" name="Image 3" descr="preencoded.png"/>
           <p:cNvPicPr>
             <a:picLocks noChangeAspect="1"/>
           </p:cNvPicPr>
@@ -4973,8 +4398,8 @@
         </p:blipFill>
         <p:spPr>
           <a:xfrm>
-            <a:off x="4829175" y="3863206"/>
-            <a:ext cx="200025" cy="200025"/>
+            <a:off x="4829175" y="1954485"/>
+            <a:ext cx="250031" cy="200025"/>
           </a:xfrm>
           <a:prstGeom prst="rect">
             <a:avLst/>
@@ -4983,14 +4408,14 @@
       </p:pic>
       <p:sp>
         <p:nvSpPr>
-          <p:cNvPr id="25" name="Text 17"/>
-          <p:cNvSpPr/>
-          <p:nvPr/>
-        </p:nvSpPr>
-        <p:spPr>
-          <a:xfrm>
-            <a:off x="5114925" y="3863206"/>
-            <a:ext cx="1829470" cy="200025"/>
+          <p:cNvPr id="15" name="Text 9"/>
+          <p:cNvSpPr/>
+          <p:nvPr/>
+        </p:nvSpPr>
+        <p:spPr>
+          <a:xfrm>
+            <a:off x="5164931" y="1954485"/>
+            <a:ext cx="2060051" cy="200025"/>
           </a:xfrm>
           <a:prstGeom prst="rect">
             <a:avLst/>
@@ -5004,7 +4429,7 @@
           </a:bodyPr>
           <a:lstStyle/>
           <a:p>
-            <a:pPr indent="0" marL="0">
+            <a:pPr marL="0" indent="0">
               <a:buNone/>
             </a:pPr>
             <a:r>
@@ -5016,7 +4441,7 @@
                 <a:ea typeface="Segoe UI" pitchFamily="34" charset="-122"/>
                 <a:cs typeface="Segoe UI" pitchFamily="34" charset="-120"/>
               </a:rPr>
-              <a:t>Регулярные обновления</a:t>
+              <a:t>Индивидуальная настройка</a:t>
             </a:r>
             <a:endParaRPr lang="en-US" sz="1125" dirty="0"/>
           </a:p>
@@ -5024,13 +4449,13 @@
       </p:sp>
       <p:sp>
         <p:nvSpPr>
-          <p:cNvPr id="26" name="Text 18"/>
-          <p:cNvSpPr/>
-          <p:nvPr/>
-        </p:nvSpPr>
-        <p:spPr>
-          <a:xfrm>
-            <a:off x="4829175" y="4091806"/>
+          <p:cNvPr id="16" name="Text 10"/>
+          <p:cNvSpPr/>
+          <p:nvPr/>
+        </p:nvSpPr>
+        <p:spPr>
+          <a:xfrm>
+            <a:off x="4829175" y="2183085"/>
             <a:ext cx="4014788" cy="440010"/>
           </a:xfrm>
           <a:prstGeom prst="rect">
@@ -5045,7 +4470,7 @@
           </a:bodyPr>
           <a:lstStyle/>
           <a:p>
-            <a:pPr indent="0" marL="0">
+            <a:pPr marL="0" indent="0">
               <a:buNone/>
             </a:pPr>
             <a:r>
@@ -5057,15 +4482,57 @@
                 <a:ea typeface="Segoe UI" pitchFamily="34" charset="-122"/>
                 <a:cs typeface="Segoe UI" pitchFamily="34" charset="-120"/>
               </a:rPr>
-              <a:t>Постоянное совершенствование защиты от новых угроз и соответствие меняющимся стандартам.</a:t>
+              <a:t>Адаптация решений под конкретные потребности и инфраструктуру клиента.</a:t>
             </a:r>
             <a:endParaRPr lang="en-US" sz="1238" dirty="0"/>
           </a:p>
         </p:txBody>
+      </p:sp>
+      <p:sp>
+        <p:nvSpPr>
+          <p:cNvPr id="17" name="Shape 11"/>
+          <p:cNvSpPr/>
+          <p:nvPr/>
+        </p:nvSpPr>
+        <p:spPr>
+          <a:xfrm>
+            <a:off x="4743450" y="2823121"/>
+            <a:ext cx="4114800" cy="840060"/>
+          </a:xfrm>
+          <a:prstGeom prst="rect">
+            <a:avLst/>
+          </a:prstGeom>
+          <a:solidFill>
+            <a:srgbClr val="C0C0C0">
+              <a:alpha val="10000"/>
+            </a:srgbClr>
+          </a:solidFill>
+          <a:ln/>
+        </p:spPr>
+      </p:sp>
+      <p:sp>
+        <p:nvSpPr>
+          <p:cNvPr id="18" name="Shape 12"/>
+          <p:cNvSpPr/>
+          <p:nvPr/>
+        </p:nvSpPr>
+        <p:spPr>
+          <a:xfrm>
+            <a:off x="4743450" y="2823121"/>
+            <a:ext cx="28575" cy="840060"/>
+          </a:xfrm>
+          <a:prstGeom prst="rect">
+            <a:avLst/>
+          </a:prstGeom>
+          <a:solidFill>
+            <a:srgbClr val="C0C0C0"/>
+          </a:solidFill>
+          <a:ln/>
+        </p:spPr>
       </p:sp>
       <p:pic>
         <p:nvPicPr>
-          <p:cNvPr id="27" name="Image 6" descr="preencoded.png">    </p:cNvPr>
+          <p:cNvPr id="19" name="Image 4" descr="preencoded.png"/>
           <p:cNvPicPr>
             <a:picLocks noChangeAspect="1"/>
           </p:cNvPicPr>
@@ -5073,6 +4540,260 @@
         </p:nvPicPr>
         <p:blipFill>
           <a:blip r:embed="rId7"/>
+          <a:stretch>
+            <a:fillRect/>
+          </a:stretch>
+        </p:blipFill>
+        <p:spPr>
+          <a:xfrm>
+            <a:off x="4829175" y="2908846"/>
+            <a:ext cx="250031" cy="200025"/>
+          </a:xfrm>
+          <a:prstGeom prst="rect">
+            <a:avLst/>
+          </a:prstGeom>
+        </p:spPr>
+      </p:pic>
+      <p:sp>
+        <p:nvSpPr>
+          <p:cNvPr id="20" name="Text 13"/>
+          <p:cNvSpPr/>
+          <p:nvPr/>
+        </p:nvSpPr>
+        <p:spPr>
+          <a:xfrm>
+            <a:off x="5164931" y="2908846"/>
+            <a:ext cx="1559849" cy="200025"/>
+          </a:xfrm>
+          <a:prstGeom prst="rect">
+            <a:avLst/>
+          </a:prstGeom>
+          <a:noFill/>
+          <a:ln/>
+        </p:spPr>
+        <p:txBody>
+          <a:bodyPr wrap="none" lIns="0" tIns="0" rIns="0" bIns="0" rtlCol="0" anchor="ctr">
+            <a:spAutoFit/>
+          </a:bodyPr>
+          <a:lstStyle/>
+          <a:p>
+            <a:pPr marL="0" indent="0">
+              <a:buNone/>
+            </a:pPr>
+            <a:r>
+              <a:rPr lang="en-US" sz="1125" b="1" dirty="0">
+                <a:solidFill>
+                  <a:srgbClr val="FFFFFF"/>
+                </a:solidFill>
+                <a:latin typeface="Segoe UI" pitchFamily="34" charset="0"/>
+                <a:ea typeface="Segoe UI" pitchFamily="34" charset="-122"/>
+                <a:cs typeface="Segoe UI" pitchFamily="34" charset="-120"/>
+              </a:rPr>
+              <a:t>Обучение персонала</a:t>
+            </a:r>
+            <a:endParaRPr lang="en-US" sz="1125" dirty="0"/>
+          </a:p>
+        </p:txBody>
+      </p:sp>
+      <p:sp>
+        <p:nvSpPr>
+          <p:cNvPr id="21" name="Text 14"/>
+          <p:cNvSpPr/>
+          <p:nvPr/>
+        </p:nvSpPr>
+        <p:spPr>
+          <a:xfrm>
+            <a:off x="4829175" y="3137446"/>
+            <a:ext cx="4014788" cy="440010"/>
+          </a:xfrm>
+          <a:prstGeom prst="rect">
+            <a:avLst/>
+          </a:prstGeom>
+          <a:noFill/>
+          <a:ln/>
+        </p:spPr>
+        <p:txBody>
+          <a:bodyPr wrap="square" lIns="0" tIns="0" rIns="0" bIns="0" rtlCol="0" anchor="ctr">
+            <a:spAutoFit/>
+          </a:bodyPr>
+          <a:lstStyle/>
+          <a:p>
+            <a:pPr marL="0" indent="0">
+              <a:buNone/>
+            </a:pPr>
+            <a:r>
+              <a:rPr lang="en-US" sz="1238" dirty="0">
+                <a:solidFill>
+                  <a:srgbClr val="FFFFFF"/>
+                </a:solidFill>
+                <a:latin typeface="Segoe UI" pitchFamily="34" charset="0"/>
+                <a:ea typeface="Segoe UI" pitchFamily="34" charset="-122"/>
+                <a:cs typeface="Segoe UI" pitchFamily="34" charset="-120"/>
+              </a:rPr>
+              <a:t>Комплексные программы обучения для технических специалистов клиента.</a:t>
+            </a:r>
+            <a:endParaRPr lang="en-US" sz="1238" dirty="0"/>
+          </a:p>
+        </p:txBody>
+      </p:sp>
+      <p:sp>
+        <p:nvSpPr>
+          <p:cNvPr id="22" name="Shape 15"/>
+          <p:cNvSpPr/>
+          <p:nvPr/>
+        </p:nvSpPr>
+        <p:spPr>
+          <a:xfrm>
+            <a:off x="4743450" y="3777481"/>
+            <a:ext cx="4114800" cy="840060"/>
+          </a:xfrm>
+          <a:prstGeom prst="rect">
+            <a:avLst/>
+          </a:prstGeom>
+          <a:solidFill>
+            <a:srgbClr val="C0C0C0">
+              <a:alpha val="10000"/>
+            </a:srgbClr>
+          </a:solidFill>
+          <a:ln/>
+        </p:spPr>
+      </p:sp>
+      <p:sp>
+        <p:nvSpPr>
+          <p:cNvPr id="23" name="Shape 16"/>
+          <p:cNvSpPr/>
+          <p:nvPr/>
+        </p:nvSpPr>
+        <p:spPr>
+          <a:xfrm>
+            <a:off x="4743450" y="3777481"/>
+            <a:ext cx="28575" cy="840060"/>
+          </a:xfrm>
+          <a:prstGeom prst="rect">
+            <a:avLst/>
+          </a:prstGeom>
+          <a:solidFill>
+            <a:srgbClr val="C0C0C0"/>
+          </a:solidFill>
+          <a:ln/>
+        </p:spPr>
+      </p:sp>
+      <p:pic>
+        <p:nvPicPr>
+          <p:cNvPr id="24" name="Image 5" descr="preencoded.png"/>
+          <p:cNvPicPr>
+            <a:picLocks noChangeAspect="1"/>
+          </p:cNvPicPr>
+          <p:nvPr/>
+        </p:nvPicPr>
+        <p:blipFill>
+          <a:blip r:embed="rId8"/>
+          <a:stretch>
+            <a:fillRect/>
+          </a:stretch>
+        </p:blipFill>
+        <p:spPr>
+          <a:xfrm>
+            <a:off x="4829175" y="3863206"/>
+            <a:ext cx="200025" cy="200025"/>
+          </a:xfrm>
+          <a:prstGeom prst="rect">
+            <a:avLst/>
+          </a:prstGeom>
+        </p:spPr>
+      </p:pic>
+      <p:sp>
+        <p:nvSpPr>
+          <p:cNvPr id="25" name="Text 17"/>
+          <p:cNvSpPr/>
+          <p:nvPr/>
+        </p:nvSpPr>
+        <p:spPr>
+          <a:xfrm>
+            <a:off x="5114925" y="3863206"/>
+            <a:ext cx="1829470" cy="200025"/>
+          </a:xfrm>
+          <a:prstGeom prst="rect">
+            <a:avLst/>
+          </a:prstGeom>
+          <a:noFill/>
+          <a:ln/>
+        </p:spPr>
+        <p:txBody>
+          <a:bodyPr wrap="none" lIns="0" tIns="0" rIns="0" bIns="0" rtlCol="0" anchor="ctr">
+            <a:spAutoFit/>
+          </a:bodyPr>
+          <a:lstStyle/>
+          <a:p>
+            <a:pPr marL="0" indent="0">
+              <a:buNone/>
+            </a:pPr>
+            <a:r>
+              <a:rPr lang="en-US" sz="1125" b="1" dirty="0">
+                <a:solidFill>
+                  <a:srgbClr val="FFFFFF"/>
+                </a:solidFill>
+                <a:latin typeface="Segoe UI" pitchFamily="34" charset="0"/>
+                <a:ea typeface="Segoe UI" pitchFamily="34" charset="-122"/>
+                <a:cs typeface="Segoe UI" pitchFamily="34" charset="-120"/>
+              </a:rPr>
+              <a:t>Регулярные обновления</a:t>
+            </a:r>
+            <a:endParaRPr lang="en-US" sz="1125" dirty="0"/>
+          </a:p>
+        </p:txBody>
+      </p:sp>
+      <p:sp>
+        <p:nvSpPr>
+          <p:cNvPr id="26" name="Text 18"/>
+          <p:cNvSpPr/>
+          <p:nvPr/>
+        </p:nvSpPr>
+        <p:spPr>
+          <a:xfrm>
+            <a:off x="4829175" y="4091806"/>
+            <a:ext cx="4014788" cy="440010"/>
+          </a:xfrm>
+          <a:prstGeom prst="rect">
+            <a:avLst/>
+          </a:prstGeom>
+          <a:noFill/>
+          <a:ln/>
+        </p:spPr>
+        <p:txBody>
+          <a:bodyPr wrap="square" lIns="0" tIns="0" rIns="0" bIns="0" rtlCol="0" anchor="ctr">
+            <a:spAutoFit/>
+          </a:bodyPr>
+          <a:lstStyle/>
+          <a:p>
+            <a:pPr marL="0" indent="0">
+              <a:buNone/>
+            </a:pPr>
+            <a:r>
+              <a:rPr lang="en-US" sz="1238" dirty="0">
+                <a:solidFill>
+                  <a:srgbClr val="FFFFFF"/>
+                </a:solidFill>
+                <a:latin typeface="Segoe UI" pitchFamily="34" charset="0"/>
+                <a:ea typeface="Segoe UI" pitchFamily="34" charset="-122"/>
+                <a:cs typeface="Segoe UI" pitchFamily="34" charset="-120"/>
+              </a:rPr>
+              <a:t>Постоянное совершенствование защиты от новых угроз и соответствие меняющимся стандартам.</a:t>
+            </a:r>
+            <a:endParaRPr lang="en-US" sz="1238" dirty="0"/>
+          </a:p>
+        </p:txBody>
+      </p:sp>
+      <p:pic>
+        <p:nvPicPr>
+          <p:cNvPr id="27" name="Image 6" descr="preencoded.png"/>
+          <p:cNvPicPr>
+            <a:picLocks noChangeAspect="1"/>
+          </p:cNvPicPr>
+          <p:nvPr/>
+        </p:nvPicPr>
+        <p:blipFill>
+          <a:blip r:embed="rId9"/>
           <a:stretch>
             <a:fillRect/>
           </a:stretch>
@@ -5114,389 +4835,7 @@
       </p:grpSpPr>
       <p:pic>
         <p:nvPicPr>
-          <p:cNvPr id="2" name="Image 0" descr="preencoded.png">    </p:cNvPr>
-          <p:cNvPicPr>
-            <a:picLocks noChangeAspect="1"/>
-          </p:cNvPicPr>
-          <p:nvPr/>
-        </p:nvPicPr>
-        <p:blipFill>
-          <a:blip r:embed="rId1"/>
-          <a:stretch>
-            <a:fillRect/>
-          </a:stretch>
-        </p:blipFill>
-        <p:spPr>
-          <a:xfrm>
-            <a:off x="0" y="0"/>
-            <a:ext cx="9144000" cy="5214938"/>
-          </a:xfrm>
-          <a:prstGeom prst="rect">
-            <a:avLst/>
-          </a:prstGeom>
-        </p:spPr>
-      </p:pic>
-      <p:sp>
-        <p:nvSpPr>
-          <p:cNvPr id="3" name="Shape 0"/>
-          <p:cNvSpPr/>
-          <p:nvPr/>
-        </p:nvSpPr>
-        <p:spPr>
-          <a:xfrm>
-            <a:off x="0" y="4143375"/>
-            <a:ext cx="9144000" cy="1071563"/>
-          </a:xfrm>
-          <a:prstGeom prst="rect">
-            <a:avLst/>
-          </a:prstGeom>
-          <a:solidFill>
-            <a:srgbClr val="000000">
-              <a:alpha val="30000"/>
-            </a:srgbClr>
-          </a:solidFill>
-          <a:ln/>
-        </p:spPr>
-      </p:sp>
-      <p:sp>
-        <p:nvSpPr>
-          <p:cNvPr id="4" name="Text 1"/>
-          <p:cNvSpPr/>
-          <p:nvPr/>
-        </p:nvSpPr>
-        <p:spPr>
-          <a:xfrm>
-            <a:off x="342900" y="342900"/>
-            <a:ext cx="8529638" cy="471488"/>
-          </a:xfrm>
-          <a:prstGeom prst="rect">
-            <a:avLst/>
-          </a:prstGeom>
-          <a:noFill/>
-          <a:ln/>
-        </p:spPr>
-        <p:txBody>
-          <a:bodyPr wrap="none" lIns="0" tIns="0" rIns="0" bIns="85090" rtlCol="0" anchor="ctr">
-            <a:spAutoFit/>
-          </a:bodyPr>
-          <a:lstStyle/>
-          <a:p>
-            <a:pPr indent="0" marL="0">
-              <a:buNone/>
-            </a:pPr>
-            <a:r>
-              <a:rPr lang="en-US" sz="2025" b="1" dirty="0">
-                <a:solidFill>
-                  <a:srgbClr val="FFFFFF"/>
-                </a:solidFill>
-                <a:latin typeface="Segoe UI" pitchFamily="34" charset="0"/>
-                <a:ea typeface="Segoe UI" pitchFamily="34" charset="-122"/>
-                <a:cs typeface="Segoe UI" pitchFamily="34" charset="-120"/>
-              </a:rPr>
-              <a:t>Заключение</a:t>
-            </a:r>
-            <a:endParaRPr lang="en-US" sz="2025" dirty="0"/>
-          </a:p>
-        </p:txBody>
-      </p:sp>
-      <p:sp>
-        <p:nvSpPr>
-          <p:cNvPr id="5" name="Shape 2"/>
-          <p:cNvSpPr/>
-          <p:nvPr/>
-        </p:nvSpPr>
-        <p:spPr>
-          <a:xfrm>
-            <a:off x="342900" y="1028700"/>
-            <a:ext cx="4143375" cy="1514475"/>
-          </a:xfrm>
-          <a:prstGeom prst="rect">
-            <a:avLst/>
-          </a:prstGeom>
-          <a:solidFill>
-            <a:srgbClr val="C0C0C0">
-              <a:alpha val="10000"/>
-            </a:srgbClr>
-          </a:solidFill>
-          <a:ln/>
-        </p:spPr>
-      </p:sp>
-      <p:sp>
-        <p:nvSpPr>
-          <p:cNvPr id="6" name="Text 3"/>
-          <p:cNvSpPr/>
-          <p:nvPr/>
-        </p:nvSpPr>
-        <p:spPr>
-          <a:xfrm>
-            <a:off x="457200" y="1143000"/>
-            <a:ext cx="3986213" cy="200025"/>
-          </a:xfrm>
-          <a:prstGeom prst="rect">
-            <a:avLst/>
-          </a:prstGeom>
-          <a:noFill/>
-          <a:ln/>
-        </p:spPr>
-        <p:txBody>
-          <a:bodyPr wrap="none" lIns="0" tIns="0" rIns="0" bIns="0" rtlCol="0" anchor="ctr">
-            <a:spAutoFit/>
-          </a:bodyPr>
-          <a:lstStyle/>
-          <a:p>
-            <a:pPr indent="0" marL="0">
-              <a:buNone/>
-            </a:pPr>
-            <a:r>
-              <a:rPr lang="en-US" sz="1125" b="1" dirty="0">
-                <a:solidFill>
-                  <a:srgbClr val="C0C0C0"/>
-                </a:solidFill>
-                <a:latin typeface="Segoe UI" pitchFamily="34" charset="0"/>
-                <a:ea typeface="Segoe UI" pitchFamily="34" charset="-122"/>
-                <a:cs typeface="Segoe UI" pitchFamily="34" charset="-120"/>
-              </a:rPr>
-              <a:t>Стратегическое преимущество</a:t>
-            </a:r>
-            <a:endParaRPr lang="en-US" sz="1125" dirty="0"/>
-          </a:p>
-        </p:txBody>
-      </p:sp>
-      <p:sp>
-        <p:nvSpPr>
-          <p:cNvPr id="7" name="Text 4"/>
-          <p:cNvSpPr/>
-          <p:nvPr/>
-        </p:nvSpPr>
-        <p:spPr>
-          <a:xfrm>
-            <a:off x="457200" y="1400175"/>
-            <a:ext cx="3986213" cy="1028700"/>
-          </a:xfrm>
-          <a:prstGeom prst="rect">
-            <a:avLst/>
-          </a:prstGeom>
-          <a:noFill/>
-          <a:ln/>
-        </p:spPr>
-        <p:txBody>
-          <a:bodyPr wrap="square" lIns="0" tIns="0" rIns="0" bIns="0" rtlCol="0" anchor="ctr">
-            <a:spAutoFit/>
-          </a:bodyPr>
-          <a:lstStyle/>
-          <a:p>
-            <a:pPr indent="0" marL="0">
-              <a:buNone/>
-            </a:pPr>
-            <a:r>
-              <a:rPr lang="en-US" sz="1350" dirty="0">
-                <a:solidFill>
-                  <a:srgbClr val="FFFFFF"/>
-                </a:solidFill>
-                <a:latin typeface="Segoe UI" pitchFamily="34" charset="0"/>
-                <a:ea typeface="Segoe UI" pitchFamily="34" charset="-122"/>
-                <a:cs typeface="Segoe UI" pitchFamily="34" charset="-120"/>
-              </a:rPr>
-              <a:t>Решения SHIWA NETWORK Quantum обеспечивают надежную синхронизацию времени как основу для стабильной работы критически важных бизнес-систем.</a:t>
-            </a:r>
-            <a:endParaRPr lang="en-US" sz="1350" dirty="0"/>
-          </a:p>
-        </p:txBody>
-      </p:sp>
-      <p:sp>
-        <p:nvSpPr>
-          <p:cNvPr id="8" name="Shape 5"/>
-          <p:cNvSpPr/>
-          <p:nvPr/>
-        </p:nvSpPr>
-        <p:spPr>
-          <a:xfrm>
-            <a:off x="4657725" y="1028700"/>
-            <a:ext cx="4143375" cy="1514475"/>
-          </a:xfrm>
-          <a:prstGeom prst="rect">
-            <a:avLst/>
-          </a:prstGeom>
-          <a:solidFill>
-            <a:srgbClr val="C0C0C0">
-              <a:alpha val="10000"/>
-            </a:srgbClr>
-          </a:solidFill>
-          <a:ln/>
-        </p:spPr>
-      </p:sp>
-      <p:sp>
-        <p:nvSpPr>
-          <p:cNvPr id="9" name="Text 6"/>
-          <p:cNvSpPr/>
-          <p:nvPr/>
-        </p:nvSpPr>
-        <p:spPr>
-          <a:xfrm>
-            <a:off x="4772025" y="1143000"/>
-            <a:ext cx="3986213" cy="200025"/>
-          </a:xfrm>
-          <a:prstGeom prst="rect">
-            <a:avLst/>
-          </a:prstGeom>
-          <a:noFill/>
-          <a:ln/>
-        </p:spPr>
-        <p:txBody>
-          <a:bodyPr wrap="none" lIns="0" tIns="0" rIns="0" bIns="0" rtlCol="0" anchor="ctr">
-            <a:spAutoFit/>
-          </a:bodyPr>
-          <a:lstStyle/>
-          <a:p>
-            <a:pPr indent="0" marL="0">
-              <a:buNone/>
-            </a:pPr>
-            <a:r>
-              <a:rPr lang="en-US" sz="1125" b="1" dirty="0">
-                <a:solidFill>
-                  <a:srgbClr val="C0C0C0"/>
-                </a:solidFill>
-                <a:latin typeface="Segoe UI" pitchFamily="34" charset="0"/>
-                <a:ea typeface="Segoe UI" pitchFamily="34" charset="-122"/>
-                <a:cs typeface="Segoe UI" pitchFamily="34" charset="-120"/>
-              </a:rPr>
-              <a:t>Защита инвестиций</a:t>
-            </a:r>
-            <a:endParaRPr lang="en-US" sz="1125" dirty="0"/>
-          </a:p>
-        </p:txBody>
-      </p:sp>
-      <p:sp>
-        <p:nvSpPr>
-          <p:cNvPr id="10" name="Text 7"/>
-          <p:cNvSpPr/>
-          <p:nvPr/>
-        </p:nvSpPr>
-        <p:spPr>
-          <a:xfrm>
-            <a:off x="4772025" y="1400175"/>
-            <a:ext cx="3986213" cy="1028700"/>
-          </a:xfrm>
-          <a:prstGeom prst="rect">
-            <a:avLst/>
-          </a:prstGeom>
-          <a:noFill/>
-          <a:ln/>
-        </p:spPr>
-        <p:txBody>
-          <a:bodyPr wrap="square" lIns="0" tIns="0" rIns="0" bIns="0" rtlCol="0" anchor="ctr">
-            <a:spAutoFit/>
-          </a:bodyPr>
-          <a:lstStyle/>
-          <a:p>
-            <a:pPr indent="0" marL="0">
-              <a:buNone/>
-            </a:pPr>
-            <a:r>
-              <a:rPr lang="en-US" sz="1350" dirty="0">
-                <a:solidFill>
-                  <a:srgbClr val="FFFFFF"/>
-                </a:solidFill>
-                <a:latin typeface="Segoe UI" pitchFamily="34" charset="0"/>
-                <a:ea typeface="Segoe UI" pitchFamily="34" charset="-122"/>
-                <a:cs typeface="Segoe UI" pitchFamily="34" charset="-120"/>
-              </a:rPr>
-              <a:t>Модульная архитектура и регулярные обновления гарантируют долгосрочную актуальность решений в условиях меняющихся угроз и требований.</a:t>
-            </a:r>
-            <a:endParaRPr lang="en-US" sz="1350" dirty="0"/>
-          </a:p>
-        </p:txBody>
-      </p:sp>
-      <p:pic>
-        <p:nvPicPr>
-          <p:cNvPr id="11" name="Image 1" descr="preencoded.png">    </p:cNvPr>
-          <p:cNvPicPr>
-            <a:picLocks noChangeAspect="1"/>
-          </p:cNvPicPr>
-          <p:nvPr/>
-        </p:nvPicPr>
-        <p:blipFill>
-          <a:blip r:embed="rId2"/>
-          <a:stretch>
-            <a:fillRect/>
-          </a:stretch>
-        </p:blipFill>
-        <p:spPr>
-          <a:xfrm>
-            <a:off x="4143375" y="2771775"/>
-            <a:ext cx="857250" cy="571500"/>
-          </a:xfrm>
-          <a:prstGeom prst="rect">
-            <a:avLst/>
-          </a:prstGeom>
-        </p:spPr>
-      </p:pic>
-      <p:sp>
-        <p:nvSpPr>
-          <p:cNvPr id="12" name="Shape 8"/>
-          <p:cNvSpPr/>
-          <p:nvPr/>
-        </p:nvSpPr>
-        <p:spPr>
-          <a:xfrm>
-            <a:off x="342900" y="3571875"/>
-            <a:ext cx="8458200" cy="1285875"/>
-          </a:xfrm>
-          <a:prstGeom prst="rect">
-            <a:avLst/>
-          </a:prstGeom>
-          <a:solidFill>
-            <a:srgbClr val="FFFFFF">
-              <a:alpha val="10000"/>
-            </a:srgbClr>
-          </a:solidFill>
-          <a:ln/>
-        </p:spPr>
-      </p:sp>
-      <p:sp>
-        <p:nvSpPr>
-          <p:cNvPr id="13" name="Text 9"/>
-          <p:cNvSpPr/>
-          <p:nvPr/>
-        </p:nvSpPr>
-        <p:spPr>
-          <a:xfrm>
-            <a:off x="514350" y="3743325"/>
-            <a:ext cx="8186738" cy="200025"/>
-          </a:xfrm>
-          <a:prstGeom prst="rect">
-            <a:avLst/>
-          </a:prstGeom>
-          <a:noFill/>
-          <a:ln/>
-        </p:spPr>
-        <p:txBody>
-          <a:bodyPr wrap="none" lIns="0" tIns="0" rIns="0" bIns="0" rtlCol="0" anchor="ctr">
-            <a:spAutoFit/>
-          </a:bodyPr>
-          <a:lstStyle/>
-          <a:p>
-            <a:pPr algn="ctr" indent="0" marL="0">
-              <a:buNone/>
-            </a:pPr>
-            <a:r>
-              <a:rPr lang="en-US" sz="1125" b="1" dirty="0">
-                <a:solidFill>
-                  <a:srgbClr val="C0C0C0"/>
-                </a:solidFill>
-                <a:latin typeface="Segoe UI" pitchFamily="34" charset="0"/>
-                <a:ea typeface="Segoe UI" pitchFamily="34" charset="-122"/>
-                <a:cs typeface="Segoe UI" pitchFamily="34" charset="-120"/>
-              </a:rPr>
-              <a:t>Свяжитесь с нами</a:t>
-            </a:r>
-            <a:endParaRPr lang="en-US" sz="1125" dirty="0"/>
-          </a:p>
-        </p:txBody>
-      </p:sp>
-      <p:pic>
-        <p:nvPicPr>
-          <p:cNvPr id="14" name="Image 2" descr="preencoded.png">    </p:cNvPr>
+          <p:cNvPr id="2" name="Image 0" descr="preencoded.png"/>
           <p:cNvPicPr>
             <a:picLocks noChangeAspect="1"/>
           </p:cNvPicPr>
@@ -5510,8 +4849,8 @@
         </p:blipFill>
         <p:spPr>
           <a:xfrm>
-            <a:off x="514350" y="4100513"/>
-            <a:ext cx="171450" cy="171450"/>
+            <a:off x="0" y="0"/>
+            <a:ext cx="9144000" cy="5214938"/>
           </a:xfrm>
           <a:prstGeom prst="rect">
             <a:avLst/>
@@ -5520,14 +4859,99 @@
       </p:pic>
       <p:sp>
         <p:nvSpPr>
-          <p:cNvPr id="15" name="Text 10"/>
-          <p:cNvSpPr/>
-          <p:nvPr/>
-        </p:nvSpPr>
-        <p:spPr>
-          <a:xfrm>
-            <a:off x="771525" y="4057650"/>
-            <a:ext cx="1989200" cy="257175"/>
+          <p:cNvPr id="3" name="Shape 0"/>
+          <p:cNvSpPr/>
+          <p:nvPr/>
+        </p:nvSpPr>
+        <p:spPr>
+          <a:xfrm>
+            <a:off x="0" y="4143375"/>
+            <a:ext cx="9144000" cy="1071563"/>
+          </a:xfrm>
+          <a:prstGeom prst="rect">
+            <a:avLst/>
+          </a:prstGeom>
+          <a:solidFill>
+            <a:srgbClr val="000000">
+              <a:alpha val="30000"/>
+            </a:srgbClr>
+          </a:solidFill>
+          <a:ln/>
+        </p:spPr>
+      </p:sp>
+      <p:sp>
+        <p:nvSpPr>
+          <p:cNvPr id="4" name="Text 1"/>
+          <p:cNvSpPr/>
+          <p:nvPr/>
+        </p:nvSpPr>
+        <p:spPr>
+          <a:xfrm>
+            <a:off x="342900" y="342900"/>
+            <a:ext cx="8529638" cy="471488"/>
+          </a:xfrm>
+          <a:prstGeom prst="rect">
+            <a:avLst/>
+          </a:prstGeom>
+          <a:noFill/>
+          <a:ln/>
+        </p:spPr>
+        <p:txBody>
+          <a:bodyPr wrap="none" lIns="0" tIns="0" rIns="0" bIns="85090" rtlCol="0" anchor="ctr">
+            <a:spAutoFit/>
+          </a:bodyPr>
+          <a:lstStyle/>
+          <a:p>
+            <a:pPr marL="0" indent="0">
+              <a:buNone/>
+            </a:pPr>
+            <a:r>
+              <a:rPr lang="en-US" sz="2025" b="1" dirty="0">
+                <a:solidFill>
+                  <a:srgbClr val="FFFFFF"/>
+                </a:solidFill>
+                <a:latin typeface="Segoe UI" pitchFamily="34" charset="0"/>
+                <a:ea typeface="Segoe UI" pitchFamily="34" charset="-122"/>
+                <a:cs typeface="Segoe UI" pitchFamily="34" charset="-120"/>
+              </a:rPr>
+              <a:t>Заключение</a:t>
+            </a:r>
+            <a:endParaRPr lang="en-US" sz="2025" dirty="0"/>
+          </a:p>
+        </p:txBody>
+      </p:sp>
+      <p:sp>
+        <p:nvSpPr>
+          <p:cNvPr id="5" name="Shape 2"/>
+          <p:cNvSpPr/>
+          <p:nvPr/>
+        </p:nvSpPr>
+        <p:spPr>
+          <a:xfrm>
+            <a:off x="342900" y="1028700"/>
+            <a:ext cx="4143375" cy="1514475"/>
+          </a:xfrm>
+          <a:prstGeom prst="rect">
+            <a:avLst/>
+          </a:prstGeom>
+          <a:solidFill>
+            <a:srgbClr val="C0C0C0">
+              <a:alpha val="10000"/>
+            </a:srgbClr>
+          </a:solidFill>
+          <a:ln/>
+        </p:spPr>
+      </p:sp>
+      <p:sp>
+        <p:nvSpPr>
+          <p:cNvPr id="6" name="Text 3"/>
+          <p:cNvSpPr/>
+          <p:nvPr/>
+        </p:nvSpPr>
+        <p:spPr>
+          <a:xfrm>
+            <a:off x="457200" y="1143000"/>
+            <a:ext cx="3986213" cy="200025"/>
           </a:xfrm>
           <a:prstGeom prst="rect">
             <a:avLst/>
@@ -5541,7 +4965,48 @@
           </a:bodyPr>
           <a:lstStyle/>
           <a:p>
-            <a:pPr indent="0" marL="0">
+            <a:pPr marL="0" indent="0">
+              <a:buNone/>
+            </a:pPr>
+            <a:r>
+              <a:rPr lang="en-US" sz="1125" b="1" dirty="0">
+                <a:solidFill>
+                  <a:srgbClr val="C0C0C0"/>
+                </a:solidFill>
+                <a:latin typeface="Segoe UI" pitchFamily="34" charset="0"/>
+                <a:ea typeface="Segoe UI" pitchFamily="34" charset="-122"/>
+                <a:cs typeface="Segoe UI" pitchFamily="34" charset="-120"/>
+              </a:rPr>
+              <a:t>Стратегическое преимущество</a:t>
+            </a:r>
+            <a:endParaRPr lang="en-US" sz="1125" dirty="0"/>
+          </a:p>
+        </p:txBody>
+      </p:sp>
+      <p:sp>
+        <p:nvSpPr>
+          <p:cNvPr id="7" name="Text 4"/>
+          <p:cNvSpPr/>
+          <p:nvPr/>
+        </p:nvSpPr>
+        <p:spPr>
+          <a:xfrm>
+            <a:off x="457200" y="1400175"/>
+            <a:ext cx="3986213" cy="1028700"/>
+          </a:xfrm>
+          <a:prstGeom prst="rect">
+            <a:avLst/>
+          </a:prstGeom>
+          <a:noFill/>
+          <a:ln/>
+        </p:spPr>
+        <p:txBody>
+          <a:bodyPr wrap="square" lIns="0" tIns="0" rIns="0" bIns="0" rtlCol="0" anchor="ctr">
+            <a:spAutoFit/>
+          </a:bodyPr>
+          <a:lstStyle/>
+          <a:p>
+            <a:pPr marL="0" indent="0">
               <a:buNone/>
             </a:pPr>
             <a:r>
@@ -5553,7 +5018,111 @@
                 <a:ea typeface="Segoe UI" pitchFamily="34" charset="-122"/>
                 <a:cs typeface="Segoe UI" pitchFamily="34" charset="-120"/>
               </a:rPr>
-              <a:t>info@shiwa-network.com</a:t>
+              <a:t>Решения SHIWA NETWORK Quantum обеспечивают надежную синхронизацию времени как основу для стабильной работы критически важных бизнес-систем.</a:t>
+            </a:r>
+            <a:endParaRPr lang="en-US" sz="1350" dirty="0"/>
+          </a:p>
+        </p:txBody>
+      </p:sp>
+      <p:sp>
+        <p:nvSpPr>
+          <p:cNvPr id="8" name="Shape 5"/>
+          <p:cNvSpPr/>
+          <p:nvPr/>
+        </p:nvSpPr>
+        <p:spPr>
+          <a:xfrm>
+            <a:off x="4657725" y="1028700"/>
+            <a:ext cx="4143375" cy="1514475"/>
+          </a:xfrm>
+          <a:prstGeom prst="rect">
+            <a:avLst/>
+          </a:prstGeom>
+          <a:solidFill>
+            <a:srgbClr val="C0C0C0">
+              <a:alpha val="10000"/>
+            </a:srgbClr>
+          </a:solidFill>
+          <a:ln/>
+        </p:spPr>
+      </p:sp>
+      <p:sp>
+        <p:nvSpPr>
+          <p:cNvPr id="9" name="Text 6"/>
+          <p:cNvSpPr/>
+          <p:nvPr/>
+        </p:nvSpPr>
+        <p:spPr>
+          <a:xfrm>
+            <a:off x="4772025" y="1143000"/>
+            <a:ext cx="3986213" cy="200025"/>
+          </a:xfrm>
+          <a:prstGeom prst="rect">
+            <a:avLst/>
+          </a:prstGeom>
+          <a:noFill/>
+          <a:ln/>
+        </p:spPr>
+        <p:txBody>
+          <a:bodyPr wrap="none" lIns="0" tIns="0" rIns="0" bIns="0" rtlCol="0" anchor="ctr">
+            <a:spAutoFit/>
+          </a:bodyPr>
+          <a:lstStyle/>
+          <a:p>
+            <a:pPr marL="0" indent="0">
+              <a:buNone/>
+            </a:pPr>
+            <a:r>
+              <a:rPr lang="en-US" sz="1125" b="1" dirty="0">
+                <a:solidFill>
+                  <a:srgbClr val="C0C0C0"/>
+                </a:solidFill>
+                <a:latin typeface="Segoe UI" pitchFamily="34" charset="0"/>
+                <a:ea typeface="Segoe UI" pitchFamily="34" charset="-122"/>
+                <a:cs typeface="Segoe UI" pitchFamily="34" charset="-120"/>
+              </a:rPr>
+              <a:t>Защита инвестиций</a:t>
+            </a:r>
+            <a:endParaRPr lang="en-US" sz="1125" dirty="0"/>
+          </a:p>
+        </p:txBody>
+      </p:sp>
+      <p:sp>
+        <p:nvSpPr>
+          <p:cNvPr id="10" name="Text 7"/>
+          <p:cNvSpPr/>
+          <p:nvPr/>
+        </p:nvSpPr>
+        <p:spPr>
+          <a:xfrm>
+            <a:off x="4772025" y="1400175"/>
+            <a:ext cx="3986213" cy="1028700"/>
+          </a:xfrm>
+          <a:prstGeom prst="rect">
+            <a:avLst/>
+          </a:prstGeom>
+          <a:noFill/>
+          <a:ln/>
+        </p:spPr>
+        <p:txBody>
+          <a:bodyPr wrap="square" lIns="0" tIns="0" rIns="0" bIns="0" rtlCol="0" anchor="ctr">
+            <a:spAutoFit/>
+          </a:bodyPr>
+          <a:lstStyle/>
+          <a:p>
+            <a:pPr marL="0" indent="0">
+              <a:buNone/>
+            </a:pPr>
+            <a:r>
+              <a:rPr lang="en-US" sz="1350" dirty="0">
+                <a:solidFill>
+                  <a:srgbClr val="FFFFFF"/>
+                </a:solidFill>
+                <a:latin typeface="Segoe UI" pitchFamily="34" charset="0"/>
+                <a:ea typeface="Segoe UI" pitchFamily="34" charset="-122"/>
+                <a:cs typeface="Segoe UI" pitchFamily="34" charset="-120"/>
+              </a:rPr>
+              <a:t>Модульная архитектура и регулярные обновления гарантируют долгосрочную актуальность решений в условиях меняющихся угроз и требований.</a:t>
             </a:r>
             <a:endParaRPr lang="en-US" sz="1350" dirty="0"/>
           </a:p>
@@ -5561,7 +5130,7 @@
       </p:sp>
       <p:pic>
         <p:nvPicPr>
-          <p:cNvPr id="16" name="Image 3" descr="preencoded.png">    </p:cNvPr>
+          <p:cNvPr id="11" name="Image 1" descr="preencoded.png"/>
           <p:cNvPicPr>
             <a:picLocks noChangeAspect="1"/>
           </p:cNvPicPr>
@@ -5575,8 +5144,8 @@
         </p:blipFill>
         <p:spPr>
           <a:xfrm>
-            <a:off x="4629150" y="4100513"/>
-            <a:ext cx="171450" cy="171450"/>
+            <a:off x="4143375" y="2771775"/>
+            <a:ext cx="857250" cy="571500"/>
           </a:xfrm>
           <a:prstGeom prst="rect">
             <a:avLst/>
@@ -5585,14 +5154,36 @@
       </p:pic>
       <p:sp>
         <p:nvSpPr>
-          <p:cNvPr id="17" name="Text 11"/>
-          <p:cNvSpPr/>
-          <p:nvPr/>
-        </p:nvSpPr>
-        <p:spPr>
-          <a:xfrm>
-            <a:off x="4886325" y="4057650"/>
-            <a:ext cx="1544082" cy="257175"/>
+          <p:cNvPr id="12" name="Shape 8"/>
+          <p:cNvSpPr/>
+          <p:nvPr/>
+        </p:nvSpPr>
+        <p:spPr>
+          <a:xfrm>
+            <a:off x="342900" y="3571875"/>
+            <a:ext cx="8458200" cy="1285875"/>
+          </a:xfrm>
+          <a:prstGeom prst="rect">
+            <a:avLst/>
+          </a:prstGeom>
+          <a:solidFill>
+            <a:srgbClr val="FFFFFF">
+              <a:alpha val="10000"/>
+            </a:srgbClr>
+          </a:solidFill>
+          <a:ln/>
+        </p:spPr>
+      </p:sp>
+      <p:sp>
+        <p:nvSpPr>
+          <p:cNvPr id="13" name="Text 9"/>
+          <p:cNvSpPr/>
+          <p:nvPr/>
+        </p:nvSpPr>
+        <p:spPr>
+          <a:xfrm>
+            <a:off x="514350" y="3743325"/>
+            <a:ext cx="8186738" cy="200025"/>
           </a:xfrm>
           <a:prstGeom prst="rect">
             <a:avLst/>
@@ -5606,27 +5197,27 @@
           </a:bodyPr>
           <a:lstStyle/>
           <a:p>
-            <a:pPr indent="0" marL="0">
-              <a:buNone/>
-            </a:pPr>
-            <a:r>
-              <a:rPr lang="en-US" sz="1350" dirty="0">
-                <a:solidFill>
-                  <a:srgbClr val="FFFFFF"/>
-                </a:solidFill>
-                <a:latin typeface="Segoe UI" pitchFamily="34" charset="0"/>
-                <a:ea typeface="Segoe UI" pitchFamily="34" charset="-122"/>
-                <a:cs typeface="Segoe UI" pitchFamily="34" charset="-120"/>
-              </a:rPr>
-              <a:t>+7 (495) 123-45-67</a:t>
-            </a:r>
-            <a:endParaRPr lang="en-US" sz="1350" dirty="0"/>
+            <a:pPr marL="0" indent="0" algn="ctr">
+              <a:buNone/>
+            </a:pPr>
+            <a:r>
+              <a:rPr lang="en-US" sz="1125" b="1" dirty="0">
+                <a:solidFill>
+                  <a:srgbClr val="C0C0C0"/>
+                </a:solidFill>
+                <a:latin typeface="Segoe UI" pitchFamily="34" charset="0"/>
+                <a:ea typeface="Segoe UI" pitchFamily="34" charset="-122"/>
+                <a:cs typeface="Segoe UI" pitchFamily="34" charset="-120"/>
+              </a:rPr>
+              <a:t>Свяжитесь с нами</a:t>
+            </a:r>
+            <a:endParaRPr lang="en-US" sz="1125" dirty="0"/>
           </a:p>
         </p:txBody>
       </p:sp>
       <p:pic>
         <p:nvPicPr>
-          <p:cNvPr id="18" name="Image 4" descr="preencoded.png">    </p:cNvPr>
+          <p:cNvPr id="14" name="Image 2" descr="preencoded.png"/>
           <p:cNvPicPr>
             <a:picLocks noChangeAspect="1"/>
           </p:cNvPicPr>
@@ -5640,7 +5231,7 @@
         </p:blipFill>
         <p:spPr>
           <a:xfrm>
-            <a:off x="514350" y="4471988"/>
+            <a:off x="514350" y="4100513"/>
             <a:ext cx="171450" cy="171450"/>
           </a:xfrm>
           <a:prstGeom prst="rect">
@@ -5650,14 +5241,14 @@
       </p:pic>
       <p:sp>
         <p:nvSpPr>
-          <p:cNvPr id="19" name="Text 12"/>
-          <p:cNvSpPr/>
-          <p:nvPr/>
-        </p:nvSpPr>
-        <p:spPr>
-          <a:xfrm>
-            <a:off x="771525" y="4429125"/>
-            <a:ext cx="1948346" cy="257175"/>
+          <p:cNvPr id="15" name="Text 10"/>
+          <p:cNvSpPr/>
+          <p:nvPr/>
+        </p:nvSpPr>
+        <p:spPr>
+          <a:xfrm>
+            <a:off x="771525" y="4057650"/>
+            <a:ext cx="1989200" cy="257175"/>
           </a:xfrm>
           <a:prstGeom prst="rect">
             <a:avLst/>
@@ -5671,7 +5262,7 @@
           </a:bodyPr>
           <a:lstStyle/>
           <a:p>
-            <a:pPr indent="0" marL="0">
+            <a:pPr marL="0" indent="0">
               <a:buNone/>
             </a:pPr>
             <a:r>
@@ -5683,7 +5274,7 @@
                 <a:ea typeface="Segoe UI" pitchFamily="34" charset="-122"/>
                 <a:cs typeface="Segoe UI" pitchFamily="34" charset="-120"/>
               </a:rPr>
-              <a:t>www.shiwa-network.com</a:t>
+              <a:t>info@shiwa-network.com</a:t>
             </a:r>
             <a:endParaRPr lang="en-US" sz="1350" dirty="0"/>
           </a:p>
@@ -5691,7 +5282,7 @@
       </p:sp>
       <p:pic>
         <p:nvPicPr>
-          <p:cNvPr id="20" name="Image 5" descr="preencoded.png">    </p:cNvPr>
+          <p:cNvPr id="16" name="Image 3" descr="preencoded.png"/>
           <p:cNvPicPr>
             <a:picLocks noChangeAspect="1"/>
           </p:cNvPicPr>
@@ -5705,8 +5296,8 @@
         </p:blipFill>
         <p:spPr>
           <a:xfrm>
-            <a:off x="4629150" y="4471988"/>
-            <a:ext cx="128588" cy="171450"/>
+            <a:off x="4629150" y="4100513"/>
+            <a:ext cx="171450" cy="171450"/>
           </a:xfrm>
           <a:prstGeom prst="rect">
             <a:avLst/>
@@ -5715,14 +5306,14 @@
       </p:pic>
       <p:sp>
         <p:nvSpPr>
-          <p:cNvPr id="21" name="Text 13"/>
-          <p:cNvSpPr/>
-          <p:nvPr/>
-        </p:nvSpPr>
-        <p:spPr>
-          <a:xfrm>
-            <a:off x="4843463" y="4429125"/>
-            <a:ext cx="2550012" cy="257175"/>
+          <p:cNvPr id="17" name="Text 11"/>
+          <p:cNvSpPr/>
+          <p:nvPr/>
+        </p:nvSpPr>
+        <p:spPr>
+          <a:xfrm>
+            <a:off x="4886325" y="4057650"/>
+            <a:ext cx="1544082" cy="257175"/>
           </a:xfrm>
           <a:prstGeom prst="rect">
             <a:avLst/>
@@ -5736,7 +5327,7 @@
           </a:bodyPr>
           <a:lstStyle/>
           <a:p>
-            <a:pPr indent="0" marL="0">
+            <a:pPr marL="0" indent="0">
               <a:buNone/>
             </a:pPr>
             <a:r>
@@ -5748,7 +5339,7 @@
                 <a:ea typeface="Segoe UI" pitchFamily="34" charset="-122"/>
                 <a:cs typeface="Segoe UI" pitchFamily="34" charset="-120"/>
               </a:rPr>
-              <a:t>Москва, Инновационный центр</a:t>
+              <a:t>+7 (495) 123-45-67</a:t>
             </a:r>
             <a:endParaRPr lang="en-US" sz="1350" dirty="0"/>
           </a:p>
@@ -5756,7 +5347,7 @@
       </p:sp>
       <p:pic>
         <p:nvPicPr>
-          <p:cNvPr id="22" name="Image 6" descr="preencoded.png">    </p:cNvPr>
+          <p:cNvPr id="18" name="Image 4" descr="preencoded.png"/>
           <p:cNvPicPr>
             <a:picLocks noChangeAspect="1"/>
           </p:cNvPicPr>
@@ -5764,6 +5355,136 @@
         </p:nvPicPr>
         <p:blipFill>
           <a:blip r:embed="rId7"/>
+          <a:stretch>
+            <a:fillRect/>
+          </a:stretch>
+        </p:blipFill>
+        <p:spPr>
+          <a:xfrm>
+            <a:off x="514350" y="4471988"/>
+            <a:ext cx="171450" cy="171450"/>
+          </a:xfrm>
+          <a:prstGeom prst="rect">
+            <a:avLst/>
+          </a:prstGeom>
+        </p:spPr>
+      </p:pic>
+      <p:sp>
+        <p:nvSpPr>
+          <p:cNvPr id="19" name="Text 12"/>
+          <p:cNvSpPr/>
+          <p:nvPr/>
+        </p:nvSpPr>
+        <p:spPr>
+          <a:xfrm>
+            <a:off x="771525" y="4429125"/>
+            <a:ext cx="1948346" cy="257175"/>
+          </a:xfrm>
+          <a:prstGeom prst="rect">
+            <a:avLst/>
+          </a:prstGeom>
+          <a:noFill/>
+          <a:ln/>
+        </p:spPr>
+        <p:txBody>
+          <a:bodyPr wrap="none" lIns="0" tIns="0" rIns="0" bIns="0" rtlCol="0" anchor="ctr">
+            <a:spAutoFit/>
+          </a:bodyPr>
+          <a:lstStyle/>
+          <a:p>
+            <a:pPr marL="0" indent="0">
+              <a:buNone/>
+            </a:pPr>
+            <a:r>
+              <a:rPr lang="en-US" sz="1350" dirty="0">
+                <a:solidFill>
+                  <a:srgbClr val="FFFFFF"/>
+                </a:solidFill>
+                <a:latin typeface="Segoe UI" pitchFamily="34" charset="0"/>
+                <a:ea typeface="Segoe UI" pitchFamily="34" charset="-122"/>
+                <a:cs typeface="Segoe UI" pitchFamily="34" charset="-120"/>
+              </a:rPr>
+              <a:t>www.shiwa-network.com</a:t>
+            </a:r>
+            <a:endParaRPr lang="en-US" sz="1350" dirty="0"/>
+          </a:p>
+        </p:txBody>
+      </p:sp>
+      <p:pic>
+        <p:nvPicPr>
+          <p:cNvPr id="20" name="Image 5" descr="preencoded.png"/>
+          <p:cNvPicPr>
+            <a:picLocks noChangeAspect="1"/>
+          </p:cNvPicPr>
+          <p:nvPr/>
+        </p:nvPicPr>
+        <p:blipFill>
+          <a:blip r:embed="rId8"/>
+          <a:stretch>
+            <a:fillRect/>
+          </a:stretch>
+        </p:blipFill>
+        <p:spPr>
+          <a:xfrm>
+            <a:off x="4629150" y="4471988"/>
+            <a:ext cx="128588" cy="171450"/>
+          </a:xfrm>
+          <a:prstGeom prst="rect">
+            <a:avLst/>
+          </a:prstGeom>
+        </p:spPr>
+      </p:pic>
+      <p:sp>
+        <p:nvSpPr>
+          <p:cNvPr id="21" name="Text 13"/>
+          <p:cNvSpPr/>
+          <p:nvPr/>
+        </p:nvSpPr>
+        <p:spPr>
+          <a:xfrm>
+            <a:off x="4843463" y="4429125"/>
+            <a:ext cx="2550012" cy="257175"/>
+          </a:xfrm>
+          <a:prstGeom prst="rect">
+            <a:avLst/>
+          </a:prstGeom>
+          <a:noFill/>
+          <a:ln/>
+        </p:spPr>
+        <p:txBody>
+          <a:bodyPr wrap="none" lIns="0" tIns="0" rIns="0" bIns="0" rtlCol="0" anchor="ctr">
+            <a:spAutoFit/>
+          </a:bodyPr>
+          <a:lstStyle/>
+          <a:p>
+            <a:pPr marL="0" indent="0">
+              <a:buNone/>
+            </a:pPr>
+            <a:r>
+              <a:rPr lang="en-US" sz="1350" dirty="0">
+                <a:solidFill>
+                  <a:srgbClr val="FFFFFF"/>
+                </a:solidFill>
+                <a:latin typeface="Segoe UI" pitchFamily="34" charset="0"/>
+                <a:ea typeface="Segoe UI" pitchFamily="34" charset="-122"/>
+                <a:cs typeface="Segoe UI" pitchFamily="34" charset="-120"/>
+              </a:rPr>
+              <a:t>Москва, Инновационный центр</a:t>
+            </a:r>
+            <a:endParaRPr lang="en-US" sz="1350" dirty="0"/>
+          </a:p>
+        </p:txBody>
+      </p:sp>
+      <p:pic>
+        <p:nvPicPr>
+          <p:cNvPr id="22" name="Image 6" descr="preencoded.png"/>
+          <p:cNvPicPr>
+            <a:picLocks noChangeAspect="1"/>
+          </p:cNvPicPr>
+          <p:nvPr/>
+        </p:nvPicPr>
+        <p:blipFill>
+          <a:blip r:embed="rId9"/>
           <a:stretch>
             <a:fillRect/>
           </a:stretch>
@@ -6079,4 +5800,299 @@
     </a:ext>
   </a:extLst>
 </a:theme>
+</file>
+
+<file path=ppt/theme/theme2.xml><?xml version="1.0" encoding="utf-8"?>
+<a:theme xmlns:a="http://schemas.openxmlformats.org/drawingml/2006/main" name="Тема Office">
+  <a:themeElements>
+    <a:clrScheme name="Стандартная">
+      <a:dk1>
+        <a:sysClr val="windowText" lastClr="000000"/>
+      </a:dk1>
+      <a:lt1>
+        <a:sysClr val="window" lastClr="FFFFFF"/>
+      </a:lt1>
+      <a:dk2>
+        <a:srgbClr val="44546A"/>
+      </a:dk2>
+      <a:lt2>
+        <a:srgbClr val="E7E6E6"/>
+      </a:lt2>
+      <a:accent1>
+        <a:srgbClr val="4472C4"/>
+      </a:accent1>
+      <a:accent2>
+        <a:srgbClr val="ED7D31"/>
+      </a:accent2>
+      <a:accent3>
+        <a:srgbClr val="A5A5A5"/>
+      </a:accent3>
+      <a:accent4>
+        <a:srgbClr val="FFC000"/>
+      </a:accent4>
+      <a:accent5>
+        <a:srgbClr val="5B9BD5"/>
+      </a:accent5>
+      <a:accent6>
+        <a:srgbClr val="70AD47"/>
+      </a:accent6>
+      <a:hlink>
+        <a:srgbClr val="0563C1"/>
+      </a:hlink>
+      <a:folHlink>
+        <a:srgbClr val="954F72"/>
+      </a:folHlink>
+    </a:clrScheme>
+    <a:fontScheme name="Стандартная">
+      <a:majorFont>
+        <a:latin typeface="Calibri Light" panose="020F0302020204030204"/>
+        <a:ea typeface=""/>
+        <a:cs typeface=""/>
+        <a:font script="Jpan" typeface="游ゴシック Light"/>
+        <a:font script="Hang" typeface="맑은 고딕"/>
+        <a:font script="Hans" typeface="等线 Light"/>
+        <a:font script="Hant" typeface="新細明體"/>
+        <a:font script="Arab" typeface="Times New Roman"/>
+        <a:font script="Hebr" typeface="Times New Roman"/>
+        <a:font script="Thai" typeface="Angsana New"/>
+        <a:font script="Ethi" typeface="Nyala"/>
+        <a:font script="Beng" typeface="Vrinda"/>
+        <a:font script="Gujr" typeface="Shruti"/>
+        <a:font script="Khmr" typeface="MoolBoran"/>
+        <a:font script="Knda" typeface="Tunga"/>
+        <a:font script="Guru" typeface="Raavi"/>
+        <a:font script="Cans" typeface="Euphemia"/>
+        <a:font script="Cher" typeface="Plantagenet Cherokee"/>
+        <a:font script="Yiii" typeface="Microsoft Yi Baiti"/>
+        <a:font script="Tibt" typeface="Microsoft Himalaya"/>
+        <a:font script="Thaa" typeface="MV Boli"/>
+        <a:font script="Deva" typeface="Mangal"/>
+        <a:font script="Telu" typeface="Gautami"/>
+        <a:font script="Taml" typeface="Latha"/>
+        <a:font script="Syrc" typeface="Estrangelo Edessa"/>
+        <a:font script="Orya" typeface="Kalinga"/>
+        <a:font script="Mlym" typeface="Kartika"/>
+        <a:font script="Laoo" typeface="DokChampa"/>
+        <a:font script="Sinh" typeface="Iskoola Pota"/>
+        <a:font script="Mong" typeface="Mongolian Baiti"/>
+        <a:font script="Viet" typeface="Times New Roman"/>
+        <a:font script="Uigh" typeface="Microsoft Uighur"/>
+        <a:font script="Geor" typeface="Sylfaen"/>
+        <a:font script="Armn" typeface="Arial"/>
+        <a:font script="Bugi" typeface="Leelawadee UI"/>
+        <a:font script="Bopo" typeface="Microsoft JhengHei"/>
+        <a:font script="Java" typeface="Javanese Text"/>
+        <a:font script="Lisu" typeface="Segoe UI"/>
+        <a:font script="Mymr" typeface="Myanmar Text"/>
+        <a:font script="Nkoo" typeface="Ebrima"/>
+        <a:font script="Olck" typeface="Nirmala UI"/>
+        <a:font script="Osma" typeface="Ebrima"/>
+        <a:font script="Phag" typeface="Phagspa"/>
+        <a:font script="Syrn" typeface="Estrangelo Edessa"/>
+        <a:font script="Syrj" typeface="Estrangelo Edessa"/>
+        <a:font script="Syre" typeface="Estrangelo Edessa"/>
+        <a:font script="Sora" typeface="Nirmala UI"/>
+        <a:font script="Tale" typeface="Microsoft Tai Le"/>
+        <a:font script="Talu" typeface="Microsoft New Tai Lue"/>
+        <a:font script="Tfng" typeface="Ebrima"/>
+      </a:majorFont>
+      <a:minorFont>
+        <a:latin typeface="Calibri" panose="020F0502020204030204"/>
+        <a:ea typeface=""/>
+        <a:cs typeface=""/>
+        <a:font script="Jpan" typeface="游ゴシック"/>
+        <a:font script="Hang" typeface="맑은 고딕"/>
+        <a:font script="Hans" typeface="等线"/>
+        <a:font script="Hant" typeface="新細明體"/>
+        <a:font script="Arab" typeface="Arial"/>
+        <a:font script="Hebr" typeface="Arial"/>
+        <a:font script="Thai" typeface="Cordia New"/>
+        <a:font script="Ethi" typeface="Nyala"/>
+        <a:font script="Beng" typeface="Vrinda"/>
+        <a:font script="Gujr" typeface="Shruti"/>
+        <a:font script="Khmr" typeface="DaunPenh"/>
+        <a:font script="Knda" typeface="Tunga"/>
+        <a:font script="Guru" typeface="Raavi"/>
+        <a:font script="Cans" typeface="Euphemia"/>
+        <a:font script="Cher" typeface="Plantagenet Cherokee"/>
+        <a:font script="Yiii" typeface="Microsoft Yi Baiti"/>
+        <a:font script="Tibt" typeface="Microsoft Himalaya"/>
+        <a:font script="Thaa" typeface="MV Boli"/>
+        <a:font script="Deva" typeface="Mangal"/>
+        <a:font script="Telu" typeface="Gautami"/>
+        <a:font script="Taml" typeface="Latha"/>
+        <a:font script="Syrc" typeface="Estrangelo Edessa"/>
+        <a:font script="Orya" typeface="Kalinga"/>
+        <a:font script="Mlym" typeface="Kartika"/>
+        <a:font script="Laoo" typeface="DokChampa"/>
+        <a:font script="Sinh" typeface="Iskoola Pota"/>
+        <a:font script="Mong" typeface="Mongolian Baiti"/>
+        <a:font script="Viet" typeface="Arial"/>
+        <a:font script="Uigh" typeface="Microsoft Uighur"/>
+        <a:font script="Geor" typeface="Sylfaen"/>
+        <a:font script="Armn" typeface="Arial"/>
+        <a:font script="Bugi" typeface="Leelawadee UI"/>
+        <a:font script="Bopo" typeface="Microsoft JhengHei"/>
+        <a:font script="Java" typeface="Javanese Text"/>
+        <a:font script="Lisu" typeface="Segoe UI"/>
+        <a:font script="Mymr" typeface="Myanmar Text"/>
+        <a:font script="Nkoo" typeface="Ebrima"/>
+        <a:font script="Olck" typeface="Nirmala UI"/>
+        <a:font script="Osma" typeface="Ebrima"/>
+        <a:font script="Phag" typeface="Phagspa"/>
+        <a:font script="Syrn" typeface="Estrangelo Edessa"/>
+        <a:font script="Syrj" typeface="Estrangelo Edessa"/>
+        <a:font script="Syre" typeface="Estrangelo Edessa"/>
+        <a:font script="Sora" typeface="Nirmala UI"/>
+        <a:font script="Tale" typeface="Microsoft Tai Le"/>
+        <a:font script="Talu" typeface="Microsoft New Tai Lue"/>
+        <a:font script="Tfng" typeface="Ebrima"/>
+      </a:minorFont>
+    </a:fontScheme>
+    <a:fmtScheme name="Стандартная">
+      <a:fillStyleLst>
+        <a:solidFill>
+          <a:schemeClr val="phClr"/>
+        </a:solidFill>
+        <a:gradFill rotWithShape="1">
+          <a:gsLst>
+            <a:gs pos="0">
+              <a:schemeClr val="phClr">
+                <a:lumMod val="110000"/>
+                <a:satMod val="105000"/>
+                <a:tint val="67000"/>
+              </a:schemeClr>
+            </a:gs>
+            <a:gs pos="50000">
+              <a:schemeClr val="phClr">
+                <a:lumMod val="105000"/>
+                <a:satMod val="103000"/>
+                <a:tint val="73000"/>
+              </a:schemeClr>
+            </a:gs>
+            <a:gs pos="100000">
+              <a:schemeClr val="phClr">
+                <a:lumMod val="105000"/>
+                <a:satMod val="109000"/>
+                <a:tint val="81000"/>
+              </a:schemeClr>
+            </a:gs>
+          </a:gsLst>
+          <a:lin ang="5400000" scaled="0"/>
+        </a:gradFill>
+        <a:gradFill rotWithShape="1">
+          <a:gsLst>
+            <a:gs pos="0">
+              <a:schemeClr val="phClr">
+                <a:satMod val="103000"/>
+                <a:lumMod val="102000"/>
+                <a:tint val="94000"/>
+              </a:schemeClr>
+            </a:gs>
+            <a:gs pos="50000">
+              <a:schemeClr val="phClr">
+                <a:satMod val="110000"/>
+                <a:lumMod val="100000"/>
+                <a:shade val="100000"/>
+              </a:schemeClr>
+            </a:gs>
+            <a:gs pos="100000">
+              <a:schemeClr val="phClr">
+                <a:lumMod val="99000"/>
+                <a:satMod val="120000"/>
+                <a:shade val="78000"/>
+              </a:schemeClr>
+            </a:gs>
+          </a:gsLst>
+          <a:lin ang="5400000" scaled="0"/>
+        </a:gradFill>
+      </a:fillStyleLst>
+      <a:lnStyleLst>
+        <a:ln w="6350" cap="flat" cmpd="sng" algn="ctr">
+          <a:solidFill>
+            <a:schemeClr val="phClr"/>
+          </a:solidFill>
+          <a:prstDash val="solid"/>
+          <a:miter lim="800000"/>
+        </a:ln>
+        <a:ln w="12700" cap="flat" cmpd="sng" algn="ctr">
+          <a:solidFill>
+            <a:schemeClr val="phClr"/>
+          </a:solidFill>
+          <a:prstDash val="solid"/>
+          <a:miter lim="800000"/>
+        </a:ln>
+        <a:ln w="19050" cap="flat" cmpd="sng" algn="ctr">
+          <a:solidFill>
+            <a:schemeClr val="phClr"/>
+          </a:solidFill>
+          <a:prstDash val="solid"/>
+          <a:miter lim="800000"/>
+        </a:ln>
+      </a:lnStyleLst>
+      <a:effectStyleLst>
+        <a:effectStyle>
+          <a:effectLst/>
+        </a:effectStyle>
+        <a:effectStyle>
+          <a:effectLst/>
+        </a:effectStyle>
+        <a:effectStyle>
+          <a:effectLst>
+            <a:outerShdw blurRad="57150" dist="19050" dir="5400000" algn="ctr" rotWithShape="0">
+              <a:srgbClr val="000000">
+                <a:alpha val="63000"/>
+              </a:srgbClr>
+            </a:outerShdw>
+          </a:effectLst>
+        </a:effectStyle>
+      </a:effectStyleLst>
+      <a:bgFillStyleLst>
+        <a:solidFill>
+          <a:schemeClr val="phClr"/>
+        </a:solidFill>
+        <a:solidFill>
+          <a:schemeClr val="phClr">
+            <a:tint val="95000"/>
+            <a:satMod val="170000"/>
+          </a:schemeClr>
+        </a:solidFill>
+        <a:gradFill rotWithShape="1">
+          <a:gsLst>
+            <a:gs pos="0">
+              <a:schemeClr val="phClr">
+                <a:tint val="93000"/>
+                <a:satMod val="150000"/>
+                <a:shade val="98000"/>
+                <a:lumMod val="102000"/>
+              </a:schemeClr>
+            </a:gs>
+            <a:gs pos="50000">
+              <a:schemeClr val="phClr">
+                <a:tint val="98000"/>
+                <a:satMod val="130000"/>
+                <a:shade val="90000"/>
+                <a:lumMod val="103000"/>
+              </a:schemeClr>
+            </a:gs>
+            <a:gs pos="100000">
+              <a:schemeClr val="phClr">
+                <a:shade val="63000"/>
+                <a:satMod val="120000"/>
+              </a:schemeClr>
+            </a:gs>
+          </a:gsLst>
+          <a:lin ang="5400000" scaled="0"/>
+        </a:gradFill>
+      </a:bgFillStyleLst>
+    </a:fmtScheme>
+  </a:themeElements>
+  <a:objectDefaults/>
+  <a:extraClrSchemeLst/>
+  <a:extLst>
+    <a:ext uri="{05A4C25C-085E-4340-85A3-A5531E510DB2}">
+      <thm15:themeFamily xmlns:thm15="http://schemas.microsoft.com/office/thememl/2012/main" name="Office Theme" id="{62F939B6-93AF-4DB8-9C6B-D6C7DFDC589F}" vid="{4A3C46E8-61CC-4603-A589-7422A47A8E4A}"/>
+    </a:ext>
+  </a:extLst>
+</a:theme>
 </file>
--- a/ДОКУМЕНТЫ/МАТЕРИАЛ СТАТЬИ/SHIWA_NETWORK_Quantum_Стратегическое_преимущество_в_обеспечении_надежной_синхронизации_времени_для_бизнеса.pptx
+++ b/ДОКУМЕНТЫ/МАТЕРИАЛ СТАТЬИ/SHIWA_NETWORK_Quantum_Стратегическое_преимущество_в_обеспечении_надежной_синхронизации_времени_для_бизнеса.pptx
@@ -3368,7 +3368,7 @@
         </p:nvSpPr>
         <p:spPr>
           <a:xfrm>
-            <a:off x="4757738" y="2031616"/>
+            <a:off x="4722018" y="2031616"/>
             <a:ext cx="1961211" cy="178594"/>
           </a:xfrm>
           <a:prstGeom prst="rect">
@@ -5312,8 +5312,8 @@
         </p:nvSpPr>
         <p:spPr>
           <a:xfrm>
-            <a:off x="4886325" y="4057650"/>
-            <a:ext cx="1544082" cy="257175"/>
+            <a:off x="4886325" y="4082363"/>
+            <a:ext cx="1418658" cy="207749"/>
           </a:xfrm>
           <a:prstGeom prst="rect">
             <a:avLst/>
@@ -5339,7 +5339,7 @@
                 <a:ea typeface="Segoe UI" pitchFamily="34" charset="-122"/>
                 <a:cs typeface="Segoe UI" pitchFamily="34" charset="-120"/>
               </a:rPr>
-              <a:t>+7 (495) 123-45-67</a:t>
+              <a:t>+7 (911) 116-02-49</a:t>
             </a:r>
             <a:endParaRPr lang="en-US" sz="1350" dirty="0"/>
           </a:p>

--- a/ДОКУМЕНТЫ/МАТЕРИАЛ СТАТЬИ/SHIWA_NETWORK_Quantum_Стратегическое_преимущество_в_обеспечении_надежной_синхронизации_времени_для_бизнеса.pptx
+++ b/ДОКУМЕНТЫ/МАТЕРИАЛ СТАТЬИ/SHIWA_NETWORK_Quantum_Стратегическое_преимущество_в_обеспечении_надежной_синхронизации_времени_для_бизнеса.pptx
@@ -1921,7 +1921,7 @@
         </p:nvSpPr>
         <p:spPr>
           <a:xfrm>
-            <a:off x="5029200" y="3021806"/>
+            <a:off x="5029200" y="3082911"/>
             <a:ext cx="3406341" cy="396813"/>
           </a:xfrm>
           <a:prstGeom prst="rect">
@@ -2003,7 +2003,7 @@
         </p:nvSpPr>
         <p:spPr>
           <a:xfrm>
-            <a:off x="5029200" y="3518967"/>
+            <a:off x="5029200" y="3586042"/>
             <a:ext cx="3115094" cy="396813"/>
           </a:xfrm>
           <a:prstGeom prst="rect">
@@ -2044,7 +2044,7 @@
         </p:nvSpPr>
         <p:spPr>
           <a:xfrm>
-            <a:off x="5029200" y="4016127"/>
+            <a:off x="5029200" y="3927723"/>
             <a:ext cx="1455818" cy="176808"/>
           </a:xfrm>
           <a:prstGeom prst="rect">
@@ -2126,7 +2126,7 @@
         </p:nvSpPr>
         <p:spPr>
           <a:xfrm>
-            <a:off x="5029200" y="4513287"/>
+            <a:off x="5029200" y="4469197"/>
             <a:ext cx="1519610" cy="176808"/>
           </a:xfrm>
           <a:prstGeom prst="rect">
@@ -5144,8 +5144,8 @@
         </p:blipFill>
         <p:spPr>
           <a:xfrm>
-            <a:off x="4143375" y="2771775"/>
-            <a:ext cx="857250" cy="571500"/>
+            <a:off x="3971925" y="2632762"/>
+            <a:ext cx="1200150" cy="800100"/>
           </a:xfrm>
           <a:prstGeom prst="rect">
             <a:avLst/>

--- a/ДОКУМЕНТЫ/МАТЕРИАЛ СТАТЬИ/SHIWA_NETWORK_Quantum_Стратегическое_преимущество_в_обеспечении_надежной_синхронизации_времени_для_бизнеса.pptx
+++ b/ДОКУМЕНТЫ/МАТЕРИАЛ СТАТЬИ/SHIWA_NETWORK_Quantum_Стратегическое_преимущество_в_обеспечении_надежной_синхронизации_времени_для_бизнеса.pptx
@@ -3051,8 +3051,8 @@
         </p:nvSpPr>
         <p:spPr>
           <a:xfrm>
-            <a:off x="400050" y="1285875"/>
-            <a:ext cx="4057650" cy="880021"/>
+            <a:off x="400050" y="1440134"/>
+            <a:ext cx="4057650" cy="571503"/>
           </a:xfrm>
           <a:prstGeom prst="rect">
             <a:avLst/>
@@ -3070,6 +3070,28 @@
               <a:buNone/>
             </a:pPr>
             <a:r>
+              <a:rPr lang="ru-RU" sz="1238" dirty="0">
+                <a:solidFill>
+                  <a:srgbClr val="FFFFFF"/>
+                </a:solidFill>
+                <a:latin typeface="Segoe UI" pitchFamily="34" charset="0"/>
+                <a:ea typeface="Segoe UI" pitchFamily="34" charset="-122"/>
+                <a:cs typeface="Segoe UI" pitchFamily="34" charset="-120"/>
+              </a:rPr>
+              <a:t>Латиноамериканская </a:t>
+            </a:r>
+            <a:r>
+              <a:rPr lang="en-US" sz="1238" dirty="0" err="1">
+                <a:solidFill>
+                  <a:srgbClr val="FFFFFF"/>
+                </a:solidFill>
+                <a:latin typeface="Segoe UI" pitchFamily="34" charset="0"/>
+                <a:ea typeface="Segoe UI" pitchFamily="34" charset="-122"/>
+                <a:cs typeface="Segoe UI" pitchFamily="34" charset="-120"/>
+              </a:rPr>
+              <a:t>биржа</a:t>
+            </a:r>
+            <a:r>
               <a:rPr lang="en-US" sz="1238" dirty="0">
                 <a:solidFill>
                   <a:srgbClr val="FFFFFF"/>
@@ -3078,7 +3100,7 @@
                 <a:ea typeface="Segoe UI" pitchFamily="34" charset="-122"/>
                 <a:cs typeface="Segoe UI" pitchFamily="34" charset="-120"/>
               </a:rPr>
-              <a:t>Крупная европейская фондовая биржа внедрила решение Quantum для обеспечения соответствия MiFID II и защиты от помех и подмены сигналов GNSS.</a:t>
+              <a:t> внедрила решение Quantum для обеспечения соответствия MiFID II и защиты от помех и подмены сигналов GNSS.</a:t>
             </a:r>
             <a:endParaRPr lang="en-US" sz="1238" dirty="0"/>
           </a:p>
@@ -5160,7 +5182,7 @@
         </p:nvSpPr>
         <p:spPr>
           <a:xfrm>
-            <a:off x="342900" y="3571875"/>
+            <a:off x="378619" y="3629025"/>
             <a:ext cx="8458200" cy="1285875"/>
           </a:xfrm>
           <a:prstGeom prst="rect">
@@ -5231,7 +5253,7 @@
         </p:blipFill>
         <p:spPr>
           <a:xfrm>
-            <a:off x="514350" y="4100513"/>
+            <a:off x="795533" y="4271962"/>
             <a:ext cx="171450" cy="171450"/>
           </a:xfrm>
           <a:prstGeom prst="rect">
@@ -5247,7 +5269,7 @@
         </p:nvSpPr>
         <p:spPr>
           <a:xfrm>
-            <a:off x="771525" y="4057650"/>
+            <a:off x="1102714" y="4223319"/>
             <a:ext cx="1989200" cy="257175"/>
           </a:xfrm>
           <a:prstGeom prst="rect">
@@ -5347,7 +5369,7 @@
       </p:sp>
       <p:pic>
         <p:nvPicPr>
-          <p:cNvPr id="18" name="Image 4" descr="preencoded.png"/>
+          <p:cNvPr id="20" name="Image 5" descr="preencoded.png"/>
           <p:cNvPicPr>
             <a:picLocks noChangeAspect="1"/>
           </p:cNvPicPr>
@@ -5361,71 +5383,6 @@
         </p:blipFill>
         <p:spPr>
           <a:xfrm>
-            <a:off x="514350" y="4471988"/>
-            <a:ext cx="171450" cy="171450"/>
-          </a:xfrm>
-          <a:prstGeom prst="rect">
-            <a:avLst/>
-          </a:prstGeom>
-        </p:spPr>
-      </p:pic>
-      <p:sp>
-        <p:nvSpPr>
-          <p:cNvPr id="19" name="Text 12"/>
-          <p:cNvSpPr/>
-          <p:nvPr/>
-        </p:nvSpPr>
-        <p:spPr>
-          <a:xfrm>
-            <a:off x="771525" y="4429125"/>
-            <a:ext cx="1948346" cy="257175"/>
-          </a:xfrm>
-          <a:prstGeom prst="rect">
-            <a:avLst/>
-          </a:prstGeom>
-          <a:noFill/>
-          <a:ln/>
-        </p:spPr>
-        <p:txBody>
-          <a:bodyPr wrap="none" lIns="0" tIns="0" rIns="0" bIns="0" rtlCol="0" anchor="ctr">
-            <a:spAutoFit/>
-          </a:bodyPr>
-          <a:lstStyle/>
-          <a:p>
-            <a:pPr marL="0" indent="0">
-              <a:buNone/>
-            </a:pPr>
-            <a:r>
-              <a:rPr lang="en-US" sz="1350" dirty="0">
-                <a:solidFill>
-                  <a:srgbClr val="FFFFFF"/>
-                </a:solidFill>
-                <a:latin typeface="Segoe UI" pitchFamily="34" charset="0"/>
-                <a:ea typeface="Segoe UI" pitchFamily="34" charset="-122"/>
-                <a:cs typeface="Segoe UI" pitchFamily="34" charset="-120"/>
-              </a:rPr>
-              <a:t>www.shiwa-network.com</a:t>
-            </a:r>
-            <a:endParaRPr lang="en-US" sz="1350" dirty="0"/>
-          </a:p>
-        </p:txBody>
-      </p:sp>
-      <p:pic>
-        <p:nvPicPr>
-          <p:cNvPr id="20" name="Image 5" descr="preencoded.png"/>
-          <p:cNvPicPr>
-            <a:picLocks noChangeAspect="1"/>
-          </p:cNvPicPr>
-          <p:nvPr/>
-        </p:nvPicPr>
-        <p:blipFill>
-          <a:blip r:embed="rId8"/>
-          <a:stretch>
-            <a:fillRect/>
-          </a:stretch>
-        </p:blipFill>
-        <p:spPr>
-          <a:xfrm>
             <a:off x="4629150" y="4471988"/>
             <a:ext cx="128588" cy="171450"/>
           </a:xfrm>
@@ -5484,7 +5441,7 @@
           <p:nvPr/>
         </p:nvPicPr>
         <p:blipFill>
-          <a:blip r:embed="rId9"/>
+          <a:blip r:embed="rId8"/>
           <a:stretch>
             <a:fillRect/>
           </a:stretch>

--- a/ДОКУМЕНТЫ/МАТЕРИАЛ СТАТЬИ/SHIWA_NETWORK_Quantum_Стратегическое_преимущество_в_обеспечении_надежной_синхронизации_времени_для_бизнеса.pptx
+++ b/ДОКУМЕНТЫ/МАТЕРИАЛ СТАТЬИ/SHIWA_NETWORK_Quantum_Стратегическое_преимущество_в_обеспечении_надежной_синхронизации_времени_для_бизнеса.pptx
@@ -1091,7 +1091,7 @@
         </p:blipFill>
         <p:spPr>
           <a:xfrm>
-            <a:off x="0" y="0"/>
+            <a:off x="-51156" y="30523"/>
             <a:ext cx="9144000" cy="5143500"/>
           </a:xfrm>
           <a:prstGeom prst="rect">
@@ -1121,9 +1121,91 @@
           <a:ln/>
         </p:spPr>
       </p:sp>
+      <p:sp>
+        <p:nvSpPr>
+          <p:cNvPr id="5" name="Text 1"/>
+          <p:cNvSpPr/>
+          <p:nvPr/>
+        </p:nvSpPr>
+        <p:spPr>
+          <a:xfrm>
+            <a:off x="1371600" y="1739607"/>
+            <a:ext cx="6472238" cy="623248"/>
+          </a:xfrm>
+          <a:prstGeom prst="rect">
+            <a:avLst/>
+          </a:prstGeom>
+          <a:noFill/>
+          <a:ln/>
+        </p:spPr>
+        <p:txBody>
+          <a:bodyPr wrap="square" lIns="0" tIns="0" rIns="0" bIns="0" rtlCol="0" anchor="ctr">
+            <a:spAutoFit/>
+          </a:bodyPr>
+          <a:lstStyle/>
+          <a:p>
+            <a:pPr marL="0" indent="0" algn="ctr">
+              <a:buNone/>
+            </a:pPr>
+            <a:r>
+              <a:rPr lang="en-US" sz="4050" b="1" dirty="0">
+                <a:solidFill>
+                  <a:srgbClr val="FFFFFF"/>
+                </a:solidFill>
+                <a:latin typeface="Segoe UI" pitchFamily="34" charset="0"/>
+                <a:ea typeface="Segoe UI" pitchFamily="34" charset="-122"/>
+                <a:cs typeface="Segoe UI" pitchFamily="34" charset="-120"/>
+              </a:rPr>
+              <a:t>SHIWA NETWORK</a:t>
+            </a:r>
+            <a:endParaRPr lang="en-US" sz="4050" dirty="0"/>
+          </a:p>
+        </p:txBody>
+      </p:sp>
+      <p:sp>
+        <p:nvSpPr>
+          <p:cNvPr id="6" name="Text 2"/>
+          <p:cNvSpPr/>
+          <p:nvPr/>
+        </p:nvSpPr>
+        <p:spPr>
+          <a:xfrm>
+            <a:off x="1371600" y="2585280"/>
+            <a:ext cx="6472238" cy="771525"/>
+          </a:xfrm>
+          <a:prstGeom prst="rect">
+            <a:avLst/>
+          </a:prstGeom>
+          <a:noFill/>
+          <a:ln/>
+        </p:spPr>
+        <p:txBody>
+          <a:bodyPr wrap="square" lIns="0" tIns="0" rIns="0" bIns="0" rtlCol="0" anchor="ctr">
+            <a:spAutoFit/>
+          </a:bodyPr>
+          <a:lstStyle/>
+          <a:p>
+            <a:pPr marL="0" indent="0" algn="ctr">
+              <a:buNone/>
+            </a:pPr>
+            <a:r>
+              <a:rPr lang="en-US" sz="2025" b="1" dirty="0">
+                <a:solidFill>
+                  <a:srgbClr val="C0C0C0"/>
+                </a:solidFill>
+                <a:latin typeface="Segoe UI" pitchFamily="34" charset="0"/>
+                <a:ea typeface="Segoe UI" pitchFamily="34" charset="-122"/>
+                <a:cs typeface="Segoe UI" pitchFamily="34" charset="-120"/>
+              </a:rPr>
+              <a:t>Стратегическое преимущество в обеспечении надежной синхронизации времени для бизнеса</a:t>
+            </a:r>
+            <a:endParaRPr lang="en-US" sz="2025" dirty="0"/>
+          </a:p>
+        </p:txBody>
+      </p:sp>
       <p:pic>
         <p:nvPicPr>
-          <p:cNvPr id="4" name="Image 1" descr="preencoded.png"/>
+          <p:cNvPr id="8" name="Image 2" descr="preencoded.png"/>
           <p:cNvPicPr>
             <a:picLocks noChangeAspect="1"/>
           </p:cNvPicPr>
@@ -1137,114 +1219,44 @@
         </p:blipFill>
         <p:spPr>
           <a:xfrm>
-            <a:off x="4143375" y="525791"/>
-            <a:ext cx="857250" cy="857250"/>
+            <a:off x="8272463" y="4486275"/>
+            <a:ext cx="642938" cy="428625"/>
           </a:xfrm>
           <a:prstGeom prst="rect">
             <a:avLst/>
           </a:prstGeom>
         </p:spPr>
       </p:pic>
-      <p:sp>
-        <p:nvSpPr>
-          <p:cNvPr id="5" name="Text 1"/>
-          <p:cNvSpPr/>
-          <p:nvPr/>
-        </p:nvSpPr>
-        <p:spPr>
-          <a:xfrm>
-            <a:off x="1371600" y="1725941"/>
-            <a:ext cx="6472238" cy="1234418"/>
-          </a:xfrm>
-          <a:prstGeom prst="rect">
-            <a:avLst/>
-          </a:prstGeom>
-          <a:noFill/>
-          <a:ln/>
-        </p:spPr>
-        <p:txBody>
-          <a:bodyPr wrap="square" lIns="0" tIns="0" rIns="0" bIns="0" rtlCol="0" anchor="ctr">
-            <a:spAutoFit/>
-          </a:bodyPr>
-          <a:lstStyle/>
-          <a:p>
-            <a:pPr marL="0" indent="0" algn="ctr">
-              <a:buNone/>
-            </a:pPr>
-            <a:r>
-              <a:rPr lang="en-US" sz="4050" b="1" dirty="0">
-                <a:solidFill>
-                  <a:srgbClr val="FFFFFF"/>
-                </a:solidFill>
-                <a:latin typeface="Segoe UI" pitchFamily="34" charset="0"/>
-                <a:ea typeface="Segoe UI" pitchFamily="34" charset="-122"/>
-                <a:cs typeface="Segoe UI" pitchFamily="34" charset="-120"/>
-              </a:rPr>
-              <a:t>SHIWA NETWORK Quantum</a:t>
-            </a:r>
-            <a:endParaRPr lang="en-US" sz="4050" dirty="0"/>
-          </a:p>
-        </p:txBody>
-      </p:sp>
-      <p:sp>
-        <p:nvSpPr>
-          <p:cNvPr id="6" name="Text 2"/>
-          <p:cNvSpPr/>
-          <p:nvPr/>
-        </p:nvSpPr>
-        <p:spPr>
-          <a:xfrm>
-            <a:off x="1371600" y="3131809"/>
-            <a:ext cx="6472238" cy="771525"/>
-          </a:xfrm>
-          <a:prstGeom prst="rect">
-            <a:avLst/>
-          </a:prstGeom>
-          <a:noFill/>
-          <a:ln/>
-        </p:spPr>
-        <p:txBody>
-          <a:bodyPr wrap="square" lIns="0" tIns="0" rIns="0" bIns="0" rtlCol="0" anchor="ctr">
-            <a:spAutoFit/>
-          </a:bodyPr>
-          <a:lstStyle/>
-          <a:p>
-            <a:pPr marL="0" indent="0" algn="ctr">
-              <a:buNone/>
-            </a:pPr>
-            <a:r>
-              <a:rPr lang="en-US" sz="2025" b="1" dirty="0">
-                <a:solidFill>
-                  <a:srgbClr val="C0C0C0"/>
-                </a:solidFill>
-                <a:latin typeface="Segoe UI" pitchFamily="34" charset="0"/>
-                <a:ea typeface="Segoe UI" pitchFamily="34" charset="-122"/>
-                <a:cs typeface="Segoe UI" pitchFamily="34" charset="-120"/>
-              </a:rPr>
-              <a:t>Стратегическое преимущество в обеспечении надежной синхронизации времени для бизнеса</a:t>
-            </a:r>
-            <a:endParaRPr lang="en-US" sz="2025" dirty="0"/>
-          </a:p>
-        </p:txBody>
-      </p:sp>
       <p:pic>
         <p:nvPicPr>
-          <p:cNvPr id="8" name="Image 2" descr="preencoded.png"/>
+          <p:cNvPr id="9" name="Рисунок 8">
+            <a:extLst>
+              <a:ext uri="{FF2B5EF4-FFF2-40B4-BE49-F238E27FC236}">
+                <a16:creationId xmlns:a16="http://schemas.microsoft.com/office/drawing/2014/main" id="{715FF7C5-097B-4CBC-B216-2048CC474D5D}"/>
+              </a:ext>
+            </a:extLst>
+          </p:cNvPr>
           <p:cNvPicPr>
             <a:picLocks noChangeAspect="1"/>
           </p:cNvPicPr>
           <p:nvPr/>
         </p:nvPicPr>
         <p:blipFill>
-          <a:blip r:embed="rId5"/>
+          <a:blip r:embed="rId5">
+            <a:extLst>
+              <a:ext uri="{96DAC541-7B7A-43D3-8B79-37D633B846F1}">
+                <asvg:svgBlip xmlns:asvg="http://schemas.microsoft.com/office/drawing/2016/SVG/main" r:embed="rId6"/>
+              </a:ext>
+            </a:extLst>
+          </a:blip>
           <a:stretch>
             <a:fillRect/>
           </a:stretch>
         </p:blipFill>
         <p:spPr>
           <a:xfrm>
-            <a:off x="8272463" y="4486275"/>
-            <a:ext cx="642938" cy="428625"/>
+            <a:off x="228599" y="4294363"/>
+            <a:ext cx="2030286" cy="849137"/>
           </a:xfrm>
           <a:prstGeom prst="rect">
             <a:avLst/>
@@ -1752,8 +1764,8 @@
         </p:nvSpPr>
         <p:spPr>
           <a:xfrm>
-            <a:off x="371475" y="3300301"/>
-            <a:ext cx="4014788" cy="440010"/>
+            <a:off x="371475" y="3329805"/>
+            <a:ext cx="4014788" cy="381002"/>
           </a:xfrm>
           <a:prstGeom prst="rect">
             <a:avLst/>
@@ -1779,7 +1791,62 @@
                 <a:ea typeface="Segoe UI" pitchFamily="34" charset="-122"/>
                 <a:cs typeface="Segoe UI" pitchFamily="34" charset="-120"/>
               </a:rPr>
-              <a:t>Несоблюдение требований (MiFID II, FINRA) может привести к штрафам и потере лицензий.</a:t>
+              <a:t>Несоблюдение </a:t>
+            </a:r>
+            <a:r>
+              <a:rPr lang="en-US" sz="1238" dirty="0" err="1">
+                <a:solidFill>
+                  <a:srgbClr val="FFFFFF"/>
+                </a:solidFill>
+                <a:latin typeface="Segoe UI" pitchFamily="34" charset="0"/>
+                <a:ea typeface="Segoe UI" pitchFamily="34" charset="-122"/>
+                <a:cs typeface="Segoe UI" pitchFamily="34" charset="-120"/>
+              </a:rPr>
+              <a:t>требований</a:t>
+            </a:r>
+            <a:r>
+              <a:rPr lang="en-US" sz="1238" dirty="0">
+                <a:solidFill>
+                  <a:srgbClr val="FFFFFF"/>
+                </a:solidFill>
+                <a:latin typeface="Segoe UI" pitchFamily="34" charset="0"/>
+                <a:ea typeface="Segoe UI" pitchFamily="34" charset="-122"/>
+                <a:cs typeface="Segoe UI" pitchFamily="34" charset="-120"/>
+              </a:rPr>
+              <a:t> </a:t>
+            </a:r>
+            <a:r>
+              <a:rPr lang="ru-RU" sz="1238" dirty="0">
+                <a:solidFill>
+                  <a:srgbClr val="FFFFFF"/>
+                </a:solidFill>
+                <a:latin typeface="Segoe UI" pitchFamily="34" charset="0"/>
+                <a:ea typeface="Segoe UI" pitchFamily="34" charset="-122"/>
+                <a:cs typeface="Segoe UI" pitchFamily="34" charset="-120"/>
+              </a:rPr>
+              <a:t>«регуляторов», </a:t>
+            </a:r>
+            <a:r>
+              <a:rPr lang="en-US" sz="1238" dirty="0" err="1">
+                <a:solidFill>
+                  <a:srgbClr val="FFFFFF"/>
+                </a:solidFill>
+                <a:latin typeface="Segoe UI" pitchFamily="34" charset="0"/>
+                <a:ea typeface="Segoe UI" pitchFamily="34" charset="-122"/>
+                <a:cs typeface="Segoe UI" pitchFamily="34" charset="-120"/>
+              </a:rPr>
+              <a:t>может</a:t>
+            </a:r>
+            <a:r>
+              <a:rPr lang="en-US" sz="1238" dirty="0">
+                <a:solidFill>
+                  <a:srgbClr val="FFFFFF"/>
+                </a:solidFill>
+                <a:latin typeface="Segoe UI" pitchFamily="34" charset="0"/>
+                <a:ea typeface="Segoe UI" pitchFamily="34" charset="-122"/>
+                <a:cs typeface="Segoe UI" pitchFamily="34" charset="-120"/>
+              </a:rPr>
+              <a:t> привести к штрафам и потере лицензий.</a:t>
             </a:r>
             <a:endParaRPr lang="en-US" sz="1238" dirty="0"/>
           </a:p>
@@ -2044,7 +2111,7 @@
         </p:nvSpPr>
         <p:spPr>
           <a:xfrm>
-            <a:off x="5029200" y="3927723"/>
+            <a:off x="5029200" y="3980176"/>
             <a:ext cx="1455818" cy="176808"/>
           </a:xfrm>
           <a:prstGeom prst="rect">
@@ -2085,7 +2152,7 @@
         </p:nvSpPr>
         <p:spPr>
           <a:xfrm>
-            <a:off x="5029200" y="4016127"/>
+            <a:off x="5029200" y="4072384"/>
             <a:ext cx="3669683" cy="396813"/>
           </a:xfrm>
           <a:prstGeom prst="rect">
@@ -2167,7 +2234,7 @@
         </p:nvSpPr>
         <p:spPr>
           <a:xfrm>
-            <a:off x="5029200" y="4513287"/>
+            <a:off x="5029200" y="4575515"/>
             <a:ext cx="3712908" cy="396813"/>
           </a:xfrm>
           <a:prstGeom prst="rect">
@@ -3078,7 +3145,7 @@
                 <a:ea typeface="Segoe UI" pitchFamily="34" charset="-122"/>
                 <a:cs typeface="Segoe UI" pitchFamily="34" charset="-120"/>
               </a:rPr>
-              <a:t>Латиноамериканская </a:t>
+              <a:t>Крупная биржа </a:t>
             </a:r>
             <a:r>
               <a:rPr lang="en-US" sz="1238" dirty="0" err="1">
@@ -3089,7 +3156,7 @@
                 <a:ea typeface="Segoe UI" pitchFamily="34" charset="-122"/>
                 <a:cs typeface="Segoe UI" pitchFamily="34" charset="-120"/>
               </a:rPr>
-              <a:t>биржа</a:t>
+              <a:t>внедрила</a:t>
             </a:r>
             <a:r>
               <a:rPr lang="en-US" sz="1238" dirty="0">
@@ -3100,7 +3167,7 @@
                 <a:ea typeface="Segoe UI" pitchFamily="34" charset="-122"/>
                 <a:cs typeface="Segoe UI" pitchFamily="34" charset="-120"/>
               </a:rPr>
-              <a:t> внедрила решение Quantum для обеспечения соответствия MiFID II и защиты от помех и подмены сигналов GNSS.</a:t>
+              <a:t> решение Quantum для обеспечения соответствия MiFID II и защиты от помех и подмены сигналов GNSS.</a:t>
             </a:r>
             <a:endParaRPr lang="en-US" sz="1238" dirty="0"/>
           </a:p>
@@ -3327,8 +3394,8 @@
         </p:nvSpPr>
         <p:spPr>
           <a:xfrm>
-            <a:off x="4757738" y="1285875"/>
-            <a:ext cx="4057650" cy="660016"/>
+            <a:off x="4757738" y="1234881"/>
+            <a:ext cx="4057650" cy="762003"/>
           </a:xfrm>
           <a:prstGeom prst="rect">
             <a:avLst/>
@@ -3346,6 +3413,17 @@
               <a:buNone/>
             </a:pPr>
             <a:r>
+              <a:rPr lang="ru-RU" sz="1238" dirty="0">
+                <a:solidFill>
+                  <a:srgbClr val="FFFFFF"/>
+                </a:solidFill>
+                <a:latin typeface="Segoe UI" pitchFamily="34" charset="0"/>
+                <a:ea typeface="Segoe UI" pitchFamily="34" charset="-122"/>
+                <a:cs typeface="Segoe UI" pitchFamily="34" charset="-120"/>
+              </a:rPr>
+              <a:t>Телекоммуникационный оператор</a:t>
+            </a:r>
+            <a:r>
               <a:rPr lang="en-US" sz="1238" dirty="0">
                 <a:solidFill>
                   <a:srgbClr val="FFFFFF"/>
@@ -3354,7 +3432,7 @@
                 <a:ea typeface="Segoe UI" pitchFamily="34" charset="-122"/>
                 <a:cs typeface="Segoe UI" pitchFamily="34" charset="-120"/>
               </a:rPr>
-              <a:t>Оператор мобильной связи использовал Quantum для синхронизации базовых станций 5G с наносекундной точностью в условиях плотной городской застройки.</a:t>
+              <a:t> использовал Quantum для синхронизации базовых станций 5G с наносекундной точностью в условиях плотной городской застройки.</a:t>
             </a:r>
             <a:endParaRPr lang="en-US" sz="1238" dirty="0"/>
           </a:p>
@@ -3390,7 +3468,7 @@
         </p:nvSpPr>
         <p:spPr>
           <a:xfrm>
-            <a:off x="4722018" y="2031616"/>
+            <a:off x="4722018" y="2047024"/>
             <a:ext cx="1961211" cy="178594"/>
           </a:xfrm>
           <a:prstGeom prst="rect">
@@ -5166,8 +5244,8 @@
         </p:blipFill>
         <p:spPr>
           <a:xfrm>
-            <a:off x="3971925" y="2632762"/>
-            <a:ext cx="1200150" cy="800100"/>
+            <a:off x="3910527" y="2616543"/>
+            <a:ext cx="1322945" cy="881963"/>
           </a:xfrm>
           <a:prstGeom prst="rect">
             <a:avLst/>

--- a/ДОКУМЕНТЫ/МАТЕРИАЛ СТАТЬИ/SHIWA_NETWORK_Quantum_Стратегическое_преимущество_в_обеспечении_надежной_синхронизации_времени_для_бизнеса.pptx
+++ b/ДОКУМЕНТЫ/МАТЕРИАЛ СТАТЬИ/SHIWA_NETWORK_Quantum_Стратегическое_преимущество_в_обеспечении_надежной_синхронизации_времени_для_бизнеса.pptx
@@ -3145,7 +3145,29 @@
                 <a:ea typeface="Segoe UI" pitchFamily="34" charset="-122"/>
                 <a:cs typeface="Segoe UI" pitchFamily="34" charset="-120"/>
               </a:rPr>
-              <a:t>Крупная биржа </a:t>
+              <a:t>Торговая </a:t>
+            </a:r>
+            <a:r>
+              <a:rPr lang="ru-RU" sz="1238" dirty="0" err="1">
+                <a:solidFill>
+                  <a:srgbClr val="FFFFFF"/>
+                </a:solidFill>
+                <a:latin typeface="Segoe UI" pitchFamily="34" charset="0"/>
+                <a:ea typeface="Segoe UI" pitchFamily="34" charset="-122"/>
+                <a:cs typeface="Segoe UI" pitchFamily="34" charset="-120"/>
+              </a:rPr>
+              <a:t>платофрма</a:t>
+            </a:r>
+            <a:r>
+              <a:rPr lang="ru-RU" sz="1238" dirty="0">
+                <a:solidFill>
+                  <a:srgbClr val="FFFFFF"/>
+                </a:solidFill>
+                <a:latin typeface="Segoe UI" pitchFamily="34" charset="0"/>
+                <a:ea typeface="Segoe UI" pitchFamily="34" charset="-122"/>
+                <a:cs typeface="Segoe UI" pitchFamily="34" charset="-120"/>
+              </a:rPr>
+              <a:t> </a:t>
             </a:r>
             <a:r>
               <a:rPr lang="en-US" sz="1238" dirty="0" err="1">
